--- a/Ruby On Rails Deck - Models.pptx
+++ b/Ruby On Rails Deck - Models.pptx
@@ -5,7 +5,7 @@
     <p:sldMasterId id="2147483654" r:id="rId1"/>
   </p:sldMasterIdLst>
   <p:notesMasterIdLst>
-    <p:notesMasterId r:id="rId20"/>
+    <p:notesMasterId r:id="rId42"/>
   </p:notesMasterIdLst>
   <p:sldIdLst>
     <p:sldId id="256" r:id="rId2"/>
@@ -25,7 +25,29 @@
     <p:sldId id="270" r:id="rId16"/>
     <p:sldId id="271" r:id="rId17"/>
     <p:sldId id="272" r:id="rId18"/>
-    <p:sldId id="273" r:id="rId19"/>
+    <p:sldId id="274" r:id="rId19"/>
+    <p:sldId id="275" r:id="rId20"/>
+    <p:sldId id="276" r:id="rId21"/>
+    <p:sldId id="277" r:id="rId22"/>
+    <p:sldId id="278" r:id="rId23"/>
+    <p:sldId id="281" r:id="rId24"/>
+    <p:sldId id="279" r:id="rId25"/>
+    <p:sldId id="280" r:id="rId26"/>
+    <p:sldId id="282" r:id="rId27"/>
+    <p:sldId id="283" r:id="rId28"/>
+    <p:sldId id="284" r:id="rId29"/>
+    <p:sldId id="285" r:id="rId30"/>
+    <p:sldId id="286" r:id="rId31"/>
+    <p:sldId id="288" r:id="rId32"/>
+    <p:sldId id="287" r:id="rId33"/>
+    <p:sldId id="289" r:id="rId34"/>
+    <p:sldId id="293" r:id="rId35"/>
+    <p:sldId id="294" r:id="rId36"/>
+    <p:sldId id="292" r:id="rId37"/>
+    <p:sldId id="290" r:id="rId38"/>
+    <p:sldId id="291" r:id="rId39"/>
+    <p:sldId id="295" r:id="rId40"/>
+    <p:sldId id="273" r:id="rId41"/>
   </p:sldIdLst>
   <p:sldSz cx="9144000" cy="5143500" type="screen16x9"/>
   <p:notesSz cx="6858000" cy="9144000"/>
@@ -4860,23 +4882,7 @@
             </a:r>
             <a:r>
               <a:rPr lang="en-US" sz="1600" dirty="0"/>
-              <a:t>a model </a:t>
-            </a:r>
-            <a:r>
-              <a:rPr lang="en-US" sz="1600" dirty="0"/>
-              <a:t>User</a:t>
-            </a:r>
-            <a:r>
-              <a:rPr lang="en-US" sz="1600" dirty="0"/>
-              <a:t> with attributes of </a:t>
-            </a:r>
-            <a:r>
-              <a:rPr lang="en-US" sz="1600" dirty="0"/>
-              <a:t>name</a:t>
-            </a:r>
-            <a:r>
-              <a:rPr lang="en-US" sz="1600" dirty="0"/>
-              <a:t> and </a:t>
+              <a:t>a model User with attributes of name and </a:t>
             </a:r>
             <a:r>
               <a:rPr lang="en-US" sz="1600" dirty="0" smtClean="0"/>
@@ -4884,15 +4890,7 @@
             </a:r>
             <a:r>
               <a:rPr lang="en-US" sz="1600" dirty="0"/>
-              <a:t> </a:t>
-            </a:r>
-            <a:r>
-              <a:rPr lang="en-US" sz="1600" dirty="0"/>
-              <a:t>create</a:t>
-            </a:r>
-            <a:r>
-              <a:rPr lang="en-US" sz="1600" dirty="0"/>
-              <a:t> method call will create and save a new record into the database</a:t>
+              <a:t> create method call will create and save a new record into the database</a:t>
             </a:r>
             <a:r>
               <a:rPr lang="en-US" sz="1600" dirty="0" smtClean="0"/>
@@ -6189,23 +6187,7 @@
             </a:r>
             <a:r>
               <a:rPr lang="en-US" sz="1600" dirty="0"/>
-              <a:t>the methods </a:t>
-            </a:r>
-            <a:r>
-              <a:rPr lang="en-US" sz="1600" dirty="0"/>
-              <a:t>save</a:t>
-            </a:r>
-            <a:r>
-              <a:rPr lang="en-US" sz="1600" dirty="0"/>
-              <a:t> and </a:t>
-            </a:r>
-            <a:r>
-              <a:rPr lang="en-US" sz="1600" dirty="0"/>
-              <a:t>update</a:t>
-            </a:r>
-            <a:r>
-              <a:rPr lang="en-US" sz="1600" dirty="0"/>
-              <a:t> take it into account when </a:t>
+              <a:t>the methods save and update take it into account when </a:t>
             </a:r>
             <a:r>
               <a:rPr lang="en-US" sz="1600" dirty="0" smtClean="0"/>
@@ -6223,15 +6205,7 @@
             </a:r>
             <a:r>
               <a:rPr lang="en-US" sz="1600" dirty="0"/>
-              <a:t>return </a:t>
-            </a:r>
-            <a:r>
-              <a:rPr lang="en-US" sz="1600" dirty="0"/>
-              <a:t>false</a:t>
-            </a:r>
-            <a:r>
-              <a:rPr lang="en-US" sz="1600" dirty="0"/>
-              <a:t> when validation fails and they didn't actually perform any operation on the database</a:t>
+              <a:t>return false when validation fails and they didn't actually perform any operation on the database</a:t>
             </a:r>
             <a:endParaRPr sz="1600" dirty="0"/>
           </a:p>
@@ -6390,31 +6364,7 @@
             </a:r>
             <a:r>
               <a:rPr lang="en-US" sz="1600" dirty="0"/>
-              <a:t>you can see, our validation lets us know that our </a:t>
-            </a:r>
-            <a:r>
-              <a:rPr lang="en-US" sz="1600" dirty="0"/>
-              <a:t>Person</a:t>
-            </a:r>
-            <a:r>
-              <a:rPr lang="en-US" sz="1600" dirty="0"/>
-              <a:t> is not valid without a </a:t>
-            </a:r>
-            <a:r>
-              <a:rPr lang="en-US" sz="1600" dirty="0"/>
-              <a:t>name</a:t>
-            </a:r>
-            <a:r>
-              <a:rPr lang="en-US" sz="1600" dirty="0"/>
-              <a:t> attribute. The second </a:t>
-            </a:r>
-            <a:r>
-              <a:rPr lang="en-US" sz="1600" dirty="0"/>
-              <a:t>Person</a:t>
-            </a:r>
-            <a:r>
-              <a:rPr lang="en-US" sz="1600" dirty="0"/>
-              <a:t> will not be persisted to the database.</a:t>
+              <a:t>you can see, our validation lets us know that our Person is not valid without a name attribute. The second Person will not be persisted to the database.</a:t>
             </a:r>
             <a:endParaRPr lang="en" sz="1600" dirty="0"/>
           </a:p>
@@ -7238,15 +7188,7 @@
             </a:r>
             <a:r>
               <a:rPr lang="en-US" sz="1600" dirty="0"/>
-              <a:t>are stored in files which are executed against any database that Active Record supports using </a:t>
-            </a:r>
-            <a:r>
-              <a:rPr lang="en-US" sz="1600" dirty="0"/>
-              <a:t>rake</a:t>
-            </a:r>
-            <a:r>
-              <a:rPr lang="en-US" sz="1600" dirty="0"/>
-              <a:t>. Here's a migration that creates a table</a:t>
+              <a:t>are stored in files which are executed against any database that Active Record supports using rake. Here's a migration that creates a table</a:t>
             </a:r>
             <a:endParaRPr sz="1600" dirty="0"/>
           </a:p>
@@ -7529,9 +7471,15 @@
 <file path=ppt/slides/slide18.xml><?xml version="1.0" encoding="utf-8"?>
 <p:sld xmlns:a="http://schemas.openxmlformats.org/drawingml/2006/main" xmlns:r="http://schemas.openxmlformats.org/officeDocument/2006/relationships" xmlns:p="http://schemas.openxmlformats.org/presentationml/2006/main">
   <p:cSld>
+    <p:bg>
+      <p:bgPr>
+        <a:noFill/>
+        <a:effectLst/>
+      </p:bgPr>
+    </p:bg>
     <p:spTree>
       <p:nvGrpSpPr>
-        <p:cNvPr id="1" name="Shape 131"/>
+        <p:cNvPr id="1" name=""/>
         <p:cNvGrpSpPr/>
         <p:nvPr/>
       </p:nvGrpSpPr>
@@ -7545,93 +7493,781 @@
       </p:grpSpPr>
       <p:sp>
         <p:nvSpPr>
-          <p:cNvPr id="132" name="Shape 132"/>
-          <p:cNvSpPr txBox="1">
+          <p:cNvPr id="2" name="Title 1"/>
+          <p:cNvSpPr>
             <a:spLocks noGrp="1"/>
           </p:cNvSpPr>
           <p:nvPr>
             <p:ph type="title"/>
           </p:nvPr>
         </p:nvSpPr>
+        <p:spPr/>
+        <p:txBody>
+          <a:bodyPr/>
+          <a:lstStyle/>
+          <a:p>
+            <a:r>
+              <a:rPr lang="en-US" sz="1800" dirty="0" smtClean="0"/>
+              <a:t>9. Associations</a:t>
+            </a:r>
+            <a:endParaRPr lang="en-US" sz="1800" dirty="0"/>
+          </a:p>
+        </p:txBody>
+      </p:sp>
+      <p:sp>
+        <p:nvSpPr>
+          <p:cNvPr id="3" name="Text Placeholder 2"/>
+          <p:cNvSpPr>
+            <a:spLocks noGrp="1"/>
+          </p:cNvSpPr>
+          <p:nvPr>
+            <p:ph type="body" idx="1"/>
+          </p:nvPr>
+        </p:nvSpPr>
+        <p:spPr/>
+        <p:txBody>
+          <a:bodyPr/>
+          <a:lstStyle/>
+          <a:p>
+            <a:pPr marL="285750" lvl="1" indent="-285750">
+              <a:buFont typeface="Arial" pitchFamily="34" charset="0"/>
+              <a:buChar char="•"/>
+            </a:pPr>
+            <a:r>
+              <a:rPr lang="en-US" sz="1600" dirty="0" smtClean="0"/>
+              <a:t>Why Associations?</a:t>
+            </a:r>
+          </a:p>
+          <a:p>
+            <a:pPr lvl="1"/>
+            <a:r>
+              <a:rPr lang="en-US" sz="1600" dirty="0"/>
+              <a:t> </a:t>
+            </a:r>
+            <a:r>
+              <a:rPr lang="en-US" sz="1600" dirty="0" smtClean="0"/>
+              <a:t>    They </a:t>
+            </a:r>
+            <a:r>
+              <a:rPr lang="en-US" sz="1600" dirty="0"/>
+              <a:t>make common operations simpler and easier in your </a:t>
+            </a:r>
+            <a:r>
+              <a:rPr lang="en-US" sz="1600" dirty="0" smtClean="0"/>
+              <a:t>code</a:t>
+            </a:r>
+            <a:br>
+              <a:rPr lang="en-US" sz="1600" dirty="0" smtClean="0"/>
+            </a:br>
+            <a:endParaRPr lang="en-US" sz="1600" dirty="0" smtClean="0"/>
+          </a:p>
+          <a:p>
+            <a:pPr marL="285750" lvl="1" indent="-285750">
+              <a:buFont typeface="Arial" pitchFamily="34" charset="0"/>
+              <a:buChar char="•"/>
+            </a:pPr>
+            <a:r>
+              <a:rPr lang="en-US" sz="1600" dirty="0" smtClean="0"/>
+              <a:t>Example without association:-</a:t>
+            </a:r>
+            <a:br>
+              <a:rPr lang="en-US" sz="1600" dirty="0" smtClean="0"/>
+            </a:br>
+            <a:r>
+              <a:rPr lang="en-US" sz="1600" dirty="0" smtClean="0"/>
+              <a:t>Consider </a:t>
+            </a:r>
+            <a:r>
+              <a:rPr lang="en-US" sz="1600" dirty="0"/>
+              <a:t>a simple Rails application that includes a model for customers and a model for </a:t>
+            </a:r>
+            <a:r>
+              <a:rPr lang="en-US" sz="1600" dirty="0" smtClean="0"/>
+              <a:t>orders.</a:t>
+            </a:r>
+            <a:br>
+              <a:rPr lang="en-US" sz="1600" dirty="0" smtClean="0"/>
+            </a:br>
+            <a:r>
+              <a:rPr lang="en-US" sz="1600" dirty="0" smtClean="0"/>
+              <a:t/>
+            </a:r>
+            <a:br>
+              <a:rPr lang="en-US" sz="1600" dirty="0" smtClean="0"/>
+            </a:br>
+            <a:endParaRPr lang="en-US" sz="1600" dirty="0" smtClean="0"/>
+          </a:p>
+          <a:p>
+            <a:pPr marL="285750" lvl="1" indent="-285750">
+              <a:buFont typeface="Arial" pitchFamily="34" charset="0"/>
+              <a:buChar char="•"/>
+            </a:pPr>
+            <a:endParaRPr lang="en-US" sz="1600" dirty="0"/>
+          </a:p>
+          <a:p>
+            <a:pPr marL="285750" lvl="1" indent="-285750">
+              <a:buFont typeface="Arial" pitchFamily="34" charset="0"/>
+              <a:buChar char="•"/>
+            </a:pPr>
+            <a:endParaRPr lang="en-US" sz="1600" dirty="0" smtClean="0"/>
+          </a:p>
+          <a:p>
+            <a:pPr marL="285750" lvl="1" indent="-285750">
+              <a:buFont typeface="Arial" pitchFamily="34" charset="0"/>
+              <a:buChar char="•"/>
+            </a:pPr>
+            <a:endParaRPr lang="en-US" sz="1600" dirty="0"/>
+          </a:p>
+          <a:p>
+            <a:pPr marL="285750" lvl="1" indent="-285750">
+              <a:buFont typeface="Arial" pitchFamily="34" charset="0"/>
+              <a:buChar char="•"/>
+            </a:pPr>
+            <a:r>
+              <a:rPr lang="en-US" sz="1600" dirty="0" smtClean="0"/>
+              <a:t>To create a new order </a:t>
+            </a:r>
+            <a:r>
+              <a:rPr lang="en-US" sz="1600" dirty="0"/>
+              <a:t>we will write-</a:t>
+            </a:r>
+            <a:br>
+              <a:rPr lang="en-US" sz="1600" dirty="0"/>
+            </a:br>
+            <a:endParaRPr lang="en-US" sz="1600" dirty="0" smtClean="0"/>
+          </a:p>
+        </p:txBody>
+      </p:sp>
+      <p:graphicFrame>
+        <p:nvGraphicFramePr>
+          <p:cNvPr id="4" name="Table 3"/>
+          <p:cNvGraphicFramePr>
+            <a:graphicFrameLocks noGrp="1"/>
+          </p:cNvGraphicFramePr>
+          <p:nvPr>
+            <p:extLst>
+              <p:ext uri="{D42A27DB-BD31-4B8C-83A1-F6EECF244321}">
+                <p14:modId xmlns:p14="http://schemas.microsoft.com/office/powerpoint/2010/main" val="1872801716"/>
+              </p:ext>
+            </p:extLst>
+          </p:nvPr>
+        </p:nvGraphicFramePr>
+        <p:xfrm>
+          <a:off x="838200" y="2800350"/>
+          <a:ext cx="5410200" cy="1024731"/>
+        </p:xfrm>
+        <a:graphic>
+          <a:graphicData uri="http://schemas.openxmlformats.org/drawingml/2006/table">
+            <a:tbl>
+              <a:tblPr/>
+              <a:tblGrid>
+                <a:gridCol w="5410200"/>
+              </a:tblGrid>
+              <a:tr h="1024731">
+                <a:tc>
+                  <a:txBody>
+                    <a:bodyPr/>
+                    <a:lstStyle/>
+                    <a:p>
+                      <a:pPr algn="l" fontAlgn="base"/>
+                      <a:endParaRPr lang="en-US" b="0" i="0" dirty="0">
+                        <a:effectLst/>
+                        <a:latin typeface="Consolas"/>
+                      </a:endParaRPr>
+                    </a:p>
+                  </a:txBody>
+                  <a:tcPr marL="0" marR="0" marT="0" marB="0" anchor="ctr">
+                    <a:lnL>
+                      <a:noFill/>
+                    </a:lnL>
+                    <a:lnR>
+                      <a:noFill/>
+                    </a:lnR>
+                    <a:lnT>
+                      <a:noFill/>
+                    </a:lnT>
+                    <a:lnB>
+                      <a:noFill/>
+                    </a:lnB>
+                  </a:tcPr>
+                </a:tc>
+              </a:tr>
+            </a:tbl>
+          </a:graphicData>
+        </a:graphic>
+      </p:graphicFrame>
+      <p:sp>
+        <p:nvSpPr>
+          <p:cNvPr id="5" name="TextBox 4"/>
+          <p:cNvSpPr txBox="1"/>
+          <p:nvPr/>
+        </p:nvSpPr>
         <p:spPr>
           <a:xfrm>
-            <a:off x="533400" y="2038350"/>
-            <a:ext cx="8229600" cy="857400"/>
+            <a:off x="990600" y="2800350"/>
+            <a:ext cx="5191992" cy="1015663"/>
           </a:xfrm>
           <a:prstGeom prst="rect">
             <a:avLst/>
           </a:prstGeom>
         </p:spPr>
+        <p:style>
+          <a:lnRef idx="1">
+            <a:schemeClr val="accent4"/>
+          </a:lnRef>
+          <a:fillRef idx="2">
+            <a:schemeClr val="accent4"/>
+          </a:fillRef>
+          <a:effectRef idx="1">
+            <a:schemeClr val="accent4"/>
+          </a:effectRef>
+          <a:fontRef idx="minor">
+            <a:schemeClr val="dk1"/>
+          </a:fontRef>
+        </p:style>
         <p:txBody>
-          <a:bodyPr lIns="91425" tIns="91425" rIns="91425" bIns="91425" anchor="b" anchorCtr="0">
-            <a:noAutofit/>
+          <a:bodyPr wrap="square" rtlCol="0">
+            <a:spAutoFit/>
           </a:bodyPr>
           <a:lstStyle/>
           <a:p>
-            <a:pPr algn="ctr">
-              <a:spcBef>
-                <a:spcPts val="0"/>
-              </a:spcBef>
-              <a:buNone/>
-            </a:pPr>
-            <a:r>
-              <a:rPr lang="en-US" dirty="0" smtClean="0"/>
-              <a:t>Thank You</a:t>
-            </a:r>
-            <a:endParaRPr dirty="0"/>
+            <a:pPr fontAlgn="base"/>
+            <a:r>
+              <a:rPr lang="en-US" sz="1200" dirty="0">
+                <a:latin typeface="Consolas"/>
+              </a:rPr>
+              <a:t>class Customer &lt; </a:t>
+            </a:r>
+            <a:r>
+              <a:rPr lang="en-US" sz="1200" dirty="0" err="1">
+                <a:latin typeface="Consolas"/>
+              </a:rPr>
+              <a:t>ActiveRecord</a:t>
+            </a:r>
+            <a:r>
+              <a:rPr lang="en-US" sz="1200" dirty="0">
+                <a:latin typeface="Consolas"/>
+              </a:rPr>
+              <a:t>::Base</a:t>
+            </a:r>
+          </a:p>
+          <a:p>
+            <a:pPr fontAlgn="base"/>
+            <a:r>
+              <a:rPr lang="en-US" sz="1200" dirty="0">
+                <a:latin typeface="Consolas"/>
+              </a:rPr>
+              <a:t>end</a:t>
+            </a:r>
+          </a:p>
+          <a:p>
+            <a:pPr fontAlgn="base"/>
+            <a:r>
+              <a:rPr lang="en-US" sz="1200" dirty="0">
+                <a:latin typeface="Consolas"/>
+              </a:rPr>
+              <a:t> </a:t>
+            </a:r>
+          </a:p>
+          <a:p>
+            <a:pPr fontAlgn="base"/>
+            <a:r>
+              <a:rPr lang="en-US" sz="1200" dirty="0">
+                <a:latin typeface="Consolas"/>
+              </a:rPr>
+              <a:t>class Order &lt; </a:t>
+            </a:r>
+            <a:r>
+              <a:rPr lang="en-US" sz="1200" dirty="0" err="1">
+                <a:latin typeface="Consolas"/>
+              </a:rPr>
+              <a:t>ActiveRecord</a:t>
+            </a:r>
+            <a:r>
+              <a:rPr lang="en-US" sz="1200" dirty="0">
+                <a:latin typeface="Consolas"/>
+              </a:rPr>
+              <a:t>::Base</a:t>
+            </a:r>
+          </a:p>
+          <a:p>
+            <a:pPr fontAlgn="base"/>
+            <a:r>
+              <a:rPr lang="en-US" sz="1200" dirty="0">
+                <a:latin typeface="Consolas"/>
+              </a:rPr>
+              <a:t>end</a:t>
+            </a:r>
+            <a:endParaRPr lang="en-US" sz="1200" dirty="0">
+              <a:latin typeface="Consolas"/>
+            </a:endParaRPr>
           </a:p>
         </p:txBody>
       </p:sp>
       <p:sp>
         <p:nvSpPr>
-          <p:cNvPr id="133" name="Shape 133"/>
-          <p:cNvSpPr txBox="1">
+          <p:cNvPr id="7" name="TextBox 6"/>
+          <p:cNvSpPr txBox="1"/>
+          <p:nvPr/>
+        </p:nvSpPr>
+        <p:spPr>
+          <a:xfrm>
+            <a:off x="990600" y="4329181"/>
+            <a:ext cx="7543800" cy="338554"/>
+          </a:xfrm>
+          <a:prstGeom prst="rect">
+            <a:avLst/>
+          </a:prstGeom>
+        </p:spPr>
+        <p:style>
+          <a:lnRef idx="1">
+            <a:schemeClr val="accent4"/>
+          </a:lnRef>
+          <a:fillRef idx="2">
+            <a:schemeClr val="accent4"/>
+          </a:fillRef>
+          <a:effectRef idx="1">
+            <a:schemeClr val="accent4"/>
+          </a:effectRef>
+          <a:fontRef idx="minor">
+            <a:schemeClr val="dk1"/>
+          </a:fontRef>
+        </p:style>
+        <p:txBody>
+          <a:bodyPr wrap="square" rtlCol="0">
+            <a:spAutoFit/>
+          </a:bodyPr>
+          <a:lstStyle/>
+          <a:p>
+            <a:pPr lvl="1"/>
+            <a:r>
+              <a:rPr lang="en-US" sz="1600" dirty="0"/>
+              <a:t>@order = </a:t>
+            </a:r>
+            <a:r>
+              <a:rPr lang="en-US" sz="1600" dirty="0" err="1"/>
+              <a:t>Order.create</a:t>
+            </a:r>
+            <a:r>
+              <a:rPr lang="en-US" sz="1600" dirty="0"/>
+              <a:t>(</a:t>
+            </a:r>
+            <a:r>
+              <a:rPr lang="en-US" sz="1600" dirty="0" err="1"/>
+              <a:t>order_date</a:t>
+            </a:r>
+            <a:r>
+              <a:rPr lang="en-US" sz="1600" dirty="0"/>
+              <a:t>: </a:t>
+            </a:r>
+            <a:r>
+              <a:rPr lang="en-US" sz="1600" dirty="0" err="1"/>
+              <a:t>Time.now</a:t>
+            </a:r>
+            <a:r>
+              <a:rPr lang="en-US" sz="1600" dirty="0"/>
+              <a:t>, </a:t>
+            </a:r>
+            <a:r>
+              <a:rPr lang="en-US" sz="1600" dirty="0" err="1"/>
+              <a:t>customer_id</a:t>
+            </a:r>
+            <a:r>
+              <a:rPr lang="en-US" sz="1600" dirty="0"/>
+              <a:t>: @customer.id)</a:t>
+            </a:r>
+          </a:p>
+        </p:txBody>
+      </p:sp>
+    </p:spTree>
+    <p:extLst>
+      <p:ext uri="{BB962C8B-B14F-4D97-AF65-F5344CB8AC3E}">
+        <p14:creationId xmlns:p14="http://schemas.microsoft.com/office/powerpoint/2010/main" val="3483994720"/>
+      </p:ext>
+    </p:extLst>
+  </p:cSld>
+  <p:clrMapOvr>
+    <a:masterClrMapping/>
+  </p:clrMapOvr>
+</p:sld>
+</file>
+
+<file path=ppt/slides/slide19.xml><?xml version="1.0" encoding="utf-8"?>
+<p:sld xmlns:a="http://schemas.openxmlformats.org/drawingml/2006/main" xmlns:r="http://schemas.openxmlformats.org/officeDocument/2006/relationships" xmlns:p="http://schemas.openxmlformats.org/presentationml/2006/main">
+  <p:cSld>
+    <p:bg>
+      <p:bgPr>
+        <a:noFill/>
+        <a:effectLst/>
+      </p:bgPr>
+    </p:bg>
+    <p:spTree>
+      <p:nvGrpSpPr>
+        <p:cNvPr id="1" name=""/>
+        <p:cNvGrpSpPr/>
+        <p:nvPr/>
+      </p:nvGrpSpPr>
+      <p:grpSpPr>
+        <a:xfrm>
+          <a:off x="0" y="0"/>
+          <a:ext cx="0" cy="0"/>
+          <a:chOff x="0" y="0"/>
+          <a:chExt cx="0" cy="0"/>
+        </a:xfrm>
+      </p:grpSpPr>
+      <p:sp>
+        <p:nvSpPr>
+          <p:cNvPr id="2" name="Title 1"/>
+          <p:cNvSpPr>
+            <a:spLocks noGrp="1"/>
+          </p:cNvSpPr>
+          <p:nvPr>
+            <p:ph type="title"/>
+          </p:nvPr>
+        </p:nvSpPr>
+        <p:spPr/>
+        <p:txBody>
+          <a:bodyPr/>
+          <a:lstStyle/>
+          <a:p>
+            <a:endParaRPr lang="en-US"/>
+          </a:p>
+        </p:txBody>
+      </p:sp>
+      <p:sp>
+        <p:nvSpPr>
+          <p:cNvPr id="3" name="Text Placeholder 2"/>
+          <p:cNvSpPr>
             <a:spLocks noGrp="1"/>
           </p:cNvSpPr>
           <p:nvPr>
             <p:ph type="body" idx="1"/>
           </p:nvPr>
         </p:nvSpPr>
+        <p:spPr/>
+        <p:txBody>
+          <a:bodyPr/>
+          <a:lstStyle/>
+          <a:p>
+            <a:pPr marL="285750" lvl="1" indent="-285750">
+              <a:buFont typeface="Arial" pitchFamily="34" charset="0"/>
+              <a:buChar char="•"/>
+            </a:pPr>
+            <a:r>
+              <a:rPr lang="en-US" sz="1600" dirty="0" smtClean="0"/>
+              <a:t>Example with association-</a:t>
+            </a:r>
+          </a:p>
+          <a:p>
+            <a:pPr marL="285750" lvl="1" indent="-285750">
+              <a:buFont typeface="Arial" pitchFamily="34" charset="0"/>
+              <a:buChar char="•"/>
+            </a:pPr>
+            <a:endParaRPr lang="en-US" sz="1600" dirty="0"/>
+          </a:p>
+          <a:p>
+            <a:pPr marL="285750" lvl="1" indent="-285750">
+              <a:buFont typeface="Arial" pitchFamily="34" charset="0"/>
+              <a:buChar char="•"/>
+            </a:pPr>
+            <a:endParaRPr lang="en-US" sz="1600" dirty="0" smtClean="0"/>
+          </a:p>
+          <a:p>
+            <a:pPr marL="285750" lvl="1" indent="-285750">
+              <a:buFont typeface="Arial" pitchFamily="34" charset="0"/>
+              <a:buChar char="•"/>
+            </a:pPr>
+            <a:endParaRPr lang="en-US" sz="1600" dirty="0"/>
+          </a:p>
+          <a:p>
+            <a:pPr marL="285750" lvl="1" indent="-285750">
+              <a:buFont typeface="Arial" pitchFamily="34" charset="0"/>
+              <a:buChar char="•"/>
+            </a:pPr>
+            <a:endParaRPr lang="en-US" sz="1600" dirty="0" smtClean="0"/>
+          </a:p>
+          <a:p>
+            <a:pPr marL="285750" lvl="1" indent="-285750">
+              <a:buFont typeface="Arial" pitchFamily="34" charset="0"/>
+              <a:buChar char="•"/>
+            </a:pPr>
+            <a:endParaRPr lang="en-US" sz="1600" dirty="0"/>
+          </a:p>
+          <a:p>
+            <a:pPr marL="285750" lvl="1" indent="-285750">
+              <a:buFont typeface="Arial" pitchFamily="34" charset="0"/>
+              <a:buChar char="•"/>
+            </a:pPr>
+            <a:endParaRPr lang="en-US" sz="1600" dirty="0" smtClean="0"/>
+          </a:p>
+          <a:p>
+            <a:pPr marL="285750" lvl="1" indent="-285750">
+              <a:buFont typeface="Arial" pitchFamily="34" charset="0"/>
+              <a:buChar char="•"/>
+            </a:pPr>
+            <a:endParaRPr lang="en-US" sz="1600" dirty="0"/>
+          </a:p>
+          <a:p>
+            <a:pPr marL="285750" lvl="1" indent="-285750">
+              <a:buFont typeface="Arial" pitchFamily="34" charset="0"/>
+              <a:buChar char="•"/>
+            </a:pPr>
+            <a:endParaRPr lang="en-US" sz="1600" dirty="0" smtClean="0"/>
+          </a:p>
+          <a:p>
+            <a:pPr marL="285750" lvl="1" indent="-285750">
+              <a:buFont typeface="Arial" pitchFamily="34" charset="0"/>
+              <a:buChar char="•"/>
+            </a:pPr>
+            <a:r>
+              <a:rPr lang="en-US" sz="1600" dirty="0" smtClean="0"/>
+              <a:t>To create order we </a:t>
+            </a:r>
+            <a:r>
+              <a:rPr lang="en-US" sz="1600" dirty="0"/>
+              <a:t>will write </a:t>
+            </a:r>
+            <a:r>
+              <a:rPr lang="en-US" sz="1600" dirty="0" smtClean="0"/>
+              <a:t>–</a:t>
+            </a:r>
+            <a:br>
+              <a:rPr lang="en-US" sz="1600" dirty="0" smtClean="0"/>
+            </a:br>
+            <a:endParaRPr lang="en-US" sz="1600" dirty="0"/>
+          </a:p>
+        </p:txBody>
+      </p:sp>
+      <p:sp>
+        <p:nvSpPr>
+          <p:cNvPr id="5" name="TextBox 4"/>
+          <p:cNvSpPr txBox="1"/>
+          <p:nvPr/>
+        </p:nvSpPr>
         <p:spPr>
           <a:xfrm>
-            <a:off x="457200" y="4095749"/>
-            <a:ext cx="8229600" cy="830125"/>
+            <a:off x="838200" y="1581150"/>
+            <a:ext cx="7543800" cy="1600438"/>
           </a:xfrm>
           <a:prstGeom prst="rect">
             <a:avLst/>
           </a:prstGeom>
         </p:spPr>
+        <p:style>
+          <a:lnRef idx="1">
+            <a:schemeClr val="accent4"/>
+          </a:lnRef>
+          <a:fillRef idx="2">
+            <a:schemeClr val="accent4"/>
+          </a:fillRef>
+          <a:effectRef idx="1">
+            <a:schemeClr val="accent4"/>
+          </a:effectRef>
+          <a:fontRef idx="minor">
+            <a:schemeClr val="dk1"/>
+          </a:fontRef>
+        </p:style>
         <p:txBody>
-          <a:bodyPr lIns="91425" tIns="91425" rIns="91425" bIns="91425" anchor="t" anchorCtr="0">
-            <a:noAutofit/>
+          <a:bodyPr wrap="square" rtlCol="0">
+            <a:spAutoFit/>
           </a:bodyPr>
           <a:lstStyle/>
           <a:p>
-            <a:pPr>
-              <a:spcBef>
-                <a:spcPts val="0"/>
-              </a:spcBef>
-              <a:buNone/>
-            </a:pPr>
-            <a:endParaRPr sz="1200" dirty="0"/>
+            <a:pPr fontAlgn="base"/>
+            <a:r>
+              <a:rPr lang="en-US" dirty="0">
+                <a:latin typeface="Consolas"/>
+              </a:rPr>
+              <a:t>class Customer &lt; </a:t>
+            </a:r>
+            <a:r>
+              <a:rPr lang="en-US" dirty="0" err="1">
+                <a:latin typeface="Consolas"/>
+              </a:rPr>
+              <a:t>ActiveRecord</a:t>
+            </a:r>
+            <a:r>
+              <a:rPr lang="en-US" dirty="0">
+                <a:latin typeface="Consolas"/>
+              </a:rPr>
+              <a:t>::Base</a:t>
+            </a:r>
+          </a:p>
+          <a:p>
+            <a:pPr fontAlgn="base"/>
+            <a:r>
+              <a:rPr lang="en-US" dirty="0">
+                <a:latin typeface="Consolas"/>
+              </a:rPr>
+              <a:t>  </a:t>
+            </a:r>
+            <a:r>
+              <a:rPr lang="en-US" dirty="0" err="1">
+                <a:latin typeface="Consolas"/>
+              </a:rPr>
+              <a:t>has_many</a:t>
+            </a:r>
+            <a:r>
+              <a:rPr lang="en-US" dirty="0">
+                <a:latin typeface="Consolas"/>
+              </a:rPr>
+              <a:t> :orders, dependent: :destroy</a:t>
+            </a:r>
+          </a:p>
+          <a:p>
+            <a:pPr fontAlgn="base"/>
+            <a:r>
+              <a:rPr lang="en-US" dirty="0">
+                <a:latin typeface="Consolas"/>
+              </a:rPr>
+              <a:t>end</a:t>
+            </a:r>
+          </a:p>
+          <a:p>
+            <a:pPr fontAlgn="base"/>
+            <a:r>
+              <a:rPr lang="en-US" dirty="0">
+                <a:latin typeface="Consolas"/>
+              </a:rPr>
+              <a:t> </a:t>
+            </a:r>
+          </a:p>
+          <a:p>
+            <a:pPr fontAlgn="base"/>
+            <a:r>
+              <a:rPr lang="en-US" dirty="0">
+                <a:latin typeface="Consolas"/>
+              </a:rPr>
+              <a:t>class Order &lt; </a:t>
+            </a:r>
+            <a:r>
+              <a:rPr lang="en-US" dirty="0" err="1">
+                <a:latin typeface="Consolas"/>
+              </a:rPr>
+              <a:t>ActiveRecord</a:t>
+            </a:r>
+            <a:r>
+              <a:rPr lang="en-US" dirty="0">
+                <a:latin typeface="Consolas"/>
+              </a:rPr>
+              <a:t>::Base</a:t>
+            </a:r>
+          </a:p>
+          <a:p>
+            <a:pPr fontAlgn="base"/>
+            <a:r>
+              <a:rPr lang="en-US" dirty="0" smtClean="0">
+                <a:latin typeface="Consolas"/>
+              </a:rPr>
+              <a:t>  </a:t>
+            </a:r>
+            <a:r>
+              <a:rPr lang="en-US" dirty="0" err="1" smtClean="0">
+                <a:latin typeface="Consolas"/>
+              </a:rPr>
+              <a:t>belongs_to</a:t>
+            </a:r>
+            <a:r>
+              <a:rPr lang="en-US" dirty="0" smtClean="0">
+                <a:latin typeface="Consolas"/>
+              </a:rPr>
+              <a:t> :customer</a:t>
+            </a:r>
+          </a:p>
+          <a:p>
+            <a:pPr fontAlgn="base"/>
+            <a:r>
+              <a:rPr lang="en-US" dirty="0" smtClean="0">
+                <a:latin typeface="Consolas"/>
+              </a:rPr>
+              <a:t>end</a:t>
+            </a:r>
+            <a:endParaRPr lang="en-US" dirty="0">
+              <a:latin typeface="Consolas"/>
+            </a:endParaRPr>
           </a:p>
         </p:txBody>
       </p:sp>
+      <p:sp>
+        <p:nvSpPr>
+          <p:cNvPr id="7" name="TextBox 6"/>
+          <p:cNvSpPr txBox="1"/>
+          <p:nvPr/>
+        </p:nvSpPr>
+        <p:spPr>
+          <a:xfrm>
+            <a:off x="816935" y="3790950"/>
+            <a:ext cx="7543800" cy="307777"/>
+          </a:xfrm>
+          <a:prstGeom prst="rect">
+            <a:avLst/>
+          </a:prstGeom>
+        </p:spPr>
+        <p:style>
+          <a:lnRef idx="1">
+            <a:schemeClr val="accent4"/>
+          </a:lnRef>
+          <a:fillRef idx="2">
+            <a:schemeClr val="accent4"/>
+          </a:fillRef>
+          <a:effectRef idx="1">
+            <a:schemeClr val="accent4"/>
+          </a:effectRef>
+          <a:fontRef idx="minor">
+            <a:schemeClr val="dk1"/>
+          </a:fontRef>
+        </p:style>
+        <p:txBody>
+          <a:bodyPr wrap="square" rtlCol="0">
+            <a:spAutoFit/>
+          </a:bodyPr>
+          <a:lstStyle/>
+          <a:p>
+            <a:pPr fontAlgn="base"/>
+            <a:r>
+              <a:rPr lang="en-US" dirty="0"/>
+              <a:t>@order = @</a:t>
+            </a:r>
+            <a:r>
+              <a:rPr lang="en-US" dirty="0" err="1"/>
+              <a:t>customer.orders.create</a:t>
+            </a:r>
+            <a:r>
+              <a:rPr lang="en-US" dirty="0"/>
+              <a:t>(</a:t>
+            </a:r>
+            <a:r>
+              <a:rPr lang="en-US" dirty="0" err="1"/>
+              <a:t>order_date</a:t>
+            </a:r>
+            <a:r>
+              <a:rPr lang="en-US" dirty="0"/>
+              <a:t>: </a:t>
+            </a:r>
+            <a:r>
+              <a:rPr lang="en-US" dirty="0" err="1"/>
+              <a:t>Time.now</a:t>
+            </a:r>
+            <a:r>
+              <a:rPr lang="en-US" dirty="0"/>
+              <a:t>)</a:t>
+            </a:r>
+            <a:endParaRPr lang="en-US" dirty="0">
+              <a:latin typeface="Consolas"/>
+            </a:endParaRPr>
+          </a:p>
+        </p:txBody>
+      </p:sp>
     </p:spTree>
+    <p:extLst>
+      <p:ext uri="{BB962C8B-B14F-4D97-AF65-F5344CB8AC3E}">
+        <p14:creationId xmlns:p14="http://schemas.microsoft.com/office/powerpoint/2010/main" val="29840339"/>
+      </p:ext>
+    </p:extLst>
   </p:cSld>
   <p:clrMapOvr>
     <a:masterClrMapping/>
   </p:clrMapOvr>
-  <p:transition spd="slow">
-    <p:cut/>
-  </p:transition>
-  <p:timing>
-    <p:tnLst>
-      <p:par>
-        <p:cTn id="1" dur="indefinite" restart="never" nodeType="tmRoot"/>
-      </p:par>
-    </p:tnLst>
-  </p:timing>
 </p:sld>
 </file>
 
@@ -7759,7 +8395,6 @@
               <a:rPr lang="en-US" sz="1800" dirty="0"/>
               <a:t>Is an implementation of the Active Record pattern which itself is a description of an Object Relational Mapping system</a:t>
             </a:r>
-            <a:endParaRPr lang="en-US" sz="1800" dirty="0"/>
           </a:p>
         </p:txBody>
       </p:sp>
@@ -7778,6 +8413,3191 @@
       </p:par>
     </p:tnLst>
   </p:timing>
+</p:sld>
+</file>
+
+<file path=ppt/slides/slide20.xml><?xml version="1.0" encoding="utf-8"?>
+<p:sld xmlns:a="http://schemas.openxmlformats.org/drawingml/2006/main" xmlns:r="http://schemas.openxmlformats.org/officeDocument/2006/relationships" xmlns:p="http://schemas.openxmlformats.org/presentationml/2006/main">
+  <p:cSld>
+    <p:spTree>
+      <p:nvGrpSpPr>
+        <p:cNvPr id="1" name=""/>
+        <p:cNvGrpSpPr/>
+        <p:nvPr/>
+      </p:nvGrpSpPr>
+      <p:grpSpPr>
+        <a:xfrm>
+          <a:off x="0" y="0"/>
+          <a:ext cx="0" cy="0"/>
+          <a:chOff x="0" y="0"/>
+          <a:chExt cx="0" cy="0"/>
+        </a:xfrm>
+      </p:grpSpPr>
+      <p:sp>
+        <p:nvSpPr>
+          <p:cNvPr id="2" name="Title 1"/>
+          <p:cNvSpPr>
+            <a:spLocks noGrp="1"/>
+          </p:cNvSpPr>
+          <p:nvPr>
+            <p:ph type="title"/>
+          </p:nvPr>
+        </p:nvSpPr>
+        <p:spPr/>
+        <p:txBody>
+          <a:bodyPr/>
+          <a:lstStyle/>
+          <a:p>
+            <a:r>
+              <a:rPr lang="en-US" sz="1800" dirty="0" smtClean="0"/>
+              <a:t>9.1 </a:t>
+            </a:r>
+            <a:r>
+              <a:rPr lang="en-US" sz="1800" dirty="0"/>
+              <a:t>Types of Associations</a:t>
+            </a:r>
+            <a:br>
+              <a:rPr lang="en-US" sz="1800" dirty="0"/>
+            </a:br>
+            <a:endParaRPr lang="en-US" sz="1800" dirty="0"/>
+          </a:p>
+        </p:txBody>
+      </p:sp>
+      <p:sp>
+        <p:nvSpPr>
+          <p:cNvPr id="3" name="Text Placeholder 2"/>
+          <p:cNvSpPr>
+            <a:spLocks noGrp="1"/>
+          </p:cNvSpPr>
+          <p:nvPr>
+            <p:ph type="body" idx="1"/>
+          </p:nvPr>
+        </p:nvSpPr>
+        <p:spPr/>
+        <p:txBody>
+          <a:bodyPr/>
+          <a:lstStyle/>
+          <a:p>
+            <a:pPr lvl="1"/>
+            <a:r>
+              <a:rPr lang="en-US" sz="1600" dirty="0" smtClean="0"/>
+              <a:t>Six Types of associations-</a:t>
+            </a:r>
+            <a:br>
+              <a:rPr lang="en-US" sz="1600" dirty="0" smtClean="0"/>
+            </a:br>
+            <a:endParaRPr lang="en-US" sz="1600" dirty="0" smtClean="0"/>
+          </a:p>
+          <a:p>
+            <a:pPr marL="342900" lvl="1" indent="-342900">
+              <a:buFont typeface="Arial" pitchFamily="34" charset="0"/>
+              <a:buChar char="•"/>
+            </a:pPr>
+            <a:r>
+              <a:rPr lang="en-US" sz="1600" dirty="0" err="1" smtClean="0"/>
+              <a:t>belongs_to</a:t>
+            </a:r>
+            <a:endParaRPr lang="en-US" sz="1600" dirty="0"/>
+          </a:p>
+          <a:p>
+            <a:pPr marL="342900" lvl="1" indent="-342900">
+              <a:buFont typeface="Arial" pitchFamily="34" charset="0"/>
+              <a:buChar char="•"/>
+            </a:pPr>
+            <a:r>
+              <a:rPr lang="en-US" sz="1600" dirty="0" err="1"/>
+              <a:t>has_one</a:t>
+            </a:r>
+            <a:endParaRPr lang="en-US" sz="1600" dirty="0"/>
+          </a:p>
+          <a:p>
+            <a:pPr marL="342900" lvl="1" indent="-342900">
+              <a:buFont typeface="Arial" pitchFamily="34" charset="0"/>
+              <a:buChar char="•"/>
+            </a:pPr>
+            <a:r>
+              <a:rPr lang="en-US" sz="1600" dirty="0" err="1"/>
+              <a:t>has_many</a:t>
+            </a:r>
+            <a:endParaRPr lang="en-US" sz="1600" dirty="0"/>
+          </a:p>
+          <a:p>
+            <a:pPr marL="342900" lvl="1" indent="-342900">
+              <a:buFont typeface="Arial" pitchFamily="34" charset="0"/>
+              <a:buChar char="•"/>
+            </a:pPr>
+            <a:r>
+              <a:rPr lang="en-US" sz="1600" dirty="0" err="1"/>
+              <a:t>has_many</a:t>
+            </a:r>
+            <a:r>
+              <a:rPr lang="en-US" sz="1600" dirty="0"/>
+              <a:t> :through</a:t>
+            </a:r>
+          </a:p>
+          <a:p>
+            <a:pPr marL="342900" lvl="1" indent="-342900">
+              <a:buFont typeface="Arial" pitchFamily="34" charset="0"/>
+              <a:buChar char="•"/>
+            </a:pPr>
+            <a:r>
+              <a:rPr lang="en-US" sz="1600" dirty="0" err="1"/>
+              <a:t>has_one</a:t>
+            </a:r>
+            <a:r>
+              <a:rPr lang="en-US" sz="1600" dirty="0"/>
+              <a:t> :through</a:t>
+            </a:r>
+          </a:p>
+          <a:p>
+            <a:pPr marL="342900" lvl="1" indent="-342900">
+              <a:buFont typeface="Arial" pitchFamily="34" charset="0"/>
+              <a:buChar char="•"/>
+            </a:pPr>
+            <a:r>
+              <a:rPr lang="en-US" sz="1600" dirty="0" err="1"/>
+              <a:t>has_and_belongs_to_many</a:t>
+            </a:r>
+            <a:endParaRPr lang="en-US" sz="1600" dirty="0"/>
+          </a:p>
+          <a:p>
+            <a:endParaRPr lang="en-US" dirty="0"/>
+          </a:p>
+        </p:txBody>
+      </p:sp>
+    </p:spTree>
+    <p:extLst>
+      <p:ext uri="{BB962C8B-B14F-4D97-AF65-F5344CB8AC3E}">
+        <p14:creationId xmlns:p14="http://schemas.microsoft.com/office/powerpoint/2010/main" val="1136098609"/>
+      </p:ext>
+    </p:extLst>
+  </p:cSld>
+  <p:clrMapOvr>
+    <a:masterClrMapping/>
+  </p:clrMapOvr>
+</p:sld>
+</file>
+
+<file path=ppt/slides/slide21.xml><?xml version="1.0" encoding="utf-8"?>
+<p:sld xmlns:a="http://schemas.openxmlformats.org/drawingml/2006/main" xmlns:r="http://schemas.openxmlformats.org/officeDocument/2006/relationships" xmlns:p="http://schemas.openxmlformats.org/presentationml/2006/main">
+  <p:cSld>
+    <p:bg>
+      <p:bgPr>
+        <a:noFill/>
+        <a:effectLst/>
+      </p:bgPr>
+    </p:bg>
+    <p:spTree>
+      <p:nvGrpSpPr>
+        <p:cNvPr id="1" name=""/>
+        <p:cNvGrpSpPr/>
+        <p:nvPr/>
+      </p:nvGrpSpPr>
+      <p:grpSpPr>
+        <a:xfrm>
+          <a:off x="0" y="0"/>
+          <a:ext cx="0" cy="0"/>
+          <a:chOff x="0" y="0"/>
+          <a:chExt cx="0" cy="0"/>
+        </a:xfrm>
+      </p:grpSpPr>
+      <p:sp>
+        <p:nvSpPr>
+          <p:cNvPr id="2" name="Title 1"/>
+          <p:cNvSpPr>
+            <a:spLocks noGrp="1"/>
+          </p:cNvSpPr>
+          <p:nvPr>
+            <p:ph type="title"/>
+          </p:nvPr>
+        </p:nvSpPr>
+        <p:spPr/>
+        <p:txBody>
+          <a:bodyPr/>
+          <a:lstStyle/>
+          <a:p>
+            <a:r>
+              <a:rPr lang="en-US" sz="1400" dirty="0" smtClean="0"/>
+              <a:t>9.1.1 </a:t>
+            </a:r>
+            <a:r>
+              <a:rPr lang="en-US" sz="1400" dirty="0"/>
+              <a:t>The </a:t>
+            </a:r>
+            <a:r>
+              <a:rPr lang="en-US" sz="1400" dirty="0" err="1"/>
+              <a:t>belongs_to</a:t>
+            </a:r>
+            <a:r>
+              <a:rPr lang="en-US" sz="1400" dirty="0"/>
+              <a:t> Association</a:t>
+            </a:r>
+            <a:br>
+              <a:rPr lang="en-US" sz="1400" dirty="0"/>
+            </a:br>
+            <a:endParaRPr lang="en-US" sz="1400" dirty="0"/>
+          </a:p>
+        </p:txBody>
+      </p:sp>
+      <p:sp>
+        <p:nvSpPr>
+          <p:cNvPr id="3" name="Text Placeholder 2"/>
+          <p:cNvSpPr>
+            <a:spLocks noGrp="1"/>
+          </p:cNvSpPr>
+          <p:nvPr>
+            <p:ph type="body" idx="1"/>
+          </p:nvPr>
+        </p:nvSpPr>
+        <p:spPr>
+          <a:xfrm>
+            <a:off x="457200" y="819150"/>
+            <a:ext cx="8229600" cy="3725680"/>
+          </a:xfrm>
+        </p:spPr>
+        <p:txBody>
+          <a:bodyPr/>
+          <a:lstStyle/>
+          <a:p>
+            <a:pPr marL="342900" lvl="1" indent="-342900">
+              <a:buFont typeface="Arial" pitchFamily="34" charset="0"/>
+              <a:buChar char="•"/>
+            </a:pPr>
+            <a:r>
+              <a:rPr lang="en-US" sz="1600" dirty="0" smtClean="0"/>
+              <a:t>Sets up one-to-one connection with another model</a:t>
+            </a:r>
+          </a:p>
+          <a:p>
+            <a:pPr marL="342900" lvl="1" indent="-342900">
+              <a:buFont typeface="Arial" pitchFamily="34" charset="0"/>
+              <a:buChar char="•"/>
+            </a:pPr>
+            <a:r>
+              <a:rPr lang="en-US" sz="1600" dirty="0" smtClean="0"/>
+              <a:t>If </a:t>
+            </a:r>
+            <a:r>
+              <a:rPr lang="en-US" sz="1600" dirty="0"/>
+              <a:t>each order can be assigned to exactly one </a:t>
+            </a:r>
+            <a:r>
+              <a:rPr lang="en-US" sz="1600" dirty="0" smtClean="0"/>
+              <a:t>customer then</a:t>
+            </a:r>
+            <a:br>
+              <a:rPr lang="en-US" sz="1600" dirty="0" smtClean="0"/>
+            </a:br>
+            <a:r>
+              <a:rPr lang="en-US" sz="1600" dirty="0" smtClean="0"/>
+              <a:t/>
+            </a:r>
+            <a:br>
+              <a:rPr lang="en-US" sz="1600" dirty="0" smtClean="0"/>
+            </a:br>
+            <a:r>
+              <a:rPr lang="en-US" sz="1600" dirty="0" smtClean="0"/>
+              <a:t/>
+            </a:r>
+            <a:br>
+              <a:rPr lang="en-US" sz="1600" dirty="0" smtClean="0"/>
+            </a:br>
+            <a:endParaRPr lang="en-US" sz="1400" dirty="0" smtClean="0"/>
+          </a:p>
+          <a:p>
+            <a:pPr marL="342900" lvl="1" indent="-342900">
+              <a:buFont typeface="Arial" pitchFamily="34" charset="0"/>
+              <a:buChar char="•"/>
+            </a:pPr>
+            <a:r>
+              <a:rPr lang="en-US" sz="1600" dirty="0" smtClean="0"/>
+              <a:t>The migrations will look like-</a:t>
+            </a:r>
+            <a:endParaRPr lang="en-US" sz="1600" dirty="0"/>
+          </a:p>
+        </p:txBody>
+      </p:sp>
+      <p:sp>
+        <p:nvSpPr>
+          <p:cNvPr id="4" name="TextBox 3"/>
+          <p:cNvSpPr txBox="1"/>
+          <p:nvPr/>
+        </p:nvSpPr>
+        <p:spPr>
+          <a:xfrm>
+            <a:off x="914400" y="1428750"/>
+            <a:ext cx="6477000" cy="646331"/>
+          </a:xfrm>
+          <a:prstGeom prst="rect">
+            <a:avLst/>
+          </a:prstGeom>
+        </p:spPr>
+        <p:style>
+          <a:lnRef idx="1">
+            <a:schemeClr val="accent4"/>
+          </a:lnRef>
+          <a:fillRef idx="2">
+            <a:schemeClr val="accent4"/>
+          </a:fillRef>
+          <a:effectRef idx="1">
+            <a:schemeClr val="accent4"/>
+          </a:effectRef>
+          <a:fontRef idx="minor">
+            <a:schemeClr val="dk1"/>
+          </a:fontRef>
+        </p:style>
+        <p:txBody>
+          <a:bodyPr wrap="square" rtlCol="0">
+            <a:spAutoFit/>
+          </a:bodyPr>
+          <a:lstStyle/>
+          <a:p>
+            <a:pPr fontAlgn="base"/>
+            <a:r>
+              <a:rPr lang="en-US" sz="1200" dirty="0"/>
+              <a:t>class Order &lt; </a:t>
+            </a:r>
+            <a:r>
+              <a:rPr lang="en-US" sz="1200" dirty="0" err="1"/>
+              <a:t>ActiveRecord</a:t>
+            </a:r>
+            <a:r>
+              <a:rPr lang="en-US" sz="1200" dirty="0"/>
+              <a:t>::Base</a:t>
+            </a:r>
+          </a:p>
+          <a:p>
+            <a:pPr fontAlgn="base"/>
+            <a:r>
+              <a:rPr lang="en-US" sz="1200" dirty="0"/>
+              <a:t>  </a:t>
+            </a:r>
+            <a:r>
+              <a:rPr lang="en-US" sz="1200" dirty="0" err="1"/>
+              <a:t>belongs_to</a:t>
+            </a:r>
+            <a:r>
+              <a:rPr lang="en-US" sz="1200" dirty="0"/>
+              <a:t> :customer</a:t>
+            </a:r>
+          </a:p>
+          <a:p>
+            <a:pPr fontAlgn="base"/>
+            <a:r>
+              <a:rPr lang="en-US" sz="1200" dirty="0" smtClean="0"/>
+              <a:t>end</a:t>
+            </a:r>
+            <a:endParaRPr lang="en-US" sz="1200" dirty="0"/>
+          </a:p>
+        </p:txBody>
+      </p:sp>
+      <p:sp>
+        <p:nvSpPr>
+          <p:cNvPr id="5" name="TextBox 4"/>
+          <p:cNvSpPr txBox="1"/>
+          <p:nvPr/>
+        </p:nvSpPr>
+        <p:spPr>
+          <a:xfrm>
+            <a:off x="919716" y="2419350"/>
+            <a:ext cx="6477000" cy="2492990"/>
+          </a:xfrm>
+          <a:prstGeom prst="rect">
+            <a:avLst/>
+          </a:prstGeom>
+        </p:spPr>
+        <p:style>
+          <a:lnRef idx="1">
+            <a:schemeClr val="accent4"/>
+          </a:lnRef>
+          <a:fillRef idx="2">
+            <a:schemeClr val="accent4"/>
+          </a:fillRef>
+          <a:effectRef idx="1">
+            <a:schemeClr val="accent4"/>
+          </a:effectRef>
+          <a:fontRef idx="minor">
+            <a:schemeClr val="dk1"/>
+          </a:fontRef>
+        </p:style>
+        <p:txBody>
+          <a:bodyPr wrap="square" rtlCol="0">
+            <a:spAutoFit/>
+          </a:bodyPr>
+          <a:lstStyle/>
+          <a:p>
+            <a:pPr fontAlgn="base"/>
+            <a:r>
+              <a:rPr lang="en-US" sz="1200" dirty="0">
+                <a:latin typeface="Consolas"/>
+              </a:rPr>
+              <a:t>class </a:t>
+            </a:r>
+            <a:r>
+              <a:rPr lang="en-US" sz="1200" dirty="0" err="1">
+                <a:latin typeface="Consolas"/>
+              </a:rPr>
+              <a:t>CreateOrders</a:t>
+            </a:r>
+            <a:r>
+              <a:rPr lang="en-US" sz="1200" dirty="0">
+                <a:latin typeface="Consolas"/>
+              </a:rPr>
+              <a:t> &lt; </a:t>
+            </a:r>
+            <a:r>
+              <a:rPr lang="en-US" sz="1200" dirty="0" err="1">
+                <a:latin typeface="Consolas"/>
+              </a:rPr>
+              <a:t>ActiveRecord</a:t>
+            </a:r>
+            <a:r>
+              <a:rPr lang="en-US" sz="1200" dirty="0">
+                <a:latin typeface="Consolas"/>
+              </a:rPr>
+              <a:t>::Migration</a:t>
+            </a:r>
+          </a:p>
+          <a:p>
+            <a:pPr fontAlgn="base"/>
+            <a:r>
+              <a:rPr lang="en-US" sz="1200" dirty="0">
+                <a:latin typeface="Consolas"/>
+              </a:rPr>
+              <a:t>  </a:t>
+            </a:r>
+            <a:r>
+              <a:rPr lang="en-US" sz="1200" dirty="0" err="1">
+                <a:latin typeface="Consolas"/>
+              </a:rPr>
+              <a:t>def</a:t>
+            </a:r>
+            <a:r>
+              <a:rPr lang="en-US" sz="1200" dirty="0">
+                <a:latin typeface="Consolas"/>
+              </a:rPr>
+              <a:t> change</a:t>
+            </a:r>
+          </a:p>
+          <a:p>
+            <a:pPr fontAlgn="base"/>
+            <a:r>
+              <a:rPr lang="en-US" sz="1200" dirty="0">
+                <a:latin typeface="Consolas"/>
+              </a:rPr>
+              <a:t>    </a:t>
+            </a:r>
+            <a:r>
+              <a:rPr lang="en-US" sz="1200" dirty="0" err="1">
+                <a:latin typeface="Consolas"/>
+              </a:rPr>
+              <a:t>create_table</a:t>
+            </a:r>
+            <a:r>
+              <a:rPr lang="en-US" sz="1200" dirty="0">
+                <a:latin typeface="Consolas"/>
+              </a:rPr>
+              <a:t> :customers do |t|</a:t>
+            </a:r>
+          </a:p>
+          <a:p>
+            <a:pPr fontAlgn="base"/>
+            <a:r>
+              <a:rPr lang="en-US" sz="1200" dirty="0">
+                <a:latin typeface="Consolas"/>
+              </a:rPr>
+              <a:t>      </a:t>
+            </a:r>
+            <a:r>
+              <a:rPr lang="en-US" sz="1200" dirty="0" err="1">
+                <a:latin typeface="Consolas"/>
+              </a:rPr>
+              <a:t>t.string</a:t>
+            </a:r>
+            <a:r>
+              <a:rPr lang="en-US" sz="1200" dirty="0">
+                <a:latin typeface="Consolas"/>
+              </a:rPr>
+              <a:t> :name</a:t>
+            </a:r>
+          </a:p>
+          <a:p>
+            <a:pPr fontAlgn="base"/>
+            <a:r>
+              <a:rPr lang="en-US" sz="1200" dirty="0">
+                <a:latin typeface="Consolas"/>
+              </a:rPr>
+              <a:t>      </a:t>
+            </a:r>
+            <a:r>
+              <a:rPr lang="en-US" sz="1200" dirty="0" err="1">
+                <a:latin typeface="Consolas"/>
+              </a:rPr>
+              <a:t>t.timestamps</a:t>
+            </a:r>
+            <a:r>
+              <a:rPr lang="en-US" sz="1200" dirty="0">
+                <a:latin typeface="Consolas"/>
+              </a:rPr>
+              <a:t> null: false</a:t>
+            </a:r>
+          </a:p>
+          <a:p>
+            <a:pPr fontAlgn="base"/>
+            <a:r>
+              <a:rPr lang="en-US" sz="1200" dirty="0">
+                <a:latin typeface="Consolas"/>
+              </a:rPr>
+              <a:t>    </a:t>
+            </a:r>
+            <a:r>
+              <a:rPr lang="en-US" sz="1200" dirty="0" smtClean="0">
+                <a:latin typeface="Consolas"/>
+              </a:rPr>
+              <a:t>end</a:t>
+            </a:r>
+            <a:r>
+              <a:rPr lang="en-US" sz="1200" dirty="0">
+                <a:latin typeface="Consolas"/>
+              </a:rPr>
+              <a:t>    </a:t>
+            </a:r>
+            <a:endParaRPr lang="en-US" sz="1200" dirty="0" smtClean="0">
+              <a:latin typeface="Consolas"/>
+            </a:endParaRPr>
+          </a:p>
+          <a:p>
+            <a:pPr fontAlgn="base"/>
+            <a:r>
+              <a:rPr lang="en-US" sz="1200" dirty="0">
+                <a:latin typeface="Consolas"/>
+              </a:rPr>
+              <a:t> </a:t>
+            </a:r>
+            <a:r>
+              <a:rPr lang="en-US" sz="1200" dirty="0" smtClean="0">
+                <a:latin typeface="Consolas"/>
+              </a:rPr>
+              <a:t>   </a:t>
+            </a:r>
+            <a:r>
+              <a:rPr lang="en-US" sz="1200" dirty="0" err="1" smtClean="0">
+                <a:latin typeface="Consolas"/>
+              </a:rPr>
+              <a:t>create_table</a:t>
+            </a:r>
+            <a:r>
+              <a:rPr lang="en-US" sz="1200" dirty="0" smtClean="0">
+                <a:latin typeface="Consolas"/>
+              </a:rPr>
+              <a:t> </a:t>
+            </a:r>
+            <a:r>
+              <a:rPr lang="en-US" sz="1200" dirty="0">
+                <a:latin typeface="Consolas"/>
+              </a:rPr>
+              <a:t>:orders do |t|</a:t>
+            </a:r>
+          </a:p>
+          <a:p>
+            <a:pPr fontAlgn="base"/>
+            <a:r>
+              <a:rPr lang="en-US" sz="1200" dirty="0">
+                <a:latin typeface="Consolas"/>
+              </a:rPr>
+              <a:t>      </a:t>
+            </a:r>
+            <a:r>
+              <a:rPr lang="en-US" sz="1200" dirty="0" err="1">
+                <a:latin typeface="Consolas"/>
+              </a:rPr>
+              <a:t>t.belongs_to</a:t>
+            </a:r>
+            <a:r>
+              <a:rPr lang="en-US" sz="1200" dirty="0">
+                <a:latin typeface="Consolas"/>
+              </a:rPr>
+              <a:t> :customer, index: true</a:t>
+            </a:r>
+          </a:p>
+          <a:p>
+            <a:pPr fontAlgn="base"/>
+            <a:r>
+              <a:rPr lang="en-US" sz="1200" dirty="0">
+                <a:latin typeface="Consolas"/>
+              </a:rPr>
+              <a:t>      </a:t>
+            </a:r>
+            <a:r>
+              <a:rPr lang="en-US" sz="1200" dirty="0" err="1">
+                <a:latin typeface="Consolas"/>
+              </a:rPr>
+              <a:t>t.datetime</a:t>
+            </a:r>
+            <a:r>
+              <a:rPr lang="en-US" sz="1200" dirty="0">
+                <a:latin typeface="Consolas"/>
+              </a:rPr>
+              <a:t> :</a:t>
+            </a:r>
+            <a:r>
+              <a:rPr lang="en-US" sz="1200" dirty="0" err="1">
+                <a:latin typeface="Consolas"/>
+              </a:rPr>
+              <a:t>order_date</a:t>
+            </a:r>
+            <a:endParaRPr lang="en-US" sz="1200" dirty="0">
+              <a:latin typeface="Consolas"/>
+            </a:endParaRPr>
+          </a:p>
+          <a:p>
+            <a:pPr fontAlgn="base"/>
+            <a:r>
+              <a:rPr lang="en-US" sz="1200" dirty="0">
+                <a:latin typeface="Consolas"/>
+              </a:rPr>
+              <a:t>      </a:t>
+            </a:r>
+            <a:r>
+              <a:rPr lang="en-US" sz="1200" dirty="0" err="1">
+                <a:latin typeface="Consolas"/>
+              </a:rPr>
+              <a:t>t.timestamps</a:t>
+            </a:r>
+            <a:r>
+              <a:rPr lang="en-US" sz="1200" dirty="0">
+                <a:latin typeface="Consolas"/>
+              </a:rPr>
+              <a:t> null: false</a:t>
+            </a:r>
+          </a:p>
+          <a:p>
+            <a:pPr fontAlgn="base"/>
+            <a:r>
+              <a:rPr lang="en-US" sz="1200" dirty="0">
+                <a:latin typeface="Consolas"/>
+              </a:rPr>
+              <a:t>    end</a:t>
+            </a:r>
+          </a:p>
+          <a:p>
+            <a:pPr fontAlgn="base"/>
+            <a:r>
+              <a:rPr lang="en-US" sz="1200" dirty="0">
+                <a:latin typeface="Consolas"/>
+              </a:rPr>
+              <a:t>  end</a:t>
+            </a:r>
+          </a:p>
+          <a:p>
+            <a:pPr fontAlgn="base"/>
+            <a:r>
+              <a:rPr lang="en-US" sz="1200" dirty="0">
+                <a:latin typeface="Consolas"/>
+              </a:rPr>
+              <a:t>end</a:t>
+            </a:r>
+            <a:endParaRPr lang="en-US" sz="1200" dirty="0">
+              <a:latin typeface="Consolas"/>
+            </a:endParaRPr>
+          </a:p>
+        </p:txBody>
+      </p:sp>
+    </p:spTree>
+    <p:extLst>
+      <p:ext uri="{BB962C8B-B14F-4D97-AF65-F5344CB8AC3E}">
+        <p14:creationId xmlns:p14="http://schemas.microsoft.com/office/powerpoint/2010/main" val="3875577879"/>
+      </p:ext>
+    </p:extLst>
+  </p:cSld>
+  <p:clrMapOvr>
+    <a:masterClrMapping/>
+  </p:clrMapOvr>
+</p:sld>
+</file>
+
+<file path=ppt/slides/slide22.xml><?xml version="1.0" encoding="utf-8"?>
+<p:sld xmlns:a="http://schemas.openxmlformats.org/drawingml/2006/main" xmlns:r="http://schemas.openxmlformats.org/officeDocument/2006/relationships" xmlns:p="http://schemas.openxmlformats.org/presentationml/2006/main">
+  <p:cSld>
+    <p:spTree>
+      <p:nvGrpSpPr>
+        <p:cNvPr id="1" name=""/>
+        <p:cNvGrpSpPr/>
+        <p:nvPr/>
+      </p:nvGrpSpPr>
+      <p:grpSpPr>
+        <a:xfrm>
+          <a:off x="0" y="0"/>
+          <a:ext cx="0" cy="0"/>
+          <a:chOff x="0" y="0"/>
+          <a:chExt cx="0" cy="0"/>
+        </a:xfrm>
+      </p:grpSpPr>
+      <p:sp>
+        <p:nvSpPr>
+          <p:cNvPr id="2" name="Title 1"/>
+          <p:cNvSpPr>
+            <a:spLocks noGrp="1"/>
+          </p:cNvSpPr>
+          <p:nvPr>
+            <p:ph type="title"/>
+          </p:nvPr>
+        </p:nvSpPr>
+        <p:spPr/>
+        <p:txBody>
+          <a:bodyPr/>
+          <a:lstStyle/>
+          <a:p>
+            <a:r>
+              <a:rPr lang="en-US" sz="1800" dirty="0" err="1" smtClean="0"/>
+              <a:t>Cntd</a:t>
+            </a:r>
+            <a:r>
+              <a:rPr lang="en-US" sz="1800" dirty="0" smtClean="0"/>
+              <a:t>…</a:t>
+            </a:r>
+            <a:endParaRPr lang="en-US" sz="1800" dirty="0"/>
+          </a:p>
+        </p:txBody>
+      </p:sp>
+      <p:sp>
+        <p:nvSpPr>
+          <p:cNvPr id="3" name="Text Placeholder 2"/>
+          <p:cNvSpPr>
+            <a:spLocks noGrp="1"/>
+          </p:cNvSpPr>
+          <p:nvPr>
+            <p:ph type="body" idx="1"/>
+          </p:nvPr>
+        </p:nvSpPr>
+        <p:spPr/>
+        <p:txBody>
+          <a:bodyPr/>
+          <a:lstStyle/>
+          <a:p>
+            <a:endParaRPr lang="en-US" dirty="0"/>
+          </a:p>
+        </p:txBody>
+      </p:sp>
+      <p:pic>
+        <p:nvPicPr>
+          <p:cNvPr id="4099" name="Picture 3"/>
+          <p:cNvPicPr>
+            <a:picLocks noChangeAspect="1" noChangeArrowheads="1"/>
+          </p:cNvPicPr>
+          <p:nvPr/>
+        </p:nvPicPr>
+        <p:blipFill>
+          <a:blip r:embed="rId2">
+            <a:extLst>
+              <a:ext uri="{28A0092B-C50C-407E-A947-70E740481C1C}">
+                <a14:useLocalDpi xmlns:a14="http://schemas.microsoft.com/office/drawing/2010/main" val="0"/>
+              </a:ext>
+            </a:extLst>
+          </a:blip>
+          <a:srcRect/>
+          <a:stretch>
+            <a:fillRect/>
+          </a:stretch>
+        </p:blipFill>
+        <p:spPr bwMode="auto">
+          <a:xfrm>
+            <a:off x="1828800" y="1298168"/>
+            <a:ext cx="5781675" cy="2924175"/>
+          </a:xfrm>
+          <a:prstGeom prst="rect">
+            <a:avLst/>
+          </a:prstGeom>
+          <a:noFill/>
+          <a:ln>
+            <a:noFill/>
+          </a:ln>
+          <a:effectLst/>
+          <a:extLst>
+            <a:ext uri="{909E8E84-426E-40DD-AFC4-6F175D3DCCD1}">
+              <a14:hiddenFill xmlns:a14="http://schemas.microsoft.com/office/drawing/2010/main">
+                <a:solidFill>
+                  <a:schemeClr val="accent1"/>
+                </a:solidFill>
+              </a14:hiddenFill>
+            </a:ext>
+            <a:ext uri="{91240B29-F687-4F45-9708-019B960494DF}">
+              <a14:hiddenLine xmlns:a14="http://schemas.microsoft.com/office/drawing/2010/main" w="9525">
+                <a:solidFill>
+                  <a:schemeClr val="tx1"/>
+                </a:solidFill>
+                <a:miter lim="800000"/>
+                <a:headEnd/>
+                <a:tailEnd/>
+              </a14:hiddenLine>
+            </a:ext>
+            <a:ext uri="{AF507438-7753-43E0-B8FC-AC1667EBCBE1}">
+              <a14:hiddenEffects xmlns:a14="http://schemas.microsoft.com/office/drawing/2010/main">
+                <a:effectLst>
+                  <a:outerShdw dist="35921" dir="2700000" algn="ctr" rotWithShape="0">
+                    <a:schemeClr val="bg2"/>
+                  </a:outerShdw>
+                </a:effectLst>
+              </a14:hiddenEffects>
+            </a:ext>
+          </a:extLst>
+        </p:spPr>
+      </p:pic>
+    </p:spTree>
+    <p:extLst>
+      <p:ext uri="{BB962C8B-B14F-4D97-AF65-F5344CB8AC3E}">
+        <p14:creationId xmlns:p14="http://schemas.microsoft.com/office/powerpoint/2010/main" val="3043962466"/>
+      </p:ext>
+    </p:extLst>
+  </p:cSld>
+  <p:clrMapOvr>
+    <a:masterClrMapping/>
+  </p:clrMapOvr>
+</p:sld>
+</file>
+
+<file path=ppt/slides/slide23.xml><?xml version="1.0" encoding="utf-8"?>
+<p:sld xmlns:a="http://schemas.openxmlformats.org/drawingml/2006/main" xmlns:r="http://schemas.openxmlformats.org/officeDocument/2006/relationships" xmlns:p="http://schemas.openxmlformats.org/presentationml/2006/main">
+  <p:cSld>
+    <p:bg>
+      <p:bgPr>
+        <a:noFill/>
+        <a:effectLst/>
+      </p:bgPr>
+    </p:bg>
+    <p:spTree>
+      <p:nvGrpSpPr>
+        <p:cNvPr id="1" name=""/>
+        <p:cNvGrpSpPr/>
+        <p:nvPr/>
+      </p:nvGrpSpPr>
+      <p:grpSpPr>
+        <a:xfrm>
+          <a:off x="0" y="0"/>
+          <a:ext cx="0" cy="0"/>
+          <a:chOff x="0" y="0"/>
+          <a:chExt cx="0" cy="0"/>
+        </a:xfrm>
+      </p:grpSpPr>
+      <p:sp>
+        <p:nvSpPr>
+          <p:cNvPr id="2" name="Title 1"/>
+          <p:cNvSpPr>
+            <a:spLocks noGrp="1"/>
+          </p:cNvSpPr>
+          <p:nvPr>
+            <p:ph type="title"/>
+          </p:nvPr>
+        </p:nvSpPr>
+        <p:spPr/>
+        <p:txBody>
+          <a:bodyPr/>
+          <a:lstStyle/>
+          <a:p>
+            <a:r>
+              <a:rPr lang="en-US" sz="1400" dirty="0" smtClean="0"/>
+              <a:t>9.1.2 The </a:t>
+            </a:r>
+            <a:r>
+              <a:rPr lang="en-US" sz="1400" dirty="0" err="1"/>
+              <a:t>has_one</a:t>
+            </a:r>
+            <a:r>
+              <a:rPr lang="en-US" sz="1400" dirty="0"/>
+              <a:t> Association</a:t>
+            </a:r>
+            <a:br>
+              <a:rPr lang="en-US" sz="1400" dirty="0"/>
+            </a:br>
+            <a:r>
+              <a:rPr lang="en-US" sz="1400" dirty="0" smtClean="0"/>
+              <a:t/>
+            </a:r>
+            <a:br>
+              <a:rPr lang="en-US" sz="1400" dirty="0" smtClean="0"/>
+            </a:br>
+            <a:endParaRPr lang="en-US" sz="1400" dirty="0"/>
+          </a:p>
+        </p:txBody>
+      </p:sp>
+      <p:sp>
+        <p:nvSpPr>
+          <p:cNvPr id="3" name="Text Placeholder 2"/>
+          <p:cNvSpPr>
+            <a:spLocks noGrp="1"/>
+          </p:cNvSpPr>
+          <p:nvPr>
+            <p:ph type="body" idx="1"/>
+          </p:nvPr>
+        </p:nvSpPr>
+        <p:spPr>
+          <a:xfrm>
+            <a:off x="457200" y="819150"/>
+            <a:ext cx="8229600" cy="3725680"/>
+          </a:xfrm>
+        </p:spPr>
+        <p:txBody>
+          <a:bodyPr/>
+          <a:lstStyle/>
+          <a:p>
+            <a:pPr marL="342900" lvl="1" indent="-342900">
+              <a:buFont typeface="Arial" pitchFamily="34" charset="0"/>
+              <a:buChar char="•"/>
+            </a:pPr>
+            <a:r>
+              <a:rPr lang="en-US" sz="1600" dirty="0" smtClean="0"/>
+              <a:t>Sets up one-to-one connection with another model</a:t>
+            </a:r>
+          </a:p>
+          <a:p>
+            <a:pPr marL="342900" lvl="1" indent="-342900">
+              <a:buFont typeface="Arial" pitchFamily="34" charset="0"/>
+              <a:buChar char="•"/>
+            </a:pPr>
+            <a:r>
+              <a:rPr lang="en-US" sz="1600" dirty="0" smtClean="0"/>
+              <a:t>If </a:t>
+            </a:r>
+            <a:r>
+              <a:rPr lang="en-US" sz="1600" dirty="0"/>
+              <a:t>each supplier in your application has only one account</a:t>
+            </a:r>
+            <a:r>
+              <a:rPr lang="en-US" sz="1600" dirty="0" smtClean="0"/>
+              <a:t/>
+            </a:r>
+            <a:br>
+              <a:rPr lang="en-US" sz="1600" dirty="0" smtClean="0"/>
+            </a:br>
+            <a:r>
+              <a:rPr lang="en-US" sz="1600" dirty="0" smtClean="0"/>
+              <a:t/>
+            </a:r>
+            <a:br>
+              <a:rPr lang="en-US" sz="1600" dirty="0" smtClean="0"/>
+            </a:br>
+            <a:r>
+              <a:rPr lang="en-US" sz="1600" dirty="0" smtClean="0"/>
+              <a:t/>
+            </a:r>
+            <a:br>
+              <a:rPr lang="en-US" sz="1600" dirty="0" smtClean="0"/>
+            </a:br>
+            <a:endParaRPr lang="en-US" sz="1400" dirty="0" smtClean="0"/>
+          </a:p>
+          <a:p>
+            <a:pPr marL="342900" lvl="1" indent="-342900">
+              <a:buFont typeface="Arial" pitchFamily="34" charset="0"/>
+              <a:buChar char="•"/>
+            </a:pPr>
+            <a:r>
+              <a:rPr lang="en-US" sz="1600" dirty="0" smtClean="0"/>
+              <a:t>The migrations will look like-</a:t>
+            </a:r>
+            <a:endParaRPr lang="en-US" sz="1600" dirty="0"/>
+          </a:p>
+        </p:txBody>
+      </p:sp>
+      <p:sp>
+        <p:nvSpPr>
+          <p:cNvPr id="4" name="TextBox 3"/>
+          <p:cNvSpPr txBox="1"/>
+          <p:nvPr/>
+        </p:nvSpPr>
+        <p:spPr>
+          <a:xfrm>
+            <a:off x="914400" y="1428750"/>
+            <a:ext cx="6477000" cy="646331"/>
+          </a:xfrm>
+          <a:prstGeom prst="rect">
+            <a:avLst/>
+          </a:prstGeom>
+        </p:spPr>
+        <p:style>
+          <a:lnRef idx="1">
+            <a:schemeClr val="accent4"/>
+          </a:lnRef>
+          <a:fillRef idx="2">
+            <a:schemeClr val="accent4"/>
+          </a:fillRef>
+          <a:effectRef idx="1">
+            <a:schemeClr val="accent4"/>
+          </a:effectRef>
+          <a:fontRef idx="minor">
+            <a:schemeClr val="dk1"/>
+          </a:fontRef>
+        </p:style>
+        <p:txBody>
+          <a:bodyPr wrap="square" rtlCol="0">
+            <a:spAutoFit/>
+          </a:bodyPr>
+          <a:lstStyle/>
+          <a:p>
+            <a:pPr fontAlgn="base"/>
+            <a:r>
+              <a:rPr lang="en-US" sz="1200" dirty="0"/>
+              <a:t>class Supplier &lt; </a:t>
+            </a:r>
+            <a:r>
+              <a:rPr lang="en-US" sz="1200" dirty="0" err="1"/>
+              <a:t>ActiveRecord</a:t>
+            </a:r>
+            <a:r>
+              <a:rPr lang="en-US" sz="1200" dirty="0"/>
+              <a:t>::Base</a:t>
+            </a:r>
+          </a:p>
+          <a:p>
+            <a:pPr fontAlgn="base"/>
+            <a:r>
+              <a:rPr lang="en-US" sz="1200" dirty="0"/>
+              <a:t>  </a:t>
+            </a:r>
+            <a:r>
+              <a:rPr lang="en-US" sz="1200" dirty="0" err="1"/>
+              <a:t>has_one</a:t>
+            </a:r>
+            <a:r>
+              <a:rPr lang="en-US" sz="1200" dirty="0"/>
+              <a:t> :account</a:t>
+            </a:r>
+          </a:p>
+          <a:p>
+            <a:pPr fontAlgn="base"/>
+            <a:r>
+              <a:rPr lang="en-US" sz="1200" dirty="0" smtClean="0"/>
+              <a:t>end</a:t>
+            </a:r>
+            <a:endParaRPr lang="en-US" sz="1200" dirty="0"/>
+          </a:p>
+        </p:txBody>
+      </p:sp>
+      <p:sp>
+        <p:nvSpPr>
+          <p:cNvPr id="5" name="TextBox 4"/>
+          <p:cNvSpPr txBox="1"/>
+          <p:nvPr/>
+        </p:nvSpPr>
+        <p:spPr>
+          <a:xfrm>
+            <a:off x="893135" y="2343150"/>
+            <a:ext cx="6477000" cy="2492990"/>
+          </a:xfrm>
+          <a:prstGeom prst="rect">
+            <a:avLst/>
+          </a:prstGeom>
+        </p:spPr>
+        <p:style>
+          <a:lnRef idx="1">
+            <a:schemeClr val="accent4"/>
+          </a:lnRef>
+          <a:fillRef idx="2">
+            <a:schemeClr val="accent4"/>
+          </a:fillRef>
+          <a:effectRef idx="1">
+            <a:schemeClr val="accent4"/>
+          </a:effectRef>
+          <a:fontRef idx="minor">
+            <a:schemeClr val="dk1"/>
+          </a:fontRef>
+        </p:style>
+        <p:txBody>
+          <a:bodyPr wrap="square" rtlCol="0">
+            <a:spAutoFit/>
+          </a:bodyPr>
+          <a:lstStyle/>
+          <a:p>
+            <a:pPr fontAlgn="base"/>
+            <a:r>
+              <a:rPr lang="en-US" sz="1200" dirty="0">
+                <a:latin typeface="Consolas"/>
+              </a:rPr>
+              <a:t>class </a:t>
+            </a:r>
+            <a:r>
+              <a:rPr lang="en-US" sz="1200" dirty="0" err="1">
+                <a:latin typeface="Consolas"/>
+              </a:rPr>
+              <a:t>CreateSuppliers</a:t>
+            </a:r>
+            <a:r>
+              <a:rPr lang="en-US" sz="1200" dirty="0">
+                <a:latin typeface="Consolas"/>
+              </a:rPr>
+              <a:t> &lt; </a:t>
+            </a:r>
+            <a:r>
+              <a:rPr lang="en-US" sz="1200" dirty="0" err="1">
+                <a:latin typeface="Consolas"/>
+              </a:rPr>
+              <a:t>ActiveRecord</a:t>
+            </a:r>
+            <a:r>
+              <a:rPr lang="en-US" sz="1200" dirty="0">
+                <a:latin typeface="Consolas"/>
+              </a:rPr>
+              <a:t>::Migration</a:t>
+            </a:r>
+          </a:p>
+          <a:p>
+            <a:pPr fontAlgn="base"/>
+            <a:r>
+              <a:rPr lang="en-US" sz="1200" dirty="0">
+                <a:latin typeface="Consolas"/>
+              </a:rPr>
+              <a:t>  </a:t>
+            </a:r>
+            <a:r>
+              <a:rPr lang="en-US" sz="1200" dirty="0" err="1">
+                <a:latin typeface="Consolas"/>
+              </a:rPr>
+              <a:t>def</a:t>
+            </a:r>
+            <a:r>
+              <a:rPr lang="en-US" sz="1200" dirty="0">
+                <a:latin typeface="Consolas"/>
+              </a:rPr>
+              <a:t> change</a:t>
+            </a:r>
+          </a:p>
+          <a:p>
+            <a:pPr fontAlgn="base"/>
+            <a:r>
+              <a:rPr lang="en-US" sz="1200" dirty="0">
+                <a:latin typeface="Consolas"/>
+              </a:rPr>
+              <a:t>    </a:t>
+            </a:r>
+            <a:r>
+              <a:rPr lang="en-US" sz="1200" dirty="0" err="1">
+                <a:latin typeface="Consolas"/>
+              </a:rPr>
+              <a:t>create_table</a:t>
+            </a:r>
+            <a:r>
+              <a:rPr lang="en-US" sz="1200" dirty="0">
+                <a:latin typeface="Consolas"/>
+              </a:rPr>
+              <a:t> :suppliers do |t|</a:t>
+            </a:r>
+          </a:p>
+          <a:p>
+            <a:pPr fontAlgn="base"/>
+            <a:r>
+              <a:rPr lang="en-US" sz="1200" dirty="0">
+                <a:latin typeface="Consolas"/>
+              </a:rPr>
+              <a:t>      </a:t>
+            </a:r>
+            <a:r>
+              <a:rPr lang="en-US" sz="1200" dirty="0" err="1">
+                <a:latin typeface="Consolas"/>
+              </a:rPr>
+              <a:t>t.string</a:t>
+            </a:r>
+            <a:r>
+              <a:rPr lang="en-US" sz="1200" dirty="0">
+                <a:latin typeface="Consolas"/>
+              </a:rPr>
+              <a:t> :name</a:t>
+            </a:r>
+          </a:p>
+          <a:p>
+            <a:pPr fontAlgn="base"/>
+            <a:r>
+              <a:rPr lang="en-US" sz="1200" dirty="0">
+                <a:latin typeface="Consolas"/>
+              </a:rPr>
+              <a:t>      </a:t>
+            </a:r>
+            <a:r>
+              <a:rPr lang="en-US" sz="1200" dirty="0" err="1">
+                <a:latin typeface="Consolas"/>
+              </a:rPr>
+              <a:t>t.timestamps</a:t>
+            </a:r>
+            <a:r>
+              <a:rPr lang="en-US" sz="1200" dirty="0">
+                <a:latin typeface="Consolas"/>
+              </a:rPr>
+              <a:t> null: false</a:t>
+            </a:r>
+          </a:p>
+          <a:p>
+            <a:pPr fontAlgn="base"/>
+            <a:r>
+              <a:rPr lang="en-US" sz="1200" dirty="0">
+                <a:latin typeface="Consolas"/>
+              </a:rPr>
+              <a:t>    end</a:t>
+            </a:r>
+          </a:p>
+          <a:p>
+            <a:pPr fontAlgn="base"/>
+            <a:r>
+              <a:rPr lang="en-US" sz="1200" dirty="0">
+                <a:latin typeface="Consolas"/>
+              </a:rPr>
+              <a:t>     </a:t>
+            </a:r>
+            <a:r>
+              <a:rPr lang="en-US" sz="1200" dirty="0" err="1">
+                <a:latin typeface="Consolas"/>
+              </a:rPr>
+              <a:t>create_table</a:t>
+            </a:r>
+            <a:r>
+              <a:rPr lang="en-US" sz="1200" dirty="0">
+                <a:latin typeface="Consolas"/>
+              </a:rPr>
+              <a:t> :accounts do |t|</a:t>
+            </a:r>
+          </a:p>
+          <a:p>
+            <a:pPr fontAlgn="base"/>
+            <a:r>
+              <a:rPr lang="en-US" sz="1200" dirty="0">
+                <a:latin typeface="Consolas"/>
+              </a:rPr>
+              <a:t>      </a:t>
+            </a:r>
+            <a:r>
+              <a:rPr lang="en-US" sz="1200" dirty="0" err="1">
+                <a:latin typeface="Consolas"/>
+              </a:rPr>
+              <a:t>t.belongs_to</a:t>
+            </a:r>
+            <a:r>
+              <a:rPr lang="en-US" sz="1200" dirty="0">
+                <a:latin typeface="Consolas"/>
+              </a:rPr>
+              <a:t> :supplier, index: true</a:t>
+            </a:r>
+          </a:p>
+          <a:p>
+            <a:pPr fontAlgn="base"/>
+            <a:r>
+              <a:rPr lang="en-US" sz="1200" dirty="0">
+                <a:latin typeface="Consolas"/>
+              </a:rPr>
+              <a:t>      </a:t>
+            </a:r>
+            <a:r>
+              <a:rPr lang="en-US" sz="1200" dirty="0" err="1">
+                <a:latin typeface="Consolas"/>
+              </a:rPr>
+              <a:t>t.string</a:t>
+            </a:r>
+            <a:r>
+              <a:rPr lang="en-US" sz="1200" dirty="0">
+                <a:latin typeface="Consolas"/>
+              </a:rPr>
+              <a:t> :</a:t>
+            </a:r>
+            <a:r>
+              <a:rPr lang="en-US" sz="1200" dirty="0" err="1">
+                <a:latin typeface="Consolas"/>
+              </a:rPr>
+              <a:t>account_number</a:t>
+            </a:r>
+            <a:endParaRPr lang="en-US" sz="1200" dirty="0">
+              <a:latin typeface="Consolas"/>
+            </a:endParaRPr>
+          </a:p>
+          <a:p>
+            <a:pPr fontAlgn="base"/>
+            <a:r>
+              <a:rPr lang="en-US" sz="1200" dirty="0">
+                <a:latin typeface="Consolas"/>
+              </a:rPr>
+              <a:t>      </a:t>
+            </a:r>
+            <a:r>
+              <a:rPr lang="en-US" sz="1200" dirty="0" err="1">
+                <a:latin typeface="Consolas"/>
+              </a:rPr>
+              <a:t>t.timestamps</a:t>
+            </a:r>
+            <a:r>
+              <a:rPr lang="en-US" sz="1200" dirty="0">
+                <a:latin typeface="Consolas"/>
+              </a:rPr>
+              <a:t> null: false</a:t>
+            </a:r>
+          </a:p>
+          <a:p>
+            <a:pPr fontAlgn="base"/>
+            <a:r>
+              <a:rPr lang="en-US" sz="1200" dirty="0">
+                <a:latin typeface="Consolas"/>
+              </a:rPr>
+              <a:t>    end</a:t>
+            </a:r>
+          </a:p>
+          <a:p>
+            <a:pPr fontAlgn="base"/>
+            <a:r>
+              <a:rPr lang="en-US" sz="1200" dirty="0">
+                <a:latin typeface="Consolas"/>
+              </a:rPr>
+              <a:t>  end</a:t>
+            </a:r>
+          </a:p>
+          <a:p>
+            <a:pPr fontAlgn="base"/>
+            <a:r>
+              <a:rPr lang="en-US" sz="1200" dirty="0">
+                <a:latin typeface="Consolas"/>
+              </a:rPr>
+              <a:t>end</a:t>
+            </a:r>
+            <a:endParaRPr lang="en-US" sz="1200" dirty="0">
+              <a:latin typeface="Consolas"/>
+            </a:endParaRPr>
+          </a:p>
+        </p:txBody>
+      </p:sp>
+    </p:spTree>
+    <p:extLst>
+      <p:ext uri="{BB962C8B-B14F-4D97-AF65-F5344CB8AC3E}">
+        <p14:creationId xmlns:p14="http://schemas.microsoft.com/office/powerpoint/2010/main" val="3910475961"/>
+      </p:ext>
+    </p:extLst>
+  </p:cSld>
+  <p:clrMapOvr>
+    <a:masterClrMapping/>
+  </p:clrMapOvr>
+</p:sld>
+</file>
+
+<file path=ppt/slides/slide24.xml><?xml version="1.0" encoding="utf-8"?>
+<p:sld xmlns:a="http://schemas.openxmlformats.org/drawingml/2006/main" xmlns:r="http://schemas.openxmlformats.org/officeDocument/2006/relationships" xmlns:p="http://schemas.openxmlformats.org/presentationml/2006/main">
+  <p:cSld>
+    <p:spTree>
+      <p:nvGrpSpPr>
+        <p:cNvPr id="1" name=""/>
+        <p:cNvGrpSpPr/>
+        <p:nvPr/>
+      </p:nvGrpSpPr>
+      <p:grpSpPr>
+        <a:xfrm>
+          <a:off x="0" y="0"/>
+          <a:ext cx="0" cy="0"/>
+          <a:chOff x="0" y="0"/>
+          <a:chExt cx="0" cy="0"/>
+        </a:xfrm>
+      </p:grpSpPr>
+      <p:sp>
+        <p:nvSpPr>
+          <p:cNvPr id="2" name="Title 1"/>
+          <p:cNvSpPr>
+            <a:spLocks noGrp="1"/>
+          </p:cNvSpPr>
+          <p:nvPr>
+            <p:ph type="title"/>
+          </p:nvPr>
+        </p:nvSpPr>
+        <p:spPr/>
+        <p:txBody>
+          <a:bodyPr/>
+          <a:lstStyle/>
+          <a:p>
+            <a:endParaRPr lang="en-US"/>
+          </a:p>
+        </p:txBody>
+      </p:sp>
+      <p:sp>
+        <p:nvSpPr>
+          <p:cNvPr id="3" name="Text Placeholder 2"/>
+          <p:cNvSpPr>
+            <a:spLocks noGrp="1"/>
+          </p:cNvSpPr>
+          <p:nvPr>
+            <p:ph type="body" idx="1"/>
+          </p:nvPr>
+        </p:nvSpPr>
+        <p:spPr/>
+        <p:txBody>
+          <a:bodyPr/>
+          <a:lstStyle/>
+          <a:p>
+            <a:endParaRPr lang="en-US"/>
+          </a:p>
+        </p:txBody>
+      </p:sp>
+      <p:pic>
+        <p:nvPicPr>
+          <p:cNvPr id="4" name="Picture 2"/>
+          <p:cNvPicPr>
+            <a:picLocks noChangeAspect="1" noChangeArrowheads="1"/>
+          </p:cNvPicPr>
+          <p:nvPr/>
+        </p:nvPicPr>
+        <p:blipFill>
+          <a:blip r:embed="rId2">
+            <a:extLst>
+              <a:ext uri="{28A0092B-C50C-407E-A947-70E740481C1C}">
+                <a14:useLocalDpi xmlns:a14="http://schemas.microsoft.com/office/drawing/2010/main" val="0"/>
+              </a:ext>
+            </a:extLst>
+          </a:blip>
+          <a:srcRect/>
+          <a:stretch>
+            <a:fillRect/>
+          </a:stretch>
+        </p:blipFill>
+        <p:spPr bwMode="auto">
+          <a:xfrm>
+            <a:off x="1524000" y="1276350"/>
+            <a:ext cx="5819775" cy="2857500"/>
+          </a:xfrm>
+          <a:prstGeom prst="rect">
+            <a:avLst/>
+          </a:prstGeom>
+          <a:noFill/>
+          <a:ln>
+            <a:noFill/>
+          </a:ln>
+          <a:effectLst/>
+          <a:extLst>
+            <a:ext uri="{909E8E84-426E-40DD-AFC4-6F175D3DCCD1}">
+              <a14:hiddenFill xmlns:a14="http://schemas.microsoft.com/office/drawing/2010/main">
+                <a:solidFill>
+                  <a:schemeClr val="accent1"/>
+                </a:solidFill>
+              </a14:hiddenFill>
+            </a:ext>
+            <a:ext uri="{91240B29-F687-4F45-9708-019B960494DF}">
+              <a14:hiddenLine xmlns:a14="http://schemas.microsoft.com/office/drawing/2010/main" w="9525">
+                <a:solidFill>
+                  <a:schemeClr val="tx1"/>
+                </a:solidFill>
+                <a:miter lim="800000"/>
+                <a:headEnd/>
+                <a:tailEnd/>
+              </a14:hiddenLine>
+            </a:ext>
+            <a:ext uri="{AF507438-7753-43E0-B8FC-AC1667EBCBE1}">
+              <a14:hiddenEffects xmlns:a14="http://schemas.microsoft.com/office/drawing/2010/main">
+                <a:effectLst>
+                  <a:outerShdw dist="35921" dir="2700000" algn="ctr" rotWithShape="0">
+                    <a:schemeClr val="bg2"/>
+                  </a:outerShdw>
+                </a:effectLst>
+              </a14:hiddenEffects>
+            </a:ext>
+          </a:extLst>
+        </p:spPr>
+      </p:pic>
+    </p:spTree>
+    <p:extLst>
+      <p:ext uri="{BB962C8B-B14F-4D97-AF65-F5344CB8AC3E}">
+        <p14:creationId xmlns:p14="http://schemas.microsoft.com/office/powerpoint/2010/main" val="3609682377"/>
+      </p:ext>
+    </p:extLst>
+  </p:cSld>
+  <p:clrMapOvr>
+    <a:masterClrMapping/>
+  </p:clrMapOvr>
+</p:sld>
+</file>
+
+<file path=ppt/slides/slide25.xml><?xml version="1.0" encoding="utf-8"?>
+<p:sld xmlns:a="http://schemas.openxmlformats.org/drawingml/2006/main" xmlns:r="http://schemas.openxmlformats.org/officeDocument/2006/relationships" xmlns:p="http://schemas.openxmlformats.org/presentationml/2006/main">
+  <p:cSld>
+    <p:bg>
+      <p:bgPr>
+        <a:noFill/>
+        <a:effectLst/>
+      </p:bgPr>
+    </p:bg>
+    <p:spTree>
+      <p:nvGrpSpPr>
+        <p:cNvPr id="1" name=""/>
+        <p:cNvGrpSpPr/>
+        <p:nvPr/>
+      </p:nvGrpSpPr>
+      <p:grpSpPr>
+        <a:xfrm>
+          <a:off x="0" y="0"/>
+          <a:ext cx="0" cy="0"/>
+          <a:chOff x="0" y="0"/>
+          <a:chExt cx="0" cy="0"/>
+        </a:xfrm>
+      </p:grpSpPr>
+      <p:sp>
+        <p:nvSpPr>
+          <p:cNvPr id="2" name="Title 1"/>
+          <p:cNvSpPr>
+            <a:spLocks noGrp="1"/>
+          </p:cNvSpPr>
+          <p:nvPr>
+            <p:ph type="title"/>
+          </p:nvPr>
+        </p:nvSpPr>
+        <p:spPr/>
+        <p:txBody>
+          <a:bodyPr/>
+          <a:lstStyle/>
+          <a:p>
+            <a:r>
+              <a:rPr lang="en-US" sz="1400" dirty="0" smtClean="0"/>
+              <a:t>9.1.3 The </a:t>
+            </a:r>
+            <a:r>
+              <a:rPr lang="en-US" sz="1400" dirty="0" err="1" smtClean="0"/>
+              <a:t>has_many</a:t>
+            </a:r>
+            <a:r>
+              <a:rPr lang="en-US" sz="1400" dirty="0"/>
+              <a:t> </a:t>
+            </a:r>
+            <a:r>
+              <a:rPr lang="en-US" sz="1400" dirty="0" smtClean="0"/>
+              <a:t>Association</a:t>
+            </a:r>
+            <a:br>
+              <a:rPr lang="en-US" sz="1400" dirty="0" smtClean="0"/>
+            </a:br>
+            <a:r>
+              <a:rPr lang="en-US" sz="1400" dirty="0" smtClean="0"/>
+              <a:t/>
+            </a:r>
+            <a:br>
+              <a:rPr lang="en-US" sz="1400" dirty="0" smtClean="0"/>
+            </a:br>
+            <a:endParaRPr lang="en-US" sz="1400" dirty="0"/>
+          </a:p>
+        </p:txBody>
+      </p:sp>
+      <p:sp>
+        <p:nvSpPr>
+          <p:cNvPr id="3" name="Text Placeholder 2"/>
+          <p:cNvSpPr>
+            <a:spLocks noGrp="1"/>
+          </p:cNvSpPr>
+          <p:nvPr>
+            <p:ph type="body" idx="1"/>
+          </p:nvPr>
+        </p:nvSpPr>
+        <p:spPr>
+          <a:xfrm>
+            <a:off x="457200" y="819150"/>
+            <a:ext cx="8229600" cy="3725680"/>
+          </a:xfrm>
+        </p:spPr>
+        <p:txBody>
+          <a:bodyPr/>
+          <a:lstStyle/>
+          <a:p>
+            <a:pPr marL="342900" lvl="1" indent="-342900">
+              <a:buFont typeface="Arial" pitchFamily="34" charset="0"/>
+              <a:buChar char="•"/>
+            </a:pPr>
+            <a:r>
+              <a:rPr lang="en-US" sz="1600" dirty="0" smtClean="0"/>
+              <a:t>Sets up many-to-many </a:t>
+            </a:r>
+            <a:r>
+              <a:rPr lang="en-US" sz="1600" dirty="0"/>
+              <a:t>connection with another </a:t>
+            </a:r>
+            <a:r>
+              <a:rPr lang="en-US" sz="1600" dirty="0" smtClean="0"/>
+              <a:t>model</a:t>
+            </a:r>
+          </a:p>
+          <a:p>
+            <a:pPr marL="342900" lvl="1" indent="-342900">
+              <a:buFont typeface="Arial" pitchFamily="34" charset="0"/>
+              <a:buChar char="•"/>
+            </a:pPr>
+            <a:r>
+              <a:rPr lang="en-US" sz="1600" dirty="0" smtClean="0"/>
+              <a:t>In </a:t>
+            </a:r>
+            <a:r>
+              <a:rPr lang="en-US" sz="1600" dirty="0"/>
+              <a:t>an application containing customers and orders, the customer model could be declared like this:</a:t>
+            </a:r>
+            <a:r>
+              <a:rPr lang="en-US" sz="1600" dirty="0" smtClean="0"/>
+              <a:t/>
+            </a:r>
+            <a:br>
+              <a:rPr lang="en-US" sz="1600" dirty="0" smtClean="0"/>
+            </a:br>
+            <a:r>
+              <a:rPr lang="en-US" sz="1600" dirty="0" smtClean="0"/>
+              <a:t/>
+            </a:r>
+            <a:br>
+              <a:rPr lang="en-US" sz="1600" dirty="0" smtClean="0"/>
+            </a:br>
+            <a:endParaRPr lang="en-US" sz="1400" dirty="0" smtClean="0"/>
+          </a:p>
+          <a:p>
+            <a:pPr marL="342900" lvl="1" indent="-342900">
+              <a:buFont typeface="Arial" pitchFamily="34" charset="0"/>
+              <a:buChar char="•"/>
+            </a:pPr>
+            <a:endParaRPr lang="en-US" sz="1600" dirty="0" smtClean="0"/>
+          </a:p>
+          <a:p>
+            <a:pPr marL="342900" lvl="1" indent="-342900">
+              <a:buFont typeface="Arial" pitchFamily="34" charset="0"/>
+              <a:buChar char="•"/>
+            </a:pPr>
+            <a:r>
+              <a:rPr lang="en-US" sz="1600" dirty="0" smtClean="0"/>
+              <a:t>The migrations will look like-</a:t>
+            </a:r>
+            <a:endParaRPr lang="en-US" sz="1600" dirty="0"/>
+          </a:p>
+        </p:txBody>
+      </p:sp>
+      <p:sp>
+        <p:nvSpPr>
+          <p:cNvPr id="4" name="TextBox 3"/>
+          <p:cNvSpPr txBox="1"/>
+          <p:nvPr/>
+        </p:nvSpPr>
+        <p:spPr>
+          <a:xfrm>
+            <a:off x="893135" y="1657350"/>
+            <a:ext cx="6477000" cy="646331"/>
+          </a:xfrm>
+          <a:prstGeom prst="rect">
+            <a:avLst/>
+          </a:prstGeom>
+        </p:spPr>
+        <p:style>
+          <a:lnRef idx="1">
+            <a:schemeClr val="accent4"/>
+          </a:lnRef>
+          <a:fillRef idx="2">
+            <a:schemeClr val="accent4"/>
+          </a:fillRef>
+          <a:effectRef idx="1">
+            <a:schemeClr val="accent4"/>
+          </a:effectRef>
+          <a:fontRef idx="minor">
+            <a:schemeClr val="dk1"/>
+          </a:fontRef>
+        </p:style>
+        <p:txBody>
+          <a:bodyPr wrap="square" rtlCol="0">
+            <a:spAutoFit/>
+          </a:bodyPr>
+          <a:lstStyle/>
+          <a:p>
+            <a:pPr fontAlgn="base"/>
+            <a:r>
+              <a:rPr lang="en-US" sz="1200" dirty="0">
+                <a:latin typeface="Consolas"/>
+              </a:rPr>
+              <a:t>class Customer &lt; </a:t>
+            </a:r>
+            <a:r>
+              <a:rPr lang="en-US" sz="1200" dirty="0" err="1">
+                <a:latin typeface="Consolas"/>
+              </a:rPr>
+              <a:t>ActiveRecord</a:t>
+            </a:r>
+            <a:r>
+              <a:rPr lang="en-US" sz="1200" dirty="0">
+                <a:latin typeface="Consolas"/>
+              </a:rPr>
+              <a:t>::Base</a:t>
+            </a:r>
+          </a:p>
+          <a:p>
+            <a:pPr fontAlgn="base"/>
+            <a:r>
+              <a:rPr lang="en-US" sz="1200" dirty="0">
+                <a:latin typeface="Consolas"/>
+              </a:rPr>
+              <a:t>  </a:t>
+            </a:r>
+            <a:r>
+              <a:rPr lang="en-US" sz="1200" dirty="0" err="1">
+                <a:latin typeface="Consolas"/>
+              </a:rPr>
+              <a:t>has_many</a:t>
+            </a:r>
+            <a:r>
+              <a:rPr lang="en-US" sz="1200" dirty="0">
+                <a:latin typeface="Consolas"/>
+              </a:rPr>
+              <a:t> :orders</a:t>
+            </a:r>
+          </a:p>
+          <a:p>
+            <a:pPr fontAlgn="base"/>
+            <a:r>
+              <a:rPr lang="en-US" sz="1200" dirty="0">
+                <a:latin typeface="Consolas"/>
+              </a:rPr>
+              <a:t>end</a:t>
+            </a:r>
+            <a:endParaRPr lang="en-US" sz="1200" dirty="0">
+              <a:latin typeface="Consolas"/>
+            </a:endParaRPr>
+          </a:p>
+        </p:txBody>
+      </p:sp>
+      <p:sp>
+        <p:nvSpPr>
+          <p:cNvPr id="5" name="TextBox 4"/>
+          <p:cNvSpPr txBox="1"/>
+          <p:nvPr/>
+        </p:nvSpPr>
+        <p:spPr>
+          <a:xfrm>
+            <a:off x="893135" y="2646793"/>
+            <a:ext cx="6477000" cy="2492990"/>
+          </a:xfrm>
+          <a:prstGeom prst="rect">
+            <a:avLst/>
+          </a:prstGeom>
+        </p:spPr>
+        <p:style>
+          <a:lnRef idx="1">
+            <a:schemeClr val="accent4"/>
+          </a:lnRef>
+          <a:fillRef idx="2">
+            <a:schemeClr val="accent4"/>
+          </a:fillRef>
+          <a:effectRef idx="1">
+            <a:schemeClr val="accent4"/>
+          </a:effectRef>
+          <a:fontRef idx="minor">
+            <a:schemeClr val="dk1"/>
+          </a:fontRef>
+        </p:style>
+        <p:txBody>
+          <a:bodyPr wrap="square" rtlCol="0">
+            <a:spAutoFit/>
+          </a:bodyPr>
+          <a:lstStyle/>
+          <a:p>
+            <a:pPr fontAlgn="base"/>
+            <a:r>
+              <a:rPr lang="en-US" sz="1200" dirty="0">
+                <a:latin typeface="Consolas"/>
+              </a:rPr>
+              <a:t>class </a:t>
+            </a:r>
+            <a:r>
+              <a:rPr lang="en-US" sz="1200" dirty="0" err="1">
+                <a:latin typeface="Consolas"/>
+              </a:rPr>
+              <a:t>CreateCustomers</a:t>
+            </a:r>
+            <a:r>
+              <a:rPr lang="en-US" sz="1200" dirty="0">
+                <a:latin typeface="Consolas"/>
+              </a:rPr>
+              <a:t> &lt; </a:t>
+            </a:r>
+            <a:r>
+              <a:rPr lang="en-US" sz="1200" dirty="0" err="1">
+                <a:latin typeface="Consolas"/>
+              </a:rPr>
+              <a:t>ActiveRecord</a:t>
+            </a:r>
+            <a:r>
+              <a:rPr lang="en-US" sz="1200" dirty="0">
+                <a:latin typeface="Consolas"/>
+              </a:rPr>
+              <a:t>::Migration</a:t>
+            </a:r>
+          </a:p>
+          <a:p>
+            <a:pPr fontAlgn="base"/>
+            <a:r>
+              <a:rPr lang="en-US" sz="1200" dirty="0">
+                <a:latin typeface="Consolas"/>
+              </a:rPr>
+              <a:t>  </a:t>
+            </a:r>
+            <a:r>
+              <a:rPr lang="en-US" sz="1200" dirty="0" err="1">
+                <a:latin typeface="Consolas"/>
+              </a:rPr>
+              <a:t>def</a:t>
+            </a:r>
+            <a:r>
+              <a:rPr lang="en-US" sz="1200" dirty="0">
+                <a:latin typeface="Consolas"/>
+              </a:rPr>
+              <a:t> change</a:t>
+            </a:r>
+          </a:p>
+          <a:p>
+            <a:pPr fontAlgn="base"/>
+            <a:r>
+              <a:rPr lang="en-US" sz="1200" dirty="0">
+                <a:latin typeface="Consolas"/>
+              </a:rPr>
+              <a:t>    </a:t>
+            </a:r>
+            <a:r>
+              <a:rPr lang="en-US" sz="1200" dirty="0" err="1">
+                <a:latin typeface="Consolas"/>
+              </a:rPr>
+              <a:t>create_table</a:t>
+            </a:r>
+            <a:r>
+              <a:rPr lang="en-US" sz="1200" dirty="0">
+                <a:latin typeface="Consolas"/>
+              </a:rPr>
+              <a:t> :customers do |t|</a:t>
+            </a:r>
+          </a:p>
+          <a:p>
+            <a:pPr fontAlgn="base"/>
+            <a:r>
+              <a:rPr lang="en-US" sz="1200" dirty="0">
+                <a:latin typeface="Consolas"/>
+              </a:rPr>
+              <a:t>      </a:t>
+            </a:r>
+            <a:r>
+              <a:rPr lang="en-US" sz="1200" dirty="0" err="1">
+                <a:latin typeface="Consolas"/>
+              </a:rPr>
+              <a:t>t.string</a:t>
+            </a:r>
+            <a:r>
+              <a:rPr lang="en-US" sz="1200" dirty="0">
+                <a:latin typeface="Consolas"/>
+              </a:rPr>
+              <a:t> :name</a:t>
+            </a:r>
+          </a:p>
+          <a:p>
+            <a:pPr fontAlgn="base"/>
+            <a:r>
+              <a:rPr lang="en-US" sz="1200" dirty="0">
+                <a:latin typeface="Consolas"/>
+              </a:rPr>
+              <a:t>      </a:t>
+            </a:r>
+            <a:r>
+              <a:rPr lang="en-US" sz="1200" dirty="0" err="1">
+                <a:latin typeface="Consolas"/>
+              </a:rPr>
+              <a:t>t.timestamps</a:t>
+            </a:r>
+            <a:r>
+              <a:rPr lang="en-US" sz="1200" dirty="0">
+                <a:latin typeface="Consolas"/>
+              </a:rPr>
+              <a:t> null: false</a:t>
+            </a:r>
+          </a:p>
+          <a:p>
+            <a:pPr fontAlgn="base"/>
+            <a:r>
+              <a:rPr lang="en-US" sz="1200" dirty="0">
+                <a:latin typeface="Consolas"/>
+              </a:rPr>
+              <a:t>    end</a:t>
+            </a:r>
+          </a:p>
+          <a:p>
+            <a:pPr fontAlgn="base"/>
+            <a:r>
+              <a:rPr lang="en-US" sz="1200" dirty="0">
+                <a:latin typeface="Consolas"/>
+              </a:rPr>
+              <a:t>     </a:t>
+            </a:r>
+            <a:r>
+              <a:rPr lang="en-US" sz="1200" dirty="0" err="1">
+                <a:latin typeface="Consolas"/>
+              </a:rPr>
+              <a:t>create_table</a:t>
+            </a:r>
+            <a:r>
+              <a:rPr lang="en-US" sz="1200" dirty="0">
+                <a:latin typeface="Consolas"/>
+              </a:rPr>
+              <a:t> :orders do |t|</a:t>
+            </a:r>
+          </a:p>
+          <a:p>
+            <a:pPr fontAlgn="base"/>
+            <a:r>
+              <a:rPr lang="en-US" sz="1200" dirty="0">
+                <a:latin typeface="Consolas"/>
+              </a:rPr>
+              <a:t>      </a:t>
+            </a:r>
+            <a:r>
+              <a:rPr lang="en-US" sz="1200" dirty="0" err="1">
+                <a:latin typeface="Consolas"/>
+              </a:rPr>
+              <a:t>t.belongs_to</a:t>
+            </a:r>
+            <a:r>
+              <a:rPr lang="en-US" sz="1200" dirty="0">
+                <a:latin typeface="Consolas"/>
+              </a:rPr>
+              <a:t> :customer, </a:t>
+            </a:r>
+            <a:r>
+              <a:rPr lang="en-US" sz="1200" dirty="0" err="1">
+                <a:latin typeface="Consolas"/>
+              </a:rPr>
+              <a:t>index:true</a:t>
+            </a:r>
+            <a:endParaRPr lang="en-US" sz="1200" dirty="0">
+              <a:latin typeface="Consolas"/>
+            </a:endParaRPr>
+          </a:p>
+          <a:p>
+            <a:pPr fontAlgn="base"/>
+            <a:r>
+              <a:rPr lang="en-US" sz="1200" dirty="0">
+                <a:latin typeface="Consolas"/>
+              </a:rPr>
+              <a:t>      </a:t>
+            </a:r>
+            <a:r>
+              <a:rPr lang="en-US" sz="1200" dirty="0" err="1">
+                <a:latin typeface="Consolas"/>
+              </a:rPr>
+              <a:t>t.datetime</a:t>
+            </a:r>
+            <a:r>
+              <a:rPr lang="en-US" sz="1200" dirty="0">
+                <a:latin typeface="Consolas"/>
+              </a:rPr>
+              <a:t> :</a:t>
+            </a:r>
+            <a:r>
+              <a:rPr lang="en-US" sz="1200" dirty="0" err="1">
+                <a:latin typeface="Consolas"/>
+              </a:rPr>
+              <a:t>order_date</a:t>
+            </a:r>
+            <a:endParaRPr lang="en-US" sz="1200" dirty="0">
+              <a:latin typeface="Consolas"/>
+            </a:endParaRPr>
+          </a:p>
+          <a:p>
+            <a:pPr fontAlgn="base"/>
+            <a:r>
+              <a:rPr lang="en-US" sz="1200" dirty="0">
+                <a:latin typeface="Consolas"/>
+              </a:rPr>
+              <a:t>      </a:t>
+            </a:r>
+            <a:r>
+              <a:rPr lang="en-US" sz="1200" dirty="0" err="1">
+                <a:latin typeface="Consolas"/>
+              </a:rPr>
+              <a:t>t.timestamps</a:t>
+            </a:r>
+            <a:r>
+              <a:rPr lang="en-US" sz="1200" dirty="0">
+                <a:latin typeface="Consolas"/>
+              </a:rPr>
+              <a:t> null: false</a:t>
+            </a:r>
+          </a:p>
+          <a:p>
+            <a:pPr fontAlgn="base"/>
+            <a:r>
+              <a:rPr lang="en-US" sz="1200" dirty="0">
+                <a:latin typeface="Consolas"/>
+              </a:rPr>
+              <a:t>    end</a:t>
+            </a:r>
+          </a:p>
+          <a:p>
+            <a:pPr fontAlgn="base"/>
+            <a:r>
+              <a:rPr lang="en-US" sz="1200" dirty="0">
+                <a:latin typeface="Consolas"/>
+              </a:rPr>
+              <a:t>  end</a:t>
+            </a:r>
+          </a:p>
+          <a:p>
+            <a:pPr fontAlgn="base"/>
+            <a:r>
+              <a:rPr lang="en-US" sz="1200" dirty="0">
+                <a:latin typeface="Consolas"/>
+              </a:rPr>
+              <a:t>end</a:t>
+            </a:r>
+            <a:endParaRPr lang="en-US" sz="1200" dirty="0">
+              <a:latin typeface="Consolas"/>
+            </a:endParaRPr>
+          </a:p>
+        </p:txBody>
+      </p:sp>
+    </p:spTree>
+    <p:extLst>
+      <p:ext uri="{BB962C8B-B14F-4D97-AF65-F5344CB8AC3E}">
+        <p14:creationId xmlns:p14="http://schemas.microsoft.com/office/powerpoint/2010/main" val="1577916491"/>
+      </p:ext>
+    </p:extLst>
+  </p:cSld>
+  <p:clrMapOvr>
+    <a:masterClrMapping/>
+  </p:clrMapOvr>
+</p:sld>
+</file>
+
+<file path=ppt/slides/slide26.xml><?xml version="1.0" encoding="utf-8"?>
+<p:sld xmlns:a="http://schemas.openxmlformats.org/drawingml/2006/main" xmlns:r="http://schemas.openxmlformats.org/officeDocument/2006/relationships" xmlns:p="http://schemas.openxmlformats.org/presentationml/2006/main">
+  <p:cSld>
+    <p:spTree>
+      <p:nvGrpSpPr>
+        <p:cNvPr id="1" name=""/>
+        <p:cNvGrpSpPr/>
+        <p:nvPr/>
+      </p:nvGrpSpPr>
+      <p:grpSpPr>
+        <a:xfrm>
+          <a:off x="0" y="0"/>
+          <a:ext cx="0" cy="0"/>
+          <a:chOff x="0" y="0"/>
+          <a:chExt cx="0" cy="0"/>
+        </a:xfrm>
+      </p:grpSpPr>
+      <p:sp>
+        <p:nvSpPr>
+          <p:cNvPr id="2" name="Title 1"/>
+          <p:cNvSpPr>
+            <a:spLocks noGrp="1"/>
+          </p:cNvSpPr>
+          <p:nvPr>
+            <p:ph type="title"/>
+          </p:nvPr>
+        </p:nvSpPr>
+        <p:spPr/>
+        <p:txBody>
+          <a:bodyPr/>
+          <a:lstStyle/>
+          <a:p>
+            <a:endParaRPr lang="en-US"/>
+          </a:p>
+        </p:txBody>
+      </p:sp>
+      <p:sp>
+        <p:nvSpPr>
+          <p:cNvPr id="3" name="Text Placeholder 2"/>
+          <p:cNvSpPr>
+            <a:spLocks noGrp="1"/>
+          </p:cNvSpPr>
+          <p:nvPr>
+            <p:ph type="body" idx="1"/>
+          </p:nvPr>
+        </p:nvSpPr>
+        <p:spPr/>
+        <p:txBody>
+          <a:bodyPr/>
+          <a:lstStyle/>
+          <a:p>
+            <a:endParaRPr lang="en-US" dirty="0"/>
+          </a:p>
+        </p:txBody>
+      </p:sp>
+      <p:pic>
+        <p:nvPicPr>
+          <p:cNvPr id="8194" name="Picture 2"/>
+          <p:cNvPicPr>
+            <a:picLocks noChangeAspect="1" noChangeArrowheads="1"/>
+          </p:cNvPicPr>
+          <p:nvPr/>
+        </p:nvPicPr>
+        <p:blipFill>
+          <a:blip r:embed="rId2">
+            <a:extLst>
+              <a:ext uri="{28A0092B-C50C-407E-A947-70E740481C1C}">
+                <a14:useLocalDpi xmlns:a14="http://schemas.microsoft.com/office/drawing/2010/main" val="0"/>
+              </a:ext>
+            </a:extLst>
+          </a:blip>
+          <a:srcRect/>
+          <a:stretch>
+            <a:fillRect/>
+          </a:stretch>
+        </p:blipFill>
+        <p:spPr bwMode="auto">
+          <a:xfrm>
+            <a:off x="1572844" y="1352550"/>
+            <a:ext cx="5991225" cy="3028950"/>
+          </a:xfrm>
+          <a:prstGeom prst="rect">
+            <a:avLst/>
+          </a:prstGeom>
+          <a:noFill/>
+          <a:ln>
+            <a:noFill/>
+          </a:ln>
+          <a:effectLst/>
+          <a:extLst>
+            <a:ext uri="{909E8E84-426E-40DD-AFC4-6F175D3DCCD1}">
+              <a14:hiddenFill xmlns:a14="http://schemas.microsoft.com/office/drawing/2010/main">
+                <a:solidFill>
+                  <a:schemeClr val="accent1"/>
+                </a:solidFill>
+              </a14:hiddenFill>
+            </a:ext>
+            <a:ext uri="{91240B29-F687-4F45-9708-019B960494DF}">
+              <a14:hiddenLine xmlns:a14="http://schemas.microsoft.com/office/drawing/2010/main" w="9525">
+                <a:solidFill>
+                  <a:schemeClr val="tx1"/>
+                </a:solidFill>
+                <a:miter lim="800000"/>
+                <a:headEnd/>
+                <a:tailEnd/>
+              </a14:hiddenLine>
+            </a:ext>
+            <a:ext uri="{AF507438-7753-43E0-B8FC-AC1667EBCBE1}">
+              <a14:hiddenEffects xmlns:a14="http://schemas.microsoft.com/office/drawing/2010/main">
+                <a:effectLst>
+                  <a:outerShdw dist="35921" dir="2700000" algn="ctr" rotWithShape="0">
+                    <a:schemeClr val="bg2"/>
+                  </a:outerShdw>
+                </a:effectLst>
+              </a14:hiddenEffects>
+            </a:ext>
+          </a:extLst>
+        </p:spPr>
+      </p:pic>
+    </p:spTree>
+    <p:extLst>
+      <p:ext uri="{BB962C8B-B14F-4D97-AF65-F5344CB8AC3E}">
+        <p14:creationId xmlns:p14="http://schemas.microsoft.com/office/powerpoint/2010/main" val="1514143360"/>
+      </p:ext>
+    </p:extLst>
+  </p:cSld>
+  <p:clrMapOvr>
+    <a:masterClrMapping/>
+  </p:clrMapOvr>
+</p:sld>
+</file>
+
+<file path=ppt/slides/slide27.xml><?xml version="1.0" encoding="utf-8"?>
+<p:sld xmlns:a="http://schemas.openxmlformats.org/drawingml/2006/main" xmlns:r="http://schemas.openxmlformats.org/officeDocument/2006/relationships" xmlns:p="http://schemas.openxmlformats.org/presentationml/2006/main">
+  <p:cSld>
+    <p:bg>
+      <p:bgPr>
+        <a:noFill/>
+        <a:effectLst/>
+      </p:bgPr>
+    </p:bg>
+    <p:spTree>
+      <p:nvGrpSpPr>
+        <p:cNvPr id="1" name=""/>
+        <p:cNvGrpSpPr/>
+        <p:nvPr/>
+      </p:nvGrpSpPr>
+      <p:grpSpPr>
+        <a:xfrm>
+          <a:off x="0" y="0"/>
+          <a:ext cx="0" cy="0"/>
+          <a:chOff x="0" y="0"/>
+          <a:chExt cx="0" cy="0"/>
+        </a:xfrm>
+      </p:grpSpPr>
+      <p:sp>
+        <p:nvSpPr>
+          <p:cNvPr id="2" name="Title 1"/>
+          <p:cNvSpPr>
+            <a:spLocks noGrp="1"/>
+          </p:cNvSpPr>
+          <p:nvPr>
+            <p:ph type="title"/>
+          </p:nvPr>
+        </p:nvSpPr>
+        <p:spPr/>
+        <p:txBody>
+          <a:bodyPr/>
+          <a:lstStyle/>
+          <a:p>
+            <a:r>
+              <a:rPr lang="en-US" sz="1400" dirty="0" smtClean="0"/>
+              <a:t>9.1.3 The</a:t>
+            </a:r>
+            <a:r>
+              <a:rPr lang="en-US" sz="1400" dirty="0"/>
+              <a:t> </a:t>
+            </a:r>
+            <a:r>
+              <a:rPr lang="en-US" sz="1400" dirty="0" err="1"/>
+              <a:t>has_many</a:t>
+            </a:r>
+            <a:r>
+              <a:rPr lang="en-US" sz="1400" dirty="0"/>
+              <a:t> :through Association</a:t>
+            </a:r>
+            <a:br>
+              <a:rPr lang="en-US" sz="1400" dirty="0"/>
+            </a:br>
+            <a:r>
+              <a:rPr lang="en-US" sz="1400" dirty="0" smtClean="0"/>
+              <a:t/>
+            </a:r>
+            <a:br>
+              <a:rPr lang="en-US" sz="1400" dirty="0" smtClean="0"/>
+            </a:br>
+            <a:endParaRPr lang="en-US" sz="1400" dirty="0"/>
+          </a:p>
+        </p:txBody>
+      </p:sp>
+      <p:sp>
+        <p:nvSpPr>
+          <p:cNvPr id="3" name="Text Placeholder 2"/>
+          <p:cNvSpPr>
+            <a:spLocks noGrp="1"/>
+          </p:cNvSpPr>
+          <p:nvPr>
+            <p:ph type="body" idx="1"/>
+          </p:nvPr>
+        </p:nvSpPr>
+        <p:spPr>
+          <a:xfrm>
+            <a:off x="457200" y="666750"/>
+            <a:ext cx="8229600" cy="3725680"/>
+          </a:xfrm>
+        </p:spPr>
+        <p:txBody>
+          <a:bodyPr/>
+          <a:lstStyle/>
+          <a:p>
+            <a:pPr marL="342900" lvl="1" indent="-342900">
+              <a:buFont typeface="Arial" pitchFamily="34" charset="0"/>
+              <a:buChar char="•"/>
+            </a:pPr>
+            <a:r>
+              <a:rPr lang="en-US" sz="1600" dirty="0"/>
+              <a:t>S</a:t>
+            </a:r>
+            <a:r>
+              <a:rPr lang="en-US" sz="1600" dirty="0" smtClean="0"/>
+              <a:t>et </a:t>
+            </a:r>
+            <a:r>
+              <a:rPr lang="en-US" sz="1600" dirty="0"/>
+              <a:t>up a many-to-many connection with another </a:t>
+            </a:r>
+            <a:r>
+              <a:rPr lang="en-US" sz="1600" dirty="0" smtClean="0"/>
+              <a:t>model using a third model</a:t>
+            </a:r>
+          </a:p>
+          <a:p>
+            <a:pPr marL="342900" lvl="1" indent="-342900">
+              <a:buFont typeface="Arial" pitchFamily="34" charset="0"/>
+              <a:buChar char="•"/>
+            </a:pPr>
+            <a:r>
+              <a:rPr lang="en-US" sz="1600" dirty="0" smtClean="0"/>
+              <a:t>Consider </a:t>
+            </a:r>
+            <a:r>
+              <a:rPr lang="en-US" sz="1600" dirty="0"/>
+              <a:t>a medical practice where patients make appointments to see physicians</a:t>
+            </a:r>
+            <a:r>
+              <a:rPr lang="en-US" sz="1600" dirty="0" smtClean="0"/>
+              <a:t>:</a:t>
+            </a:r>
+            <a:br>
+              <a:rPr lang="en-US" sz="1600" dirty="0" smtClean="0"/>
+            </a:br>
+            <a:r>
+              <a:rPr lang="en-US" sz="1600" dirty="0" smtClean="0"/>
+              <a:t/>
+            </a:r>
+            <a:br>
+              <a:rPr lang="en-US" sz="1600" dirty="0" smtClean="0"/>
+            </a:br>
+            <a:endParaRPr lang="en-US" sz="1400" dirty="0" smtClean="0"/>
+          </a:p>
+        </p:txBody>
+      </p:sp>
+      <p:sp>
+        <p:nvSpPr>
+          <p:cNvPr id="4" name="TextBox 3"/>
+          <p:cNvSpPr txBox="1"/>
+          <p:nvPr/>
+        </p:nvSpPr>
+        <p:spPr>
+          <a:xfrm>
+            <a:off x="855921" y="1315375"/>
+            <a:ext cx="6477000" cy="2739211"/>
+          </a:xfrm>
+          <a:prstGeom prst="rect">
+            <a:avLst/>
+          </a:prstGeom>
+        </p:spPr>
+        <p:style>
+          <a:lnRef idx="1">
+            <a:schemeClr val="accent4"/>
+          </a:lnRef>
+          <a:fillRef idx="2">
+            <a:schemeClr val="accent4"/>
+          </a:fillRef>
+          <a:effectRef idx="1">
+            <a:schemeClr val="accent4"/>
+          </a:effectRef>
+          <a:fontRef idx="minor">
+            <a:schemeClr val="dk1"/>
+          </a:fontRef>
+        </p:style>
+        <p:txBody>
+          <a:bodyPr wrap="square" rtlCol="0">
+            <a:spAutoFit/>
+          </a:bodyPr>
+          <a:lstStyle/>
+          <a:p>
+            <a:pPr fontAlgn="base"/>
+            <a:r>
+              <a:rPr lang="en-US" sz="1200" dirty="0">
+                <a:latin typeface="Consolas"/>
+              </a:rPr>
+              <a:t>class Physician &lt; </a:t>
+            </a:r>
+            <a:r>
+              <a:rPr lang="en-US" sz="1200" dirty="0" err="1">
+                <a:latin typeface="Consolas"/>
+              </a:rPr>
+              <a:t>ActiveRecord</a:t>
+            </a:r>
+            <a:r>
+              <a:rPr lang="en-US" sz="1200" dirty="0">
+                <a:latin typeface="Consolas"/>
+              </a:rPr>
+              <a:t>::Base</a:t>
+            </a:r>
+          </a:p>
+          <a:p>
+            <a:pPr fontAlgn="base"/>
+            <a:r>
+              <a:rPr lang="en-US" sz="1200" dirty="0">
+                <a:latin typeface="Consolas"/>
+              </a:rPr>
+              <a:t>  </a:t>
+            </a:r>
+            <a:r>
+              <a:rPr lang="en-US" sz="1200" dirty="0" err="1">
+                <a:latin typeface="Consolas"/>
+              </a:rPr>
+              <a:t>has_many</a:t>
+            </a:r>
+            <a:r>
+              <a:rPr lang="en-US" sz="1200" dirty="0">
+                <a:latin typeface="Consolas"/>
+              </a:rPr>
+              <a:t> :appointments</a:t>
+            </a:r>
+          </a:p>
+          <a:p>
+            <a:pPr fontAlgn="base"/>
+            <a:r>
+              <a:rPr lang="en-US" sz="1200" dirty="0">
+                <a:latin typeface="Consolas"/>
+              </a:rPr>
+              <a:t>  </a:t>
+            </a:r>
+            <a:r>
+              <a:rPr lang="en-US" sz="1200" dirty="0" err="1">
+                <a:latin typeface="Consolas"/>
+              </a:rPr>
+              <a:t>has_many</a:t>
+            </a:r>
+            <a:r>
+              <a:rPr lang="en-US" sz="1200" dirty="0">
+                <a:latin typeface="Consolas"/>
+              </a:rPr>
+              <a:t> :patients, through: :appointments</a:t>
+            </a:r>
+          </a:p>
+          <a:p>
+            <a:pPr fontAlgn="base"/>
+            <a:r>
+              <a:rPr lang="en-US" sz="1200" dirty="0">
+                <a:latin typeface="Consolas"/>
+              </a:rPr>
+              <a:t>end</a:t>
+            </a:r>
+          </a:p>
+          <a:p>
+            <a:pPr fontAlgn="base"/>
+            <a:r>
+              <a:rPr lang="en-US" sz="1200" dirty="0">
+                <a:latin typeface="Consolas"/>
+              </a:rPr>
+              <a:t> </a:t>
+            </a:r>
+          </a:p>
+          <a:p>
+            <a:pPr fontAlgn="base"/>
+            <a:r>
+              <a:rPr lang="en-US" sz="1200" dirty="0">
+                <a:latin typeface="Consolas"/>
+              </a:rPr>
+              <a:t>class Appointment &lt; </a:t>
+            </a:r>
+            <a:r>
+              <a:rPr lang="en-US" sz="1200" dirty="0" err="1">
+                <a:latin typeface="Consolas"/>
+              </a:rPr>
+              <a:t>ActiveRecord</a:t>
+            </a:r>
+            <a:r>
+              <a:rPr lang="en-US" sz="1200" dirty="0">
+                <a:latin typeface="Consolas"/>
+              </a:rPr>
+              <a:t>::Base</a:t>
+            </a:r>
+          </a:p>
+          <a:p>
+            <a:pPr fontAlgn="base"/>
+            <a:r>
+              <a:rPr lang="en-US" sz="1200" dirty="0">
+                <a:latin typeface="Consolas"/>
+              </a:rPr>
+              <a:t>  </a:t>
+            </a:r>
+            <a:r>
+              <a:rPr lang="en-US" sz="1200" dirty="0" err="1">
+                <a:latin typeface="Consolas"/>
+              </a:rPr>
+              <a:t>belongs_to</a:t>
+            </a:r>
+            <a:r>
+              <a:rPr lang="en-US" sz="1200" dirty="0">
+                <a:latin typeface="Consolas"/>
+              </a:rPr>
+              <a:t> :physician</a:t>
+            </a:r>
+          </a:p>
+          <a:p>
+            <a:pPr fontAlgn="base"/>
+            <a:r>
+              <a:rPr lang="en-US" sz="1200" dirty="0">
+                <a:latin typeface="Consolas"/>
+              </a:rPr>
+              <a:t>  </a:t>
+            </a:r>
+            <a:r>
+              <a:rPr lang="en-US" sz="1200" dirty="0" err="1">
+                <a:latin typeface="Consolas"/>
+              </a:rPr>
+              <a:t>belongs_to</a:t>
+            </a:r>
+            <a:r>
+              <a:rPr lang="en-US" sz="1200" dirty="0">
+                <a:latin typeface="Consolas"/>
+              </a:rPr>
+              <a:t> :patient</a:t>
+            </a:r>
+          </a:p>
+          <a:p>
+            <a:pPr fontAlgn="base"/>
+            <a:r>
+              <a:rPr lang="en-US" sz="1200" dirty="0">
+                <a:latin typeface="Consolas"/>
+              </a:rPr>
+              <a:t>end</a:t>
+            </a:r>
+          </a:p>
+          <a:p>
+            <a:pPr fontAlgn="base"/>
+            <a:r>
+              <a:rPr lang="en-US" sz="1200" dirty="0">
+                <a:latin typeface="Consolas"/>
+              </a:rPr>
+              <a:t> </a:t>
+            </a:r>
+          </a:p>
+          <a:p>
+            <a:pPr fontAlgn="base"/>
+            <a:r>
+              <a:rPr lang="en-US" sz="1200" dirty="0">
+                <a:latin typeface="Consolas"/>
+              </a:rPr>
+              <a:t>class Patient &lt; </a:t>
+            </a:r>
+            <a:r>
+              <a:rPr lang="en-US" sz="1200" dirty="0" err="1">
+                <a:latin typeface="Consolas"/>
+              </a:rPr>
+              <a:t>ActiveRecord</a:t>
+            </a:r>
+            <a:r>
+              <a:rPr lang="en-US" sz="1200" dirty="0">
+                <a:latin typeface="Consolas"/>
+              </a:rPr>
+              <a:t>::Base</a:t>
+            </a:r>
+          </a:p>
+          <a:p>
+            <a:pPr fontAlgn="base"/>
+            <a:r>
+              <a:rPr lang="en-US" sz="1200" dirty="0">
+                <a:latin typeface="Consolas"/>
+              </a:rPr>
+              <a:t>  </a:t>
+            </a:r>
+            <a:r>
+              <a:rPr lang="en-US" sz="1200" dirty="0" err="1">
+                <a:latin typeface="Consolas"/>
+              </a:rPr>
+              <a:t>has_many</a:t>
+            </a:r>
+            <a:r>
+              <a:rPr lang="en-US" sz="1200" dirty="0">
+                <a:latin typeface="Consolas"/>
+              </a:rPr>
+              <a:t> :appointments</a:t>
+            </a:r>
+          </a:p>
+          <a:p>
+            <a:pPr fontAlgn="base"/>
+            <a:r>
+              <a:rPr lang="en-US" sz="1200" dirty="0">
+                <a:latin typeface="Consolas"/>
+              </a:rPr>
+              <a:t>  </a:t>
+            </a:r>
+            <a:r>
+              <a:rPr lang="en-US" sz="1200" dirty="0" err="1">
+                <a:latin typeface="Consolas"/>
+              </a:rPr>
+              <a:t>has_many</a:t>
+            </a:r>
+            <a:r>
+              <a:rPr lang="en-US" sz="1200" dirty="0">
+                <a:latin typeface="Consolas"/>
+              </a:rPr>
+              <a:t> :physicians, through: :appointments</a:t>
+            </a:r>
+          </a:p>
+          <a:p>
+            <a:pPr fontAlgn="base"/>
+            <a:r>
+              <a:rPr lang="en-US" sz="1200" dirty="0">
+                <a:latin typeface="Consolas"/>
+              </a:rPr>
+              <a:t>end</a:t>
+            </a:r>
+            <a:endParaRPr lang="en-US" sz="1200" dirty="0">
+              <a:latin typeface="Consolas"/>
+            </a:endParaRPr>
+          </a:p>
+        </p:txBody>
+      </p:sp>
+    </p:spTree>
+    <p:extLst>
+      <p:ext uri="{BB962C8B-B14F-4D97-AF65-F5344CB8AC3E}">
+        <p14:creationId xmlns:p14="http://schemas.microsoft.com/office/powerpoint/2010/main" val="687802636"/>
+      </p:ext>
+    </p:extLst>
+  </p:cSld>
+  <p:clrMapOvr>
+    <a:masterClrMapping/>
+  </p:clrMapOvr>
+</p:sld>
+</file>
+
+<file path=ppt/slides/slide28.xml><?xml version="1.0" encoding="utf-8"?>
+<p:sld xmlns:a="http://schemas.openxmlformats.org/drawingml/2006/main" xmlns:r="http://schemas.openxmlformats.org/officeDocument/2006/relationships" xmlns:p="http://schemas.openxmlformats.org/presentationml/2006/main">
+  <p:cSld>
+    <p:bg>
+      <p:bgPr>
+        <a:noFill/>
+        <a:effectLst/>
+      </p:bgPr>
+    </p:bg>
+    <p:spTree>
+      <p:nvGrpSpPr>
+        <p:cNvPr id="1" name=""/>
+        <p:cNvGrpSpPr/>
+        <p:nvPr/>
+      </p:nvGrpSpPr>
+      <p:grpSpPr>
+        <a:xfrm>
+          <a:off x="0" y="0"/>
+          <a:ext cx="0" cy="0"/>
+          <a:chOff x="0" y="0"/>
+          <a:chExt cx="0" cy="0"/>
+        </a:xfrm>
+      </p:grpSpPr>
+      <p:sp>
+        <p:nvSpPr>
+          <p:cNvPr id="2" name="Title 1"/>
+          <p:cNvSpPr>
+            <a:spLocks noGrp="1"/>
+          </p:cNvSpPr>
+          <p:nvPr>
+            <p:ph type="title"/>
+          </p:nvPr>
+        </p:nvSpPr>
+        <p:spPr/>
+        <p:txBody>
+          <a:bodyPr/>
+          <a:lstStyle/>
+          <a:p>
+            <a:endParaRPr lang="en-US"/>
+          </a:p>
+        </p:txBody>
+      </p:sp>
+      <p:sp>
+        <p:nvSpPr>
+          <p:cNvPr id="3" name="Text Placeholder 2"/>
+          <p:cNvSpPr>
+            <a:spLocks noGrp="1"/>
+          </p:cNvSpPr>
+          <p:nvPr>
+            <p:ph type="body" idx="1"/>
+          </p:nvPr>
+        </p:nvSpPr>
+        <p:spPr/>
+        <p:txBody>
+          <a:bodyPr/>
+          <a:lstStyle/>
+          <a:p>
+            <a:r>
+              <a:rPr lang="en-US" sz="1600" dirty="0" smtClean="0"/>
+              <a:t>The migration file will look like:</a:t>
+            </a:r>
+          </a:p>
+          <a:p>
+            <a:endParaRPr lang="en-US" sz="1600" dirty="0"/>
+          </a:p>
+        </p:txBody>
+      </p:sp>
+      <p:sp>
+        <p:nvSpPr>
+          <p:cNvPr id="4" name="TextBox 3"/>
+          <p:cNvSpPr txBox="1"/>
+          <p:nvPr/>
+        </p:nvSpPr>
+        <p:spPr>
+          <a:xfrm>
+            <a:off x="609600" y="1657350"/>
+            <a:ext cx="6477000" cy="3416320"/>
+          </a:xfrm>
+          <a:prstGeom prst="rect">
+            <a:avLst/>
+          </a:prstGeom>
+        </p:spPr>
+        <p:style>
+          <a:lnRef idx="1">
+            <a:schemeClr val="accent4"/>
+          </a:lnRef>
+          <a:fillRef idx="2">
+            <a:schemeClr val="accent4"/>
+          </a:fillRef>
+          <a:effectRef idx="1">
+            <a:schemeClr val="accent4"/>
+          </a:effectRef>
+          <a:fontRef idx="minor">
+            <a:schemeClr val="dk1"/>
+          </a:fontRef>
+        </p:style>
+        <p:txBody>
+          <a:bodyPr wrap="square" rtlCol="0">
+            <a:spAutoFit/>
+          </a:bodyPr>
+          <a:lstStyle/>
+          <a:p>
+            <a:pPr fontAlgn="base"/>
+            <a:r>
+              <a:rPr lang="en-US" sz="1200" dirty="0">
+                <a:latin typeface="Consolas"/>
+              </a:rPr>
+              <a:t>class </a:t>
+            </a:r>
+            <a:r>
+              <a:rPr lang="en-US" sz="1200" dirty="0" err="1">
+                <a:latin typeface="Consolas"/>
+              </a:rPr>
+              <a:t>CreateAppointments</a:t>
+            </a:r>
+            <a:r>
+              <a:rPr lang="en-US" sz="1200" dirty="0">
+                <a:latin typeface="Consolas"/>
+              </a:rPr>
+              <a:t> &lt; </a:t>
+            </a:r>
+            <a:r>
+              <a:rPr lang="en-US" sz="1200" dirty="0" err="1">
+                <a:latin typeface="Consolas"/>
+              </a:rPr>
+              <a:t>ActiveRecord</a:t>
+            </a:r>
+            <a:r>
+              <a:rPr lang="en-US" sz="1200" dirty="0">
+                <a:latin typeface="Consolas"/>
+              </a:rPr>
+              <a:t>::Migration</a:t>
+            </a:r>
+          </a:p>
+          <a:p>
+            <a:pPr fontAlgn="base"/>
+            <a:r>
+              <a:rPr lang="en-US" sz="1200" dirty="0">
+                <a:latin typeface="Consolas"/>
+              </a:rPr>
+              <a:t>  </a:t>
+            </a:r>
+            <a:r>
+              <a:rPr lang="en-US" sz="1200" dirty="0" err="1">
+                <a:latin typeface="Consolas"/>
+              </a:rPr>
+              <a:t>def</a:t>
+            </a:r>
+            <a:r>
+              <a:rPr lang="en-US" sz="1200" dirty="0">
+                <a:latin typeface="Consolas"/>
+              </a:rPr>
+              <a:t> change</a:t>
+            </a:r>
+          </a:p>
+          <a:p>
+            <a:pPr fontAlgn="base"/>
+            <a:r>
+              <a:rPr lang="en-US" sz="1200" dirty="0">
+                <a:latin typeface="Consolas"/>
+              </a:rPr>
+              <a:t>    </a:t>
+            </a:r>
+            <a:r>
+              <a:rPr lang="en-US" sz="1200" dirty="0" err="1">
+                <a:latin typeface="Consolas"/>
+              </a:rPr>
+              <a:t>create_table</a:t>
+            </a:r>
+            <a:r>
+              <a:rPr lang="en-US" sz="1200" dirty="0">
+                <a:latin typeface="Consolas"/>
+              </a:rPr>
+              <a:t> :physicians do |t|</a:t>
+            </a:r>
+          </a:p>
+          <a:p>
+            <a:pPr fontAlgn="base"/>
+            <a:r>
+              <a:rPr lang="en-US" sz="1200" dirty="0">
+                <a:latin typeface="Consolas"/>
+              </a:rPr>
+              <a:t>      </a:t>
+            </a:r>
+            <a:r>
+              <a:rPr lang="en-US" sz="1200" dirty="0" err="1">
+                <a:latin typeface="Consolas"/>
+              </a:rPr>
+              <a:t>t.string</a:t>
+            </a:r>
+            <a:r>
+              <a:rPr lang="en-US" sz="1200" dirty="0">
+                <a:latin typeface="Consolas"/>
+              </a:rPr>
+              <a:t> :name</a:t>
+            </a:r>
+          </a:p>
+          <a:p>
+            <a:pPr fontAlgn="base"/>
+            <a:r>
+              <a:rPr lang="en-US" sz="1200" dirty="0">
+                <a:latin typeface="Consolas"/>
+              </a:rPr>
+              <a:t>      </a:t>
+            </a:r>
+            <a:r>
+              <a:rPr lang="en-US" sz="1200" dirty="0" err="1">
+                <a:latin typeface="Consolas"/>
+              </a:rPr>
+              <a:t>t.timestamps</a:t>
+            </a:r>
+            <a:r>
+              <a:rPr lang="en-US" sz="1200" dirty="0">
+                <a:latin typeface="Consolas"/>
+              </a:rPr>
+              <a:t> null: false</a:t>
+            </a:r>
+          </a:p>
+          <a:p>
+            <a:pPr fontAlgn="base"/>
+            <a:r>
+              <a:rPr lang="en-US" sz="1200" dirty="0">
+                <a:latin typeface="Consolas"/>
+              </a:rPr>
+              <a:t>    end</a:t>
+            </a:r>
+          </a:p>
+          <a:p>
+            <a:pPr fontAlgn="base"/>
+            <a:r>
+              <a:rPr lang="en-US" sz="1200" dirty="0">
+                <a:latin typeface="Consolas"/>
+              </a:rPr>
+              <a:t>     </a:t>
+            </a:r>
+            <a:r>
+              <a:rPr lang="en-US" sz="1200" dirty="0" err="1">
+                <a:latin typeface="Consolas"/>
+              </a:rPr>
+              <a:t>create_table</a:t>
+            </a:r>
+            <a:r>
+              <a:rPr lang="en-US" sz="1200" dirty="0">
+                <a:latin typeface="Consolas"/>
+              </a:rPr>
+              <a:t> :patients do |t|</a:t>
+            </a:r>
+          </a:p>
+          <a:p>
+            <a:pPr fontAlgn="base"/>
+            <a:r>
+              <a:rPr lang="en-US" sz="1200" dirty="0">
+                <a:latin typeface="Consolas"/>
+              </a:rPr>
+              <a:t>      </a:t>
+            </a:r>
+            <a:r>
+              <a:rPr lang="en-US" sz="1200" dirty="0" err="1">
+                <a:latin typeface="Consolas"/>
+              </a:rPr>
+              <a:t>t.string</a:t>
+            </a:r>
+            <a:r>
+              <a:rPr lang="en-US" sz="1200" dirty="0">
+                <a:latin typeface="Consolas"/>
+              </a:rPr>
+              <a:t> :name</a:t>
+            </a:r>
+          </a:p>
+          <a:p>
+            <a:pPr fontAlgn="base"/>
+            <a:r>
+              <a:rPr lang="en-US" sz="1200" dirty="0">
+                <a:latin typeface="Consolas"/>
+              </a:rPr>
+              <a:t>      </a:t>
+            </a:r>
+            <a:r>
+              <a:rPr lang="en-US" sz="1200" dirty="0" err="1">
+                <a:latin typeface="Consolas"/>
+              </a:rPr>
+              <a:t>t.timestamps</a:t>
+            </a:r>
+            <a:r>
+              <a:rPr lang="en-US" sz="1200" dirty="0">
+                <a:latin typeface="Consolas"/>
+              </a:rPr>
+              <a:t> null: false</a:t>
+            </a:r>
+          </a:p>
+          <a:p>
+            <a:pPr fontAlgn="base"/>
+            <a:r>
+              <a:rPr lang="en-US" sz="1200" dirty="0">
+                <a:latin typeface="Consolas"/>
+              </a:rPr>
+              <a:t>    end</a:t>
+            </a:r>
+          </a:p>
+          <a:p>
+            <a:pPr fontAlgn="base"/>
+            <a:r>
+              <a:rPr lang="en-US" sz="1200" dirty="0">
+                <a:latin typeface="Consolas"/>
+              </a:rPr>
+              <a:t>     </a:t>
+            </a:r>
+            <a:r>
+              <a:rPr lang="en-US" sz="1200" dirty="0" err="1">
+                <a:latin typeface="Consolas"/>
+              </a:rPr>
+              <a:t>create_table</a:t>
+            </a:r>
+            <a:r>
+              <a:rPr lang="en-US" sz="1200" dirty="0">
+                <a:latin typeface="Consolas"/>
+              </a:rPr>
+              <a:t> :appointments do |t|</a:t>
+            </a:r>
+          </a:p>
+          <a:p>
+            <a:pPr fontAlgn="base"/>
+            <a:r>
+              <a:rPr lang="en-US" sz="1200" dirty="0">
+                <a:latin typeface="Consolas"/>
+              </a:rPr>
+              <a:t>      </a:t>
+            </a:r>
+            <a:r>
+              <a:rPr lang="en-US" sz="1200" dirty="0" err="1">
+                <a:latin typeface="Consolas"/>
+              </a:rPr>
+              <a:t>t.belongs_to</a:t>
+            </a:r>
+            <a:r>
+              <a:rPr lang="en-US" sz="1200" dirty="0">
+                <a:latin typeface="Consolas"/>
+              </a:rPr>
+              <a:t> :physician, index: true</a:t>
+            </a:r>
+          </a:p>
+          <a:p>
+            <a:pPr fontAlgn="base"/>
+            <a:r>
+              <a:rPr lang="en-US" sz="1200" dirty="0">
+                <a:latin typeface="Consolas"/>
+              </a:rPr>
+              <a:t>      </a:t>
+            </a:r>
+            <a:r>
+              <a:rPr lang="en-US" sz="1200" dirty="0" err="1">
+                <a:latin typeface="Consolas"/>
+              </a:rPr>
+              <a:t>t.belongs_to</a:t>
+            </a:r>
+            <a:r>
+              <a:rPr lang="en-US" sz="1200" dirty="0">
+                <a:latin typeface="Consolas"/>
+              </a:rPr>
+              <a:t> :patient, index: true</a:t>
+            </a:r>
+          </a:p>
+          <a:p>
+            <a:pPr fontAlgn="base"/>
+            <a:r>
+              <a:rPr lang="en-US" sz="1200" dirty="0">
+                <a:latin typeface="Consolas"/>
+              </a:rPr>
+              <a:t>      </a:t>
+            </a:r>
+            <a:r>
+              <a:rPr lang="en-US" sz="1200" dirty="0" err="1">
+                <a:latin typeface="Consolas"/>
+              </a:rPr>
+              <a:t>t.datetime</a:t>
+            </a:r>
+            <a:r>
+              <a:rPr lang="en-US" sz="1200" dirty="0">
+                <a:latin typeface="Consolas"/>
+              </a:rPr>
+              <a:t> :</a:t>
+            </a:r>
+            <a:r>
+              <a:rPr lang="en-US" sz="1200" dirty="0" err="1">
+                <a:latin typeface="Consolas"/>
+              </a:rPr>
+              <a:t>appointment_date</a:t>
+            </a:r>
+            <a:endParaRPr lang="en-US" sz="1200" dirty="0">
+              <a:latin typeface="Consolas"/>
+            </a:endParaRPr>
+          </a:p>
+          <a:p>
+            <a:pPr fontAlgn="base"/>
+            <a:r>
+              <a:rPr lang="en-US" sz="1200" dirty="0">
+                <a:latin typeface="Consolas"/>
+              </a:rPr>
+              <a:t>      </a:t>
+            </a:r>
+            <a:r>
+              <a:rPr lang="en-US" sz="1200" dirty="0" err="1">
+                <a:latin typeface="Consolas"/>
+              </a:rPr>
+              <a:t>t.timestamps</a:t>
+            </a:r>
+            <a:r>
+              <a:rPr lang="en-US" sz="1200" dirty="0">
+                <a:latin typeface="Consolas"/>
+              </a:rPr>
+              <a:t> null: false</a:t>
+            </a:r>
+          </a:p>
+          <a:p>
+            <a:pPr fontAlgn="base"/>
+            <a:r>
+              <a:rPr lang="en-US" sz="1200" dirty="0">
+                <a:latin typeface="Consolas"/>
+              </a:rPr>
+              <a:t>    end</a:t>
+            </a:r>
+          </a:p>
+          <a:p>
+            <a:pPr fontAlgn="base"/>
+            <a:r>
+              <a:rPr lang="en-US" sz="1200" dirty="0">
+                <a:latin typeface="Consolas"/>
+              </a:rPr>
+              <a:t>  end</a:t>
+            </a:r>
+          </a:p>
+          <a:p>
+            <a:pPr fontAlgn="base"/>
+            <a:r>
+              <a:rPr lang="en-US" sz="1200" dirty="0">
+                <a:latin typeface="Consolas"/>
+              </a:rPr>
+              <a:t>end</a:t>
+            </a:r>
+            <a:endParaRPr lang="en-US" sz="1200" dirty="0">
+              <a:latin typeface="Consolas"/>
+            </a:endParaRPr>
+          </a:p>
+        </p:txBody>
+      </p:sp>
+    </p:spTree>
+    <p:extLst>
+      <p:ext uri="{BB962C8B-B14F-4D97-AF65-F5344CB8AC3E}">
+        <p14:creationId xmlns:p14="http://schemas.microsoft.com/office/powerpoint/2010/main" val="157050914"/>
+      </p:ext>
+    </p:extLst>
+  </p:cSld>
+  <p:clrMapOvr>
+    <a:masterClrMapping/>
+  </p:clrMapOvr>
+</p:sld>
+</file>
+
+<file path=ppt/slides/slide29.xml><?xml version="1.0" encoding="utf-8"?>
+<p:sld xmlns:a="http://schemas.openxmlformats.org/drawingml/2006/main" xmlns:r="http://schemas.openxmlformats.org/officeDocument/2006/relationships" xmlns:p="http://schemas.openxmlformats.org/presentationml/2006/main">
+  <p:cSld>
+    <p:spTree>
+      <p:nvGrpSpPr>
+        <p:cNvPr id="1" name=""/>
+        <p:cNvGrpSpPr/>
+        <p:nvPr/>
+      </p:nvGrpSpPr>
+      <p:grpSpPr>
+        <a:xfrm>
+          <a:off x="0" y="0"/>
+          <a:ext cx="0" cy="0"/>
+          <a:chOff x="0" y="0"/>
+          <a:chExt cx="0" cy="0"/>
+        </a:xfrm>
+      </p:grpSpPr>
+      <p:sp>
+        <p:nvSpPr>
+          <p:cNvPr id="2" name="Title 1"/>
+          <p:cNvSpPr>
+            <a:spLocks noGrp="1"/>
+          </p:cNvSpPr>
+          <p:nvPr>
+            <p:ph type="title"/>
+          </p:nvPr>
+        </p:nvSpPr>
+        <p:spPr/>
+        <p:txBody>
+          <a:bodyPr/>
+          <a:lstStyle/>
+          <a:p>
+            <a:endParaRPr lang="en-US"/>
+          </a:p>
+        </p:txBody>
+      </p:sp>
+      <p:sp>
+        <p:nvSpPr>
+          <p:cNvPr id="3" name="Text Placeholder 2"/>
+          <p:cNvSpPr>
+            <a:spLocks noGrp="1"/>
+          </p:cNvSpPr>
+          <p:nvPr>
+            <p:ph type="body" idx="1"/>
+          </p:nvPr>
+        </p:nvSpPr>
+        <p:spPr/>
+        <p:txBody>
+          <a:bodyPr/>
+          <a:lstStyle/>
+          <a:p>
+            <a:endParaRPr lang="en-US" dirty="0"/>
+          </a:p>
+        </p:txBody>
+      </p:sp>
+      <p:pic>
+        <p:nvPicPr>
+          <p:cNvPr id="11266" name="Picture 2"/>
+          <p:cNvPicPr>
+            <a:picLocks noChangeAspect="1" noChangeArrowheads="1"/>
+          </p:cNvPicPr>
+          <p:nvPr/>
+        </p:nvPicPr>
+        <p:blipFill>
+          <a:blip r:embed="rId2">
+            <a:extLst>
+              <a:ext uri="{28A0092B-C50C-407E-A947-70E740481C1C}">
+                <a14:useLocalDpi xmlns:a14="http://schemas.microsoft.com/office/drawing/2010/main" val="0"/>
+              </a:ext>
+            </a:extLst>
+          </a:blip>
+          <a:srcRect/>
+          <a:stretch>
+            <a:fillRect/>
+          </a:stretch>
+        </p:blipFill>
+        <p:spPr bwMode="auto">
+          <a:xfrm>
+            <a:off x="1371600" y="1123950"/>
+            <a:ext cx="6124575" cy="3857625"/>
+          </a:xfrm>
+          <a:prstGeom prst="rect">
+            <a:avLst/>
+          </a:prstGeom>
+          <a:noFill/>
+          <a:ln>
+            <a:noFill/>
+          </a:ln>
+          <a:effectLst/>
+          <a:extLst>
+            <a:ext uri="{909E8E84-426E-40DD-AFC4-6F175D3DCCD1}">
+              <a14:hiddenFill xmlns:a14="http://schemas.microsoft.com/office/drawing/2010/main">
+                <a:solidFill>
+                  <a:schemeClr val="accent1"/>
+                </a:solidFill>
+              </a14:hiddenFill>
+            </a:ext>
+            <a:ext uri="{91240B29-F687-4F45-9708-019B960494DF}">
+              <a14:hiddenLine xmlns:a14="http://schemas.microsoft.com/office/drawing/2010/main" w="9525">
+                <a:solidFill>
+                  <a:schemeClr val="tx1"/>
+                </a:solidFill>
+                <a:miter lim="800000"/>
+                <a:headEnd/>
+                <a:tailEnd/>
+              </a14:hiddenLine>
+            </a:ext>
+            <a:ext uri="{AF507438-7753-43E0-B8FC-AC1667EBCBE1}">
+              <a14:hiddenEffects xmlns:a14="http://schemas.microsoft.com/office/drawing/2010/main">
+                <a:effectLst>
+                  <a:outerShdw dist="35921" dir="2700000" algn="ctr" rotWithShape="0">
+                    <a:schemeClr val="bg2"/>
+                  </a:outerShdw>
+                </a:effectLst>
+              </a14:hiddenEffects>
+            </a:ext>
+          </a:extLst>
+        </p:spPr>
+      </p:pic>
+    </p:spTree>
+    <p:extLst>
+      <p:ext uri="{BB962C8B-B14F-4D97-AF65-F5344CB8AC3E}">
+        <p14:creationId xmlns:p14="http://schemas.microsoft.com/office/powerpoint/2010/main" val="2611629005"/>
+      </p:ext>
+    </p:extLst>
+  </p:cSld>
+  <p:clrMapOvr>
+    <a:masterClrMapping/>
+  </p:clrMapOvr>
 </p:sld>
 </file>
 
@@ -7943,6 +11763,3148 @@
 </p:sld>
 </file>
 
+<file path=ppt/slides/slide30.xml><?xml version="1.0" encoding="utf-8"?>
+<p:sld xmlns:a="http://schemas.openxmlformats.org/drawingml/2006/main" xmlns:r="http://schemas.openxmlformats.org/officeDocument/2006/relationships" xmlns:p="http://schemas.openxmlformats.org/presentationml/2006/main">
+  <p:cSld>
+    <p:bg>
+      <p:bgPr>
+        <a:noFill/>
+        <a:effectLst/>
+      </p:bgPr>
+    </p:bg>
+    <p:spTree>
+      <p:nvGrpSpPr>
+        <p:cNvPr id="1" name=""/>
+        <p:cNvGrpSpPr/>
+        <p:nvPr/>
+      </p:nvGrpSpPr>
+      <p:grpSpPr>
+        <a:xfrm>
+          <a:off x="0" y="0"/>
+          <a:ext cx="0" cy="0"/>
+          <a:chOff x="0" y="0"/>
+          <a:chExt cx="0" cy="0"/>
+        </a:xfrm>
+      </p:grpSpPr>
+      <p:sp>
+        <p:nvSpPr>
+          <p:cNvPr id="2" name="Title 1"/>
+          <p:cNvSpPr>
+            <a:spLocks noGrp="1"/>
+          </p:cNvSpPr>
+          <p:nvPr>
+            <p:ph type="title"/>
+          </p:nvPr>
+        </p:nvSpPr>
+        <p:spPr/>
+        <p:txBody>
+          <a:bodyPr/>
+          <a:lstStyle/>
+          <a:p>
+            <a:r>
+              <a:rPr lang="en-US" sz="1400" dirty="0" smtClean="0"/>
+              <a:t>9.1.3 </a:t>
+            </a:r>
+            <a:r>
+              <a:rPr lang="en-US" sz="1400" dirty="0"/>
+              <a:t>The </a:t>
+            </a:r>
+            <a:r>
+              <a:rPr lang="en-US" sz="1400" dirty="0" err="1"/>
+              <a:t>has_one</a:t>
+            </a:r>
+            <a:r>
+              <a:rPr lang="en-US" sz="1400" dirty="0"/>
+              <a:t> :through </a:t>
+            </a:r>
+            <a:r>
+              <a:rPr lang="en-US" sz="1400" dirty="0" smtClean="0"/>
+              <a:t>Association</a:t>
+            </a:r>
+            <a:br>
+              <a:rPr lang="en-US" sz="1400" dirty="0" smtClean="0"/>
+            </a:br>
+            <a:r>
+              <a:rPr lang="en-US" sz="1400" dirty="0" smtClean="0"/>
+              <a:t/>
+            </a:r>
+            <a:br>
+              <a:rPr lang="en-US" sz="1400" dirty="0" smtClean="0"/>
+            </a:br>
+            <a:endParaRPr lang="en-US" sz="1400" dirty="0"/>
+          </a:p>
+        </p:txBody>
+      </p:sp>
+      <p:sp>
+        <p:nvSpPr>
+          <p:cNvPr id="3" name="Text Placeholder 2"/>
+          <p:cNvSpPr>
+            <a:spLocks noGrp="1"/>
+          </p:cNvSpPr>
+          <p:nvPr>
+            <p:ph type="body" idx="1"/>
+          </p:nvPr>
+        </p:nvSpPr>
+        <p:spPr>
+          <a:xfrm>
+            <a:off x="457200" y="666750"/>
+            <a:ext cx="8229600" cy="3725680"/>
+          </a:xfrm>
+        </p:spPr>
+        <p:txBody>
+          <a:bodyPr/>
+          <a:lstStyle/>
+          <a:p>
+            <a:pPr marL="342900" lvl="1" indent="-342900">
+              <a:buFont typeface="Arial" pitchFamily="34" charset="0"/>
+              <a:buChar char="•"/>
+            </a:pPr>
+            <a:r>
+              <a:rPr lang="en-US" sz="1600" dirty="0"/>
+              <a:t>S</a:t>
+            </a:r>
+            <a:r>
+              <a:rPr lang="en-US" sz="1600" dirty="0" smtClean="0"/>
+              <a:t>ets </a:t>
+            </a:r>
+            <a:r>
+              <a:rPr lang="en-US" sz="1600" dirty="0"/>
+              <a:t>up a one-to-one connection with another </a:t>
+            </a:r>
+            <a:r>
+              <a:rPr lang="en-US" sz="1600" dirty="0" smtClean="0"/>
+              <a:t>model using a third model</a:t>
+            </a:r>
+          </a:p>
+          <a:p>
+            <a:pPr marL="342900" lvl="1" indent="-342900">
+              <a:buFont typeface="Arial" pitchFamily="34" charset="0"/>
+              <a:buChar char="•"/>
+            </a:pPr>
+            <a:r>
+              <a:rPr lang="en-US" sz="1600" dirty="0" smtClean="0"/>
+              <a:t>If </a:t>
+            </a:r>
+            <a:r>
+              <a:rPr lang="en-US" sz="1600" dirty="0"/>
+              <a:t>each supplier has one account, and each account is associated with one account history</a:t>
+            </a:r>
+            <a:r>
+              <a:rPr lang="en-US" sz="1600" dirty="0" smtClean="0"/>
+              <a:t>:</a:t>
+            </a:r>
+            <a:br>
+              <a:rPr lang="en-US" sz="1600" dirty="0" smtClean="0"/>
+            </a:br>
+            <a:r>
+              <a:rPr lang="en-US" sz="1600" dirty="0" smtClean="0"/>
+              <a:t/>
+            </a:r>
+            <a:br>
+              <a:rPr lang="en-US" sz="1600" dirty="0" smtClean="0"/>
+            </a:br>
+            <a:endParaRPr lang="en-US" sz="1400" dirty="0" smtClean="0"/>
+          </a:p>
+        </p:txBody>
+      </p:sp>
+      <p:sp>
+        <p:nvSpPr>
+          <p:cNvPr id="4" name="TextBox 3"/>
+          <p:cNvSpPr txBox="1"/>
+          <p:nvPr/>
+        </p:nvSpPr>
+        <p:spPr>
+          <a:xfrm>
+            <a:off x="847061" y="1504950"/>
+            <a:ext cx="6477000" cy="2523768"/>
+          </a:xfrm>
+          <a:prstGeom prst="rect">
+            <a:avLst/>
+          </a:prstGeom>
+        </p:spPr>
+        <p:style>
+          <a:lnRef idx="1">
+            <a:schemeClr val="accent4"/>
+          </a:lnRef>
+          <a:fillRef idx="2">
+            <a:schemeClr val="accent4"/>
+          </a:fillRef>
+          <a:effectRef idx="1">
+            <a:schemeClr val="accent4"/>
+          </a:effectRef>
+          <a:fontRef idx="minor">
+            <a:schemeClr val="dk1"/>
+          </a:fontRef>
+        </p:style>
+        <p:txBody>
+          <a:bodyPr wrap="square" rtlCol="0">
+            <a:spAutoFit/>
+          </a:bodyPr>
+          <a:lstStyle/>
+          <a:p>
+            <a:pPr fontAlgn="base"/>
+            <a:r>
+              <a:rPr lang="en-US" sz="1200" dirty="0">
+                <a:latin typeface="Consolas"/>
+              </a:rPr>
+              <a:t>class Supplier &lt; </a:t>
+            </a:r>
+            <a:r>
+              <a:rPr lang="en-US" sz="1200" dirty="0" err="1">
+                <a:latin typeface="Consolas"/>
+              </a:rPr>
+              <a:t>ActiveRecord</a:t>
+            </a:r>
+            <a:r>
+              <a:rPr lang="en-US" sz="1200" dirty="0">
+                <a:latin typeface="Consolas"/>
+              </a:rPr>
+              <a:t>::Base</a:t>
+            </a:r>
+          </a:p>
+          <a:p>
+            <a:pPr fontAlgn="base"/>
+            <a:r>
+              <a:rPr lang="en-US" sz="1200" dirty="0">
+                <a:latin typeface="Consolas"/>
+              </a:rPr>
+              <a:t>  </a:t>
+            </a:r>
+            <a:r>
+              <a:rPr lang="en-US" sz="1200" dirty="0" err="1">
+                <a:latin typeface="Consolas"/>
+              </a:rPr>
+              <a:t>has_one</a:t>
+            </a:r>
+            <a:r>
+              <a:rPr lang="en-US" sz="1200" dirty="0">
+                <a:latin typeface="Consolas"/>
+              </a:rPr>
+              <a:t> :account</a:t>
+            </a:r>
+          </a:p>
+          <a:p>
+            <a:pPr fontAlgn="base"/>
+            <a:r>
+              <a:rPr lang="en-US" sz="1200" dirty="0">
+                <a:latin typeface="Consolas"/>
+              </a:rPr>
+              <a:t>  </a:t>
+            </a:r>
+            <a:r>
+              <a:rPr lang="en-US" sz="1200" dirty="0" err="1">
+                <a:latin typeface="Consolas"/>
+              </a:rPr>
+              <a:t>has_one</a:t>
+            </a:r>
+            <a:r>
+              <a:rPr lang="en-US" sz="1200" dirty="0">
+                <a:latin typeface="Consolas"/>
+              </a:rPr>
+              <a:t> :</a:t>
+            </a:r>
+            <a:r>
+              <a:rPr lang="en-US" sz="1200" dirty="0" err="1">
+                <a:latin typeface="Consolas"/>
+              </a:rPr>
+              <a:t>account_history</a:t>
+            </a:r>
+            <a:r>
+              <a:rPr lang="en-US" sz="1200" dirty="0">
+                <a:latin typeface="Consolas"/>
+              </a:rPr>
+              <a:t>, through: :account</a:t>
+            </a:r>
+          </a:p>
+          <a:p>
+            <a:pPr fontAlgn="base"/>
+            <a:r>
+              <a:rPr lang="en-US" sz="1200" dirty="0">
+                <a:latin typeface="Consolas"/>
+              </a:rPr>
+              <a:t>end</a:t>
+            </a:r>
+          </a:p>
+          <a:p>
+            <a:pPr fontAlgn="base"/>
+            <a:r>
+              <a:rPr lang="en-US" sz="1200" dirty="0">
+                <a:latin typeface="Consolas"/>
+              </a:rPr>
+              <a:t> </a:t>
+            </a:r>
+          </a:p>
+          <a:p>
+            <a:pPr fontAlgn="base"/>
+            <a:r>
+              <a:rPr lang="en-US" sz="1200" dirty="0">
+                <a:latin typeface="Consolas"/>
+              </a:rPr>
+              <a:t>class Account &lt; </a:t>
+            </a:r>
+            <a:r>
+              <a:rPr lang="en-US" sz="1200" dirty="0" err="1">
+                <a:latin typeface="Consolas"/>
+              </a:rPr>
+              <a:t>ActiveRecord</a:t>
+            </a:r>
+            <a:r>
+              <a:rPr lang="en-US" sz="1200" dirty="0">
+                <a:latin typeface="Consolas"/>
+              </a:rPr>
+              <a:t>::Base</a:t>
+            </a:r>
+          </a:p>
+          <a:p>
+            <a:pPr fontAlgn="base"/>
+            <a:r>
+              <a:rPr lang="en-US" sz="1200" dirty="0">
+                <a:latin typeface="Consolas"/>
+              </a:rPr>
+              <a:t>  </a:t>
+            </a:r>
+            <a:r>
+              <a:rPr lang="en-US" sz="1200" dirty="0" err="1">
+                <a:latin typeface="Consolas"/>
+              </a:rPr>
+              <a:t>belongs_to</a:t>
+            </a:r>
+            <a:r>
+              <a:rPr lang="en-US" sz="1200" dirty="0">
+                <a:latin typeface="Consolas"/>
+              </a:rPr>
+              <a:t> :supplier</a:t>
+            </a:r>
+          </a:p>
+          <a:p>
+            <a:pPr fontAlgn="base"/>
+            <a:r>
+              <a:rPr lang="en-US" sz="1200" dirty="0">
+                <a:latin typeface="Consolas"/>
+              </a:rPr>
+              <a:t>  </a:t>
+            </a:r>
+            <a:r>
+              <a:rPr lang="en-US" sz="1200" dirty="0" err="1">
+                <a:latin typeface="Consolas"/>
+              </a:rPr>
+              <a:t>has_one</a:t>
+            </a:r>
+            <a:r>
+              <a:rPr lang="en-US" sz="1200" dirty="0">
+                <a:latin typeface="Consolas"/>
+              </a:rPr>
+              <a:t> :</a:t>
+            </a:r>
+            <a:r>
+              <a:rPr lang="en-US" sz="1200" dirty="0" err="1">
+                <a:latin typeface="Consolas"/>
+              </a:rPr>
+              <a:t>account_history</a:t>
+            </a:r>
+            <a:endParaRPr lang="en-US" sz="1200" dirty="0">
+              <a:latin typeface="Consolas"/>
+            </a:endParaRPr>
+          </a:p>
+          <a:p>
+            <a:pPr fontAlgn="base"/>
+            <a:r>
+              <a:rPr lang="en-US" sz="1200" dirty="0">
+                <a:latin typeface="Consolas"/>
+              </a:rPr>
+              <a:t>end</a:t>
+            </a:r>
+          </a:p>
+          <a:p>
+            <a:pPr fontAlgn="base"/>
+            <a:r>
+              <a:rPr lang="en-US" sz="1200" dirty="0">
+                <a:latin typeface="Consolas"/>
+              </a:rPr>
+              <a:t> </a:t>
+            </a:r>
+          </a:p>
+          <a:p>
+            <a:pPr fontAlgn="base"/>
+            <a:r>
+              <a:rPr lang="en-US" sz="1200" dirty="0">
+                <a:latin typeface="Consolas"/>
+              </a:rPr>
+              <a:t>class </a:t>
+            </a:r>
+            <a:r>
+              <a:rPr lang="en-US" sz="1200" dirty="0" err="1">
+                <a:latin typeface="Consolas"/>
+              </a:rPr>
+              <a:t>AccountHistory</a:t>
+            </a:r>
+            <a:r>
+              <a:rPr lang="en-US" sz="1200" dirty="0">
+                <a:latin typeface="Consolas"/>
+              </a:rPr>
+              <a:t> &lt; </a:t>
+            </a:r>
+            <a:r>
+              <a:rPr lang="en-US" sz="1200" dirty="0" err="1">
+                <a:latin typeface="Consolas"/>
+              </a:rPr>
+              <a:t>ActiveRecord</a:t>
+            </a:r>
+            <a:r>
+              <a:rPr lang="en-US" sz="1200" dirty="0">
+                <a:latin typeface="Consolas"/>
+              </a:rPr>
+              <a:t>::Base</a:t>
+            </a:r>
+          </a:p>
+          <a:p>
+            <a:pPr fontAlgn="base"/>
+            <a:r>
+              <a:rPr lang="en-US" sz="1200" dirty="0">
+                <a:latin typeface="Consolas"/>
+              </a:rPr>
+              <a:t>  </a:t>
+            </a:r>
+            <a:r>
+              <a:rPr lang="en-US" sz="1200" dirty="0" err="1">
+                <a:latin typeface="Consolas"/>
+              </a:rPr>
+              <a:t>belongs_to</a:t>
+            </a:r>
+            <a:r>
+              <a:rPr lang="en-US" sz="1200" dirty="0">
+                <a:latin typeface="Consolas"/>
+              </a:rPr>
+              <a:t> :account</a:t>
+            </a:r>
+          </a:p>
+          <a:p>
+            <a:pPr fontAlgn="base"/>
+            <a:r>
+              <a:rPr lang="en-US" sz="1200" dirty="0">
+                <a:latin typeface="Consolas"/>
+              </a:rPr>
+              <a:t>end</a:t>
+            </a:r>
+            <a:endParaRPr lang="en-US" sz="1200" dirty="0">
+              <a:latin typeface="Consolas"/>
+            </a:endParaRPr>
+          </a:p>
+        </p:txBody>
+      </p:sp>
+    </p:spTree>
+    <p:extLst>
+      <p:ext uri="{BB962C8B-B14F-4D97-AF65-F5344CB8AC3E}">
+        <p14:creationId xmlns:p14="http://schemas.microsoft.com/office/powerpoint/2010/main" val="3468757408"/>
+      </p:ext>
+    </p:extLst>
+  </p:cSld>
+  <p:clrMapOvr>
+    <a:masterClrMapping/>
+  </p:clrMapOvr>
+</p:sld>
+</file>
+
+<file path=ppt/slides/slide31.xml><?xml version="1.0" encoding="utf-8"?>
+<p:sld xmlns:a="http://schemas.openxmlformats.org/drawingml/2006/main" xmlns:r="http://schemas.openxmlformats.org/officeDocument/2006/relationships" xmlns:p="http://schemas.openxmlformats.org/presentationml/2006/main">
+  <p:cSld>
+    <p:bg>
+      <p:bgPr>
+        <a:noFill/>
+        <a:effectLst/>
+      </p:bgPr>
+    </p:bg>
+    <p:spTree>
+      <p:nvGrpSpPr>
+        <p:cNvPr id="1" name=""/>
+        <p:cNvGrpSpPr/>
+        <p:nvPr/>
+      </p:nvGrpSpPr>
+      <p:grpSpPr>
+        <a:xfrm>
+          <a:off x="0" y="0"/>
+          <a:ext cx="0" cy="0"/>
+          <a:chOff x="0" y="0"/>
+          <a:chExt cx="0" cy="0"/>
+        </a:xfrm>
+      </p:grpSpPr>
+      <p:sp>
+        <p:nvSpPr>
+          <p:cNvPr id="2" name="Title 1"/>
+          <p:cNvSpPr>
+            <a:spLocks noGrp="1"/>
+          </p:cNvSpPr>
+          <p:nvPr>
+            <p:ph type="title"/>
+          </p:nvPr>
+        </p:nvSpPr>
+        <p:spPr/>
+        <p:txBody>
+          <a:bodyPr/>
+          <a:lstStyle/>
+          <a:p>
+            <a:endParaRPr lang="en-US"/>
+          </a:p>
+        </p:txBody>
+      </p:sp>
+      <p:sp>
+        <p:nvSpPr>
+          <p:cNvPr id="3" name="Text Placeholder 2"/>
+          <p:cNvSpPr>
+            <a:spLocks noGrp="1"/>
+          </p:cNvSpPr>
+          <p:nvPr>
+            <p:ph type="body" idx="1"/>
+          </p:nvPr>
+        </p:nvSpPr>
+        <p:spPr>
+          <a:xfrm>
+            <a:off x="457200" y="1047750"/>
+            <a:ext cx="8229600" cy="3725680"/>
+          </a:xfrm>
+        </p:spPr>
+        <p:txBody>
+          <a:bodyPr/>
+          <a:lstStyle/>
+          <a:p>
+            <a:r>
+              <a:rPr lang="en-US" sz="1600" dirty="0" smtClean="0"/>
+              <a:t>The migration file will look like:</a:t>
+            </a:r>
+          </a:p>
+          <a:p>
+            <a:endParaRPr lang="en-US" sz="1600" dirty="0"/>
+          </a:p>
+        </p:txBody>
+      </p:sp>
+      <p:sp>
+        <p:nvSpPr>
+          <p:cNvPr id="4" name="TextBox 3"/>
+          <p:cNvSpPr txBox="1"/>
+          <p:nvPr/>
+        </p:nvSpPr>
+        <p:spPr>
+          <a:xfrm>
+            <a:off x="630865" y="1434066"/>
+            <a:ext cx="6477000" cy="3416320"/>
+          </a:xfrm>
+          <a:prstGeom prst="rect">
+            <a:avLst/>
+          </a:prstGeom>
+        </p:spPr>
+        <p:style>
+          <a:lnRef idx="1">
+            <a:schemeClr val="accent4"/>
+          </a:lnRef>
+          <a:fillRef idx="2">
+            <a:schemeClr val="accent4"/>
+          </a:fillRef>
+          <a:effectRef idx="1">
+            <a:schemeClr val="accent4"/>
+          </a:effectRef>
+          <a:fontRef idx="minor">
+            <a:schemeClr val="dk1"/>
+          </a:fontRef>
+        </p:style>
+        <p:txBody>
+          <a:bodyPr wrap="square" rtlCol="0">
+            <a:spAutoFit/>
+          </a:bodyPr>
+          <a:lstStyle/>
+          <a:p>
+            <a:pPr fontAlgn="base"/>
+            <a:r>
+              <a:rPr lang="en-US" sz="1200" dirty="0">
+                <a:latin typeface="Consolas"/>
+              </a:rPr>
+              <a:t>class </a:t>
+            </a:r>
+            <a:r>
+              <a:rPr lang="en-US" sz="1200" dirty="0" err="1">
+                <a:latin typeface="Consolas"/>
+              </a:rPr>
+              <a:t>CreateAccountHistories</a:t>
+            </a:r>
+            <a:r>
+              <a:rPr lang="en-US" sz="1200" dirty="0">
+                <a:latin typeface="Consolas"/>
+              </a:rPr>
+              <a:t> &lt; </a:t>
+            </a:r>
+            <a:r>
+              <a:rPr lang="en-US" sz="1200" dirty="0" err="1">
+                <a:latin typeface="Consolas"/>
+              </a:rPr>
+              <a:t>ActiveRecord</a:t>
+            </a:r>
+            <a:r>
+              <a:rPr lang="en-US" sz="1200" dirty="0">
+                <a:latin typeface="Consolas"/>
+              </a:rPr>
+              <a:t>::Migration</a:t>
+            </a:r>
+          </a:p>
+          <a:p>
+            <a:pPr fontAlgn="base"/>
+            <a:r>
+              <a:rPr lang="en-US" sz="1200" dirty="0">
+                <a:latin typeface="Consolas"/>
+              </a:rPr>
+              <a:t>  </a:t>
+            </a:r>
+            <a:r>
+              <a:rPr lang="en-US" sz="1200" dirty="0" err="1">
+                <a:latin typeface="Consolas"/>
+              </a:rPr>
+              <a:t>def</a:t>
+            </a:r>
+            <a:r>
+              <a:rPr lang="en-US" sz="1200" dirty="0">
+                <a:latin typeface="Consolas"/>
+              </a:rPr>
+              <a:t> change</a:t>
+            </a:r>
+          </a:p>
+          <a:p>
+            <a:pPr fontAlgn="base"/>
+            <a:r>
+              <a:rPr lang="en-US" sz="1200" dirty="0">
+                <a:latin typeface="Consolas"/>
+              </a:rPr>
+              <a:t>    </a:t>
+            </a:r>
+            <a:r>
+              <a:rPr lang="en-US" sz="1200" dirty="0" err="1">
+                <a:latin typeface="Consolas"/>
+              </a:rPr>
+              <a:t>create_table</a:t>
+            </a:r>
+            <a:r>
+              <a:rPr lang="en-US" sz="1200" dirty="0">
+                <a:latin typeface="Consolas"/>
+              </a:rPr>
+              <a:t> :suppliers do |t|</a:t>
+            </a:r>
+          </a:p>
+          <a:p>
+            <a:pPr fontAlgn="base"/>
+            <a:r>
+              <a:rPr lang="en-US" sz="1200" dirty="0">
+                <a:latin typeface="Consolas"/>
+              </a:rPr>
+              <a:t>      </a:t>
+            </a:r>
+            <a:r>
+              <a:rPr lang="en-US" sz="1200" dirty="0" err="1">
+                <a:latin typeface="Consolas"/>
+              </a:rPr>
+              <a:t>t.string</a:t>
+            </a:r>
+            <a:r>
+              <a:rPr lang="en-US" sz="1200" dirty="0">
+                <a:latin typeface="Consolas"/>
+              </a:rPr>
+              <a:t> :name</a:t>
+            </a:r>
+          </a:p>
+          <a:p>
+            <a:pPr fontAlgn="base"/>
+            <a:r>
+              <a:rPr lang="en-US" sz="1200" dirty="0">
+                <a:latin typeface="Consolas"/>
+              </a:rPr>
+              <a:t>      </a:t>
+            </a:r>
+            <a:r>
+              <a:rPr lang="en-US" sz="1200" dirty="0" err="1">
+                <a:latin typeface="Consolas"/>
+              </a:rPr>
+              <a:t>t.timestamps</a:t>
+            </a:r>
+            <a:r>
+              <a:rPr lang="en-US" sz="1200" dirty="0">
+                <a:latin typeface="Consolas"/>
+              </a:rPr>
+              <a:t> null: false</a:t>
+            </a:r>
+          </a:p>
+          <a:p>
+            <a:pPr fontAlgn="base"/>
+            <a:r>
+              <a:rPr lang="en-US" sz="1200" dirty="0">
+                <a:latin typeface="Consolas"/>
+              </a:rPr>
+              <a:t>    end</a:t>
+            </a:r>
+          </a:p>
+          <a:p>
+            <a:pPr fontAlgn="base"/>
+            <a:r>
+              <a:rPr lang="en-US" sz="1200" dirty="0">
+                <a:latin typeface="Consolas"/>
+              </a:rPr>
+              <a:t>     </a:t>
+            </a:r>
+            <a:r>
+              <a:rPr lang="en-US" sz="1200" dirty="0" err="1">
+                <a:latin typeface="Consolas"/>
+              </a:rPr>
+              <a:t>create_table</a:t>
+            </a:r>
+            <a:r>
+              <a:rPr lang="en-US" sz="1200" dirty="0">
+                <a:latin typeface="Consolas"/>
+              </a:rPr>
+              <a:t> :accounts do |t|</a:t>
+            </a:r>
+          </a:p>
+          <a:p>
+            <a:pPr fontAlgn="base"/>
+            <a:r>
+              <a:rPr lang="en-US" sz="1200" dirty="0">
+                <a:latin typeface="Consolas"/>
+              </a:rPr>
+              <a:t>      </a:t>
+            </a:r>
+            <a:r>
+              <a:rPr lang="en-US" sz="1200" dirty="0" err="1">
+                <a:latin typeface="Consolas"/>
+              </a:rPr>
+              <a:t>t.belongs_to</a:t>
+            </a:r>
+            <a:r>
+              <a:rPr lang="en-US" sz="1200" dirty="0">
+                <a:latin typeface="Consolas"/>
+              </a:rPr>
+              <a:t> :supplier, index: true</a:t>
+            </a:r>
+          </a:p>
+          <a:p>
+            <a:pPr fontAlgn="base"/>
+            <a:r>
+              <a:rPr lang="en-US" sz="1200" dirty="0">
+                <a:latin typeface="Consolas"/>
+              </a:rPr>
+              <a:t>      </a:t>
+            </a:r>
+            <a:r>
+              <a:rPr lang="en-US" sz="1200" dirty="0" err="1">
+                <a:latin typeface="Consolas"/>
+              </a:rPr>
+              <a:t>t.string</a:t>
+            </a:r>
+            <a:r>
+              <a:rPr lang="en-US" sz="1200" dirty="0">
+                <a:latin typeface="Consolas"/>
+              </a:rPr>
+              <a:t> :</a:t>
+            </a:r>
+            <a:r>
+              <a:rPr lang="en-US" sz="1200" dirty="0" err="1">
+                <a:latin typeface="Consolas"/>
+              </a:rPr>
+              <a:t>account_number</a:t>
+            </a:r>
+            <a:endParaRPr lang="en-US" sz="1200" dirty="0">
+              <a:latin typeface="Consolas"/>
+            </a:endParaRPr>
+          </a:p>
+          <a:p>
+            <a:pPr fontAlgn="base"/>
+            <a:r>
+              <a:rPr lang="en-US" sz="1200" dirty="0">
+                <a:latin typeface="Consolas"/>
+              </a:rPr>
+              <a:t>      </a:t>
+            </a:r>
+            <a:r>
+              <a:rPr lang="en-US" sz="1200" dirty="0" err="1">
+                <a:latin typeface="Consolas"/>
+              </a:rPr>
+              <a:t>t.timestamps</a:t>
+            </a:r>
+            <a:r>
+              <a:rPr lang="en-US" sz="1200" dirty="0">
+                <a:latin typeface="Consolas"/>
+              </a:rPr>
+              <a:t> null: false</a:t>
+            </a:r>
+          </a:p>
+          <a:p>
+            <a:pPr fontAlgn="base"/>
+            <a:r>
+              <a:rPr lang="en-US" sz="1200" dirty="0">
+                <a:latin typeface="Consolas"/>
+              </a:rPr>
+              <a:t>    end</a:t>
+            </a:r>
+          </a:p>
+          <a:p>
+            <a:pPr fontAlgn="base"/>
+            <a:r>
+              <a:rPr lang="en-US" sz="1200" dirty="0">
+                <a:latin typeface="Consolas"/>
+              </a:rPr>
+              <a:t>     </a:t>
+            </a:r>
+            <a:r>
+              <a:rPr lang="en-US" sz="1200" dirty="0" err="1">
+                <a:latin typeface="Consolas"/>
+              </a:rPr>
+              <a:t>create_table</a:t>
+            </a:r>
+            <a:r>
+              <a:rPr lang="en-US" sz="1200" dirty="0">
+                <a:latin typeface="Consolas"/>
+              </a:rPr>
+              <a:t> :</a:t>
+            </a:r>
+            <a:r>
+              <a:rPr lang="en-US" sz="1200" dirty="0" err="1">
+                <a:latin typeface="Consolas"/>
+              </a:rPr>
+              <a:t>account_histories</a:t>
+            </a:r>
+            <a:r>
+              <a:rPr lang="en-US" sz="1200" dirty="0">
+                <a:latin typeface="Consolas"/>
+              </a:rPr>
+              <a:t> do |t|</a:t>
+            </a:r>
+          </a:p>
+          <a:p>
+            <a:pPr fontAlgn="base"/>
+            <a:r>
+              <a:rPr lang="en-US" sz="1200" dirty="0">
+                <a:latin typeface="Consolas"/>
+              </a:rPr>
+              <a:t>      </a:t>
+            </a:r>
+            <a:r>
+              <a:rPr lang="en-US" sz="1200" dirty="0" err="1">
+                <a:latin typeface="Consolas"/>
+              </a:rPr>
+              <a:t>t.belongs_to</a:t>
+            </a:r>
+            <a:r>
+              <a:rPr lang="en-US" sz="1200" dirty="0">
+                <a:latin typeface="Consolas"/>
+              </a:rPr>
+              <a:t> :account, index: true</a:t>
+            </a:r>
+          </a:p>
+          <a:p>
+            <a:pPr fontAlgn="base"/>
+            <a:r>
+              <a:rPr lang="en-US" sz="1200" dirty="0">
+                <a:latin typeface="Consolas"/>
+              </a:rPr>
+              <a:t>      </a:t>
+            </a:r>
+            <a:r>
+              <a:rPr lang="en-US" sz="1200" dirty="0" err="1">
+                <a:latin typeface="Consolas"/>
+              </a:rPr>
+              <a:t>t.integer</a:t>
+            </a:r>
+            <a:r>
+              <a:rPr lang="en-US" sz="1200" dirty="0">
+                <a:latin typeface="Consolas"/>
+              </a:rPr>
+              <a:t> :</a:t>
+            </a:r>
+            <a:r>
+              <a:rPr lang="en-US" sz="1200" dirty="0" err="1">
+                <a:latin typeface="Consolas"/>
+              </a:rPr>
+              <a:t>credit_rating</a:t>
+            </a:r>
+            <a:endParaRPr lang="en-US" sz="1200" dirty="0">
+              <a:latin typeface="Consolas"/>
+            </a:endParaRPr>
+          </a:p>
+          <a:p>
+            <a:pPr fontAlgn="base"/>
+            <a:r>
+              <a:rPr lang="en-US" sz="1200" dirty="0">
+                <a:latin typeface="Consolas"/>
+              </a:rPr>
+              <a:t>      </a:t>
+            </a:r>
+            <a:r>
+              <a:rPr lang="en-US" sz="1200" dirty="0" err="1">
+                <a:latin typeface="Consolas"/>
+              </a:rPr>
+              <a:t>t.timestamps</a:t>
+            </a:r>
+            <a:r>
+              <a:rPr lang="en-US" sz="1200" dirty="0">
+                <a:latin typeface="Consolas"/>
+              </a:rPr>
+              <a:t> null: false</a:t>
+            </a:r>
+          </a:p>
+          <a:p>
+            <a:pPr fontAlgn="base"/>
+            <a:r>
+              <a:rPr lang="en-US" sz="1200" dirty="0">
+                <a:latin typeface="Consolas"/>
+              </a:rPr>
+              <a:t>    end</a:t>
+            </a:r>
+          </a:p>
+          <a:p>
+            <a:pPr fontAlgn="base"/>
+            <a:r>
+              <a:rPr lang="en-US" sz="1200" dirty="0">
+                <a:latin typeface="Consolas"/>
+              </a:rPr>
+              <a:t>  end</a:t>
+            </a:r>
+          </a:p>
+          <a:p>
+            <a:pPr fontAlgn="base"/>
+            <a:r>
+              <a:rPr lang="en-US" sz="1200" dirty="0">
+                <a:latin typeface="Consolas"/>
+              </a:rPr>
+              <a:t>end</a:t>
+            </a:r>
+            <a:endParaRPr lang="en-US" sz="1200" dirty="0">
+              <a:latin typeface="Consolas"/>
+            </a:endParaRPr>
+          </a:p>
+        </p:txBody>
+      </p:sp>
+    </p:spTree>
+    <p:extLst>
+      <p:ext uri="{BB962C8B-B14F-4D97-AF65-F5344CB8AC3E}">
+        <p14:creationId xmlns:p14="http://schemas.microsoft.com/office/powerpoint/2010/main" val="3462704402"/>
+      </p:ext>
+    </p:extLst>
+  </p:cSld>
+  <p:clrMapOvr>
+    <a:masterClrMapping/>
+  </p:clrMapOvr>
+</p:sld>
+</file>
+
+<file path=ppt/slides/slide32.xml><?xml version="1.0" encoding="utf-8"?>
+<p:sld xmlns:a="http://schemas.openxmlformats.org/drawingml/2006/main" xmlns:r="http://schemas.openxmlformats.org/officeDocument/2006/relationships" xmlns:p="http://schemas.openxmlformats.org/presentationml/2006/main">
+  <p:cSld>
+    <p:spTree>
+      <p:nvGrpSpPr>
+        <p:cNvPr id="1" name=""/>
+        <p:cNvGrpSpPr/>
+        <p:nvPr/>
+      </p:nvGrpSpPr>
+      <p:grpSpPr>
+        <a:xfrm>
+          <a:off x="0" y="0"/>
+          <a:ext cx="0" cy="0"/>
+          <a:chOff x="0" y="0"/>
+          <a:chExt cx="0" cy="0"/>
+        </a:xfrm>
+      </p:grpSpPr>
+      <p:sp>
+        <p:nvSpPr>
+          <p:cNvPr id="2" name="Title 1"/>
+          <p:cNvSpPr>
+            <a:spLocks noGrp="1"/>
+          </p:cNvSpPr>
+          <p:nvPr>
+            <p:ph type="title"/>
+          </p:nvPr>
+        </p:nvSpPr>
+        <p:spPr/>
+        <p:txBody>
+          <a:bodyPr/>
+          <a:lstStyle/>
+          <a:p>
+            <a:endParaRPr lang="en-US"/>
+          </a:p>
+        </p:txBody>
+      </p:sp>
+      <p:sp>
+        <p:nvSpPr>
+          <p:cNvPr id="3" name="Text Placeholder 2"/>
+          <p:cNvSpPr>
+            <a:spLocks noGrp="1"/>
+          </p:cNvSpPr>
+          <p:nvPr>
+            <p:ph type="body" idx="1"/>
+          </p:nvPr>
+        </p:nvSpPr>
+        <p:spPr/>
+        <p:txBody>
+          <a:bodyPr/>
+          <a:lstStyle/>
+          <a:p>
+            <a:endParaRPr lang="en-US" dirty="0"/>
+          </a:p>
+        </p:txBody>
+      </p:sp>
+      <p:pic>
+        <p:nvPicPr>
+          <p:cNvPr id="13314" name="Picture 2"/>
+          <p:cNvPicPr>
+            <a:picLocks noChangeAspect="1" noChangeArrowheads="1"/>
+          </p:cNvPicPr>
+          <p:nvPr/>
+        </p:nvPicPr>
+        <p:blipFill>
+          <a:blip r:embed="rId2">
+            <a:extLst>
+              <a:ext uri="{28A0092B-C50C-407E-A947-70E740481C1C}">
+                <a14:useLocalDpi xmlns:a14="http://schemas.microsoft.com/office/drawing/2010/main" val="0"/>
+              </a:ext>
+            </a:extLst>
+          </a:blip>
+          <a:srcRect/>
+          <a:stretch>
+            <a:fillRect/>
+          </a:stretch>
+        </p:blipFill>
+        <p:spPr bwMode="auto">
+          <a:xfrm>
+            <a:off x="1457325" y="504825"/>
+            <a:ext cx="6229350" cy="4133850"/>
+          </a:xfrm>
+          <a:prstGeom prst="rect">
+            <a:avLst/>
+          </a:prstGeom>
+          <a:noFill/>
+          <a:ln>
+            <a:noFill/>
+          </a:ln>
+          <a:effectLst/>
+          <a:extLst>
+            <a:ext uri="{909E8E84-426E-40DD-AFC4-6F175D3DCCD1}">
+              <a14:hiddenFill xmlns:a14="http://schemas.microsoft.com/office/drawing/2010/main">
+                <a:solidFill>
+                  <a:schemeClr val="accent1"/>
+                </a:solidFill>
+              </a14:hiddenFill>
+            </a:ext>
+            <a:ext uri="{91240B29-F687-4F45-9708-019B960494DF}">
+              <a14:hiddenLine xmlns:a14="http://schemas.microsoft.com/office/drawing/2010/main" w="9525">
+                <a:solidFill>
+                  <a:schemeClr val="tx1"/>
+                </a:solidFill>
+                <a:miter lim="800000"/>
+                <a:headEnd/>
+                <a:tailEnd/>
+              </a14:hiddenLine>
+            </a:ext>
+            <a:ext uri="{AF507438-7753-43E0-B8FC-AC1667EBCBE1}">
+              <a14:hiddenEffects xmlns:a14="http://schemas.microsoft.com/office/drawing/2010/main">
+                <a:effectLst>
+                  <a:outerShdw dist="35921" dir="2700000" algn="ctr" rotWithShape="0">
+                    <a:schemeClr val="bg2"/>
+                  </a:outerShdw>
+                </a:effectLst>
+              </a14:hiddenEffects>
+            </a:ext>
+          </a:extLst>
+        </p:spPr>
+      </p:pic>
+    </p:spTree>
+    <p:extLst>
+      <p:ext uri="{BB962C8B-B14F-4D97-AF65-F5344CB8AC3E}">
+        <p14:creationId xmlns:p14="http://schemas.microsoft.com/office/powerpoint/2010/main" val="343865884"/>
+      </p:ext>
+    </p:extLst>
+  </p:cSld>
+  <p:clrMapOvr>
+    <a:masterClrMapping/>
+  </p:clrMapOvr>
+</p:sld>
+</file>
+
+<file path=ppt/slides/slide33.xml><?xml version="1.0" encoding="utf-8"?>
+<p:sld xmlns:a="http://schemas.openxmlformats.org/drawingml/2006/main" xmlns:r="http://schemas.openxmlformats.org/officeDocument/2006/relationships" xmlns:p="http://schemas.openxmlformats.org/presentationml/2006/main">
+  <p:cSld>
+    <p:bg>
+      <p:bgPr>
+        <a:noFill/>
+        <a:effectLst/>
+      </p:bgPr>
+    </p:bg>
+    <p:spTree>
+      <p:nvGrpSpPr>
+        <p:cNvPr id="1" name=""/>
+        <p:cNvGrpSpPr/>
+        <p:nvPr/>
+      </p:nvGrpSpPr>
+      <p:grpSpPr>
+        <a:xfrm>
+          <a:off x="0" y="0"/>
+          <a:ext cx="0" cy="0"/>
+          <a:chOff x="0" y="0"/>
+          <a:chExt cx="0" cy="0"/>
+        </a:xfrm>
+      </p:grpSpPr>
+      <p:sp>
+        <p:nvSpPr>
+          <p:cNvPr id="2" name="Title 1"/>
+          <p:cNvSpPr>
+            <a:spLocks noGrp="1"/>
+          </p:cNvSpPr>
+          <p:nvPr>
+            <p:ph type="title"/>
+          </p:nvPr>
+        </p:nvSpPr>
+        <p:spPr/>
+        <p:txBody>
+          <a:bodyPr/>
+          <a:lstStyle/>
+          <a:p>
+            <a:r>
+              <a:rPr lang="en-US" sz="1400" dirty="0" smtClean="0"/>
+              <a:t>9.1.3 </a:t>
+            </a:r>
+            <a:r>
+              <a:rPr lang="en-US" sz="1400" dirty="0"/>
+              <a:t>The </a:t>
+            </a:r>
+            <a:r>
+              <a:rPr lang="en-US" sz="1400" dirty="0" err="1"/>
+              <a:t>has_and_belongs_to_many</a:t>
+            </a:r>
+            <a:r>
+              <a:rPr lang="en-US" sz="1400" dirty="0"/>
+              <a:t> </a:t>
+            </a:r>
+            <a:r>
+              <a:rPr lang="en-US" sz="1400" dirty="0" smtClean="0"/>
+              <a:t>Association</a:t>
+            </a:r>
+            <a:br>
+              <a:rPr lang="en-US" sz="1400" dirty="0" smtClean="0"/>
+            </a:br>
+            <a:r>
+              <a:rPr lang="en-US" sz="1400" dirty="0" smtClean="0"/>
+              <a:t/>
+            </a:r>
+            <a:br>
+              <a:rPr lang="en-US" sz="1400" dirty="0" smtClean="0"/>
+            </a:br>
+            <a:endParaRPr lang="en-US" sz="1400" dirty="0"/>
+          </a:p>
+        </p:txBody>
+      </p:sp>
+      <p:sp>
+        <p:nvSpPr>
+          <p:cNvPr id="3" name="Text Placeholder 2"/>
+          <p:cNvSpPr>
+            <a:spLocks noGrp="1"/>
+          </p:cNvSpPr>
+          <p:nvPr>
+            <p:ph type="body" idx="1"/>
+          </p:nvPr>
+        </p:nvSpPr>
+        <p:spPr>
+          <a:xfrm>
+            <a:off x="457200" y="666750"/>
+            <a:ext cx="8229600" cy="3725680"/>
+          </a:xfrm>
+        </p:spPr>
+        <p:txBody>
+          <a:bodyPr/>
+          <a:lstStyle/>
+          <a:p>
+            <a:pPr marL="342900" lvl="1" indent="-342900">
+              <a:buFont typeface="Arial" pitchFamily="34" charset="0"/>
+              <a:buChar char="•"/>
+            </a:pPr>
+            <a:r>
+              <a:rPr lang="en-US" sz="1600" dirty="0"/>
+              <a:t>C</a:t>
+            </a:r>
+            <a:r>
+              <a:rPr lang="en-US" sz="1600" dirty="0" smtClean="0"/>
+              <a:t>reates </a:t>
+            </a:r>
+            <a:r>
+              <a:rPr lang="en-US" sz="1600" dirty="0"/>
+              <a:t>a direct many-to-many connection with another model, with no intervening </a:t>
+            </a:r>
+            <a:r>
+              <a:rPr lang="en-US" sz="1600" dirty="0" smtClean="0"/>
+              <a:t>model</a:t>
+            </a:r>
+          </a:p>
+          <a:p>
+            <a:pPr marL="342900" lvl="1" indent="-342900">
+              <a:buFont typeface="Arial" pitchFamily="34" charset="0"/>
+              <a:buChar char="•"/>
+            </a:pPr>
+            <a:r>
+              <a:rPr lang="en-US" sz="1600" dirty="0" smtClean="0"/>
+              <a:t>If</a:t>
+            </a:r>
+            <a:r>
+              <a:rPr lang="en-US" sz="1600" dirty="0"/>
+              <a:t> your application includes assemblies and parts, with each assembly having many parts and each part appearing in many assemblies, you could declare the models this way</a:t>
+            </a:r>
+            <a:r>
+              <a:rPr lang="en-US" sz="1600" dirty="0" smtClean="0"/>
+              <a:t/>
+            </a:r>
+            <a:br>
+              <a:rPr lang="en-US" sz="1600" dirty="0" smtClean="0"/>
+            </a:br>
+            <a:endParaRPr lang="en-US" sz="1400" dirty="0" smtClean="0"/>
+          </a:p>
+        </p:txBody>
+      </p:sp>
+      <p:sp>
+        <p:nvSpPr>
+          <p:cNvPr id="4" name="TextBox 3"/>
+          <p:cNvSpPr txBox="1"/>
+          <p:nvPr/>
+        </p:nvSpPr>
+        <p:spPr>
+          <a:xfrm>
+            <a:off x="882503" y="2038350"/>
+            <a:ext cx="6477000" cy="1600438"/>
+          </a:xfrm>
+          <a:prstGeom prst="rect">
+            <a:avLst/>
+          </a:prstGeom>
+        </p:spPr>
+        <p:style>
+          <a:lnRef idx="1">
+            <a:schemeClr val="accent4"/>
+          </a:lnRef>
+          <a:fillRef idx="2">
+            <a:schemeClr val="accent4"/>
+          </a:fillRef>
+          <a:effectRef idx="1">
+            <a:schemeClr val="accent4"/>
+          </a:effectRef>
+          <a:fontRef idx="minor">
+            <a:schemeClr val="dk1"/>
+          </a:fontRef>
+        </p:style>
+        <p:txBody>
+          <a:bodyPr wrap="square" rtlCol="0">
+            <a:spAutoFit/>
+          </a:bodyPr>
+          <a:lstStyle/>
+          <a:p>
+            <a:pPr fontAlgn="base"/>
+            <a:r>
+              <a:rPr lang="en-US" sz="1200" dirty="0"/>
+              <a:t>class Assembly &lt; </a:t>
+            </a:r>
+            <a:r>
+              <a:rPr lang="en-US" sz="1200" dirty="0" err="1"/>
+              <a:t>ActiveRecord</a:t>
+            </a:r>
+            <a:r>
+              <a:rPr lang="en-US" sz="1200" dirty="0"/>
+              <a:t>::Base</a:t>
+            </a:r>
+          </a:p>
+          <a:p>
+            <a:pPr fontAlgn="base"/>
+            <a:r>
+              <a:rPr lang="en-US" sz="1200" dirty="0"/>
+              <a:t>  </a:t>
+            </a:r>
+            <a:r>
+              <a:rPr lang="en-US" sz="1200" dirty="0" err="1"/>
+              <a:t>has_and_belongs_to_many</a:t>
+            </a:r>
+            <a:r>
+              <a:rPr lang="en-US" sz="1200" dirty="0"/>
+              <a:t> :parts</a:t>
+            </a:r>
+          </a:p>
+          <a:p>
+            <a:pPr fontAlgn="base"/>
+            <a:r>
+              <a:rPr lang="en-US" sz="1200" dirty="0"/>
+              <a:t>end</a:t>
+            </a:r>
+          </a:p>
+          <a:p>
+            <a:pPr fontAlgn="base"/>
+            <a:r>
+              <a:rPr lang="en-US" sz="1200" dirty="0"/>
+              <a:t> </a:t>
+            </a:r>
+          </a:p>
+          <a:p>
+            <a:pPr fontAlgn="base"/>
+            <a:r>
+              <a:rPr lang="en-US" sz="1200" dirty="0"/>
+              <a:t>class Part &lt; </a:t>
+            </a:r>
+            <a:r>
+              <a:rPr lang="en-US" sz="1200" dirty="0" err="1"/>
+              <a:t>ActiveRecord</a:t>
+            </a:r>
+            <a:r>
+              <a:rPr lang="en-US" sz="1200" dirty="0"/>
+              <a:t>::Base</a:t>
+            </a:r>
+          </a:p>
+          <a:p>
+            <a:pPr fontAlgn="base"/>
+            <a:r>
+              <a:rPr lang="en-US" sz="1200" dirty="0"/>
+              <a:t>  </a:t>
+            </a:r>
+            <a:r>
+              <a:rPr lang="en-US" sz="1200" dirty="0" err="1"/>
+              <a:t>has_and_belongs_to_many</a:t>
+            </a:r>
+            <a:r>
+              <a:rPr lang="en-US" sz="1200" dirty="0"/>
+              <a:t> :assemblies</a:t>
+            </a:r>
+          </a:p>
+          <a:p>
+            <a:pPr fontAlgn="base"/>
+            <a:r>
+              <a:rPr lang="en-US" sz="1200" dirty="0"/>
+              <a:t>end</a:t>
+            </a:r>
+          </a:p>
+          <a:p>
+            <a:pPr fontAlgn="base"/>
+            <a:endParaRPr lang="en-US" sz="1200" dirty="0">
+              <a:latin typeface="Consolas"/>
+            </a:endParaRPr>
+          </a:p>
+        </p:txBody>
+      </p:sp>
+    </p:spTree>
+    <p:extLst>
+      <p:ext uri="{BB962C8B-B14F-4D97-AF65-F5344CB8AC3E}">
+        <p14:creationId xmlns:p14="http://schemas.microsoft.com/office/powerpoint/2010/main" val="293737717"/>
+      </p:ext>
+    </p:extLst>
+  </p:cSld>
+  <p:clrMapOvr>
+    <a:masterClrMapping/>
+  </p:clrMapOvr>
+</p:sld>
+</file>
+
+<file path=ppt/slides/slide34.xml><?xml version="1.0" encoding="utf-8"?>
+<p:sld xmlns:a="http://schemas.openxmlformats.org/drawingml/2006/main" xmlns:r="http://schemas.openxmlformats.org/officeDocument/2006/relationships" xmlns:p="http://schemas.openxmlformats.org/presentationml/2006/main">
+  <p:cSld>
+    <p:bg>
+      <p:bgPr>
+        <a:noFill/>
+        <a:effectLst/>
+      </p:bgPr>
+    </p:bg>
+    <p:spTree>
+      <p:nvGrpSpPr>
+        <p:cNvPr id="1" name=""/>
+        <p:cNvGrpSpPr/>
+        <p:nvPr/>
+      </p:nvGrpSpPr>
+      <p:grpSpPr>
+        <a:xfrm>
+          <a:off x="0" y="0"/>
+          <a:ext cx="0" cy="0"/>
+          <a:chOff x="0" y="0"/>
+          <a:chExt cx="0" cy="0"/>
+        </a:xfrm>
+      </p:grpSpPr>
+      <p:sp>
+        <p:nvSpPr>
+          <p:cNvPr id="6" name="Title 1"/>
+          <p:cNvSpPr>
+            <a:spLocks noGrp="1"/>
+          </p:cNvSpPr>
+          <p:nvPr>
+            <p:ph type="title"/>
+          </p:nvPr>
+        </p:nvSpPr>
+        <p:spPr>
+          <a:xfrm>
+            <a:off x="457200" y="205978"/>
+            <a:ext cx="8229600" cy="857250"/>
+          </a:xfrm>
+        </p:spPr>
+        <p:txBody>
+          <a:bodyPr/>
+          <a:lstStyle/>
+          <a:p>
+            <a:endParaRPr lang="en-US"/>
+          </a:p>
+        </p:txBody>
+      </p:sp>
+      <p:sp>
+        <p:nvSpPr>
+          <p:cNvPr id="7" name="Text Placeholder 2"/>
+          <p:cNvSpPr>
+            <a:spLocks noGrp="1"/>
+          </p:cNvSpPr>
+          <p:nvPr>
+            <p:ph type="body" idx="1"/>
+          </p:nvPr>
+        </p:nvSpPr>
+        <p:spPr>
+          <a:xfrm>
+            <a:off x="457200" y="1047750"/>
+            <a:ext cx="8229600" cy="3725680"/>
+          </a:xfrm>
+        </p:spPr>
+        <p:txBody>
+          <a:bodyPr/>
+          <a:lstStyle/>
+          <a:p>
+            <a:r>
+              <a:rPr lang="en-US" sz="1600" dirty="0" smtClean="0"/>
+              <a:t>The migration file will look like:</a:t>
+            </a:r>
+          </a:p>
+          <a:p>
+            <a:endParaRPr lang="en-US" sz="1600" dirty="0"/>
+          </a:p>
+        </p:txBody>
+      </p:sp>
+      <p:sp>
+        <p:nvSpPr>
+          <p:cNvPr id="8" name="TextBox 7"/>
+          <p:cNvSpPr txBox="1"/>
+          <p:nvPr/>
+        </p:nvSpPr>
+        <p:spPr>
+          <a:xfrm>
+            <a:off x="630865" y="1434066"/>
+            <a:ext cx="6477000" cy="3416320"/>
+          </a:xfrm>
+          <a:prstGeom prst="rect">
+            <a:avLst/>
+          </a:prstGeom>
+        </p:spPr>
+        <p:style>
+          <a:lnRef idx="1">
+            <a:schemeClr val="accent4"/>
+          </a:lnRef>
+          <a:fillRef idx="2">
+            <a:schemeClr val="accent4"/>
+          </a:fillRef>
+          <a:effectRef idx="1">
+            <a:schemeClr val="accent4"/>
+          </a:effectRef>
+          <a:fontRef idx="minor">
+            <a:schemeClr val="dk1"/>
+          </a:fontRef>
+        </p:style>
+        <p:txBody>
+          <a:bodyPr wrap="square" rtlCol="0">
+            <a:spAutoFit/>
+          </a:bodyPr>
+          <a:lstStyle/>
+          <a:p>
+            <a:pPr fontAlgn="base"/>
+            <a:r>
+              <a:rPr lang="en-US" sz="1200" dirty="0">
+                <a:latin typeface="Consolas"/>
+              </a:rPr>
+              <a:t>class </a:t>
+            </a:r>
+            <a:r>
+              <a:rPr lang="en-US" sz="1200" dirty="0" err="1">
+                <a:latin typeface="Consolas"/>
+              </a:rPr>
+              <a:t>CreateAssembliesAndParts</a:t>
+            </a:r>
+            <a:r>
+              <a:rPr lang="en-US" sz="1200" dirty="0">
+                <a:latin typeface="Consolas"/>
+              </a:rPr>
+              <a:t> &lt; </a:t>
+            </a:r>
+            <a:r>
+              <a:rPr lang="en-US" sz="1200" dirty="0" err="1">
+                <a:latin typeface="Consolas"/>
+              </a:rPr>
+              <a:t>ActiveRecord</a:t>
+            </a:r>
+            <a:r>
+              <a:rPr lang="en-US" sz="1200" dirty="0">
+                <a:latin typeface="Consolas"/>
+              </a:rPr>
+              <a:t>::Migration</a:t>
+            </a:r>
+          </a:p>
+          <a:p>
+            <a:pPr fontAlgn="base"/>
+            <a:r>
+              <a:rPr lang="en-US" sz="1200" dirty="0">
+                <a:latin typeface="Consolas"/>
+              </a:rPr>
+              <a:t>  </a:t>
+            </a:r>
+            <a:r>
+              <a:rPr lang="en-US" sz="1200" dirty="0" err="1">
+                <a:latin typeface="Consolas"/>
+              </a:rPr>
+              <a:t>def</a:t>
+            </a:r>
+            <a:r>
+              <a:rPr lang="en-US" sz="1200" dirty="0">
+                <a:latin typeface="Consolas"/>
+              </a:rPr>
+              <a:t> change</a:t>
+            </a:r>
+          </a:p>
+          <a:p>
+            <a:pPr fontAlgn="base"/>
+            <a:r>
+              <a:rPr lang="en-US" sz="1200" dirty="0">
+                <a:latin typeface="Consolas"/>
+              </a:rPr>
+              <a:t>    </a:t>
+            </a:r>
+            <a:r>
+              <a:rPr lang="en-US" sz="1200" dirty="0" err="1">
+                <a:latin typeface="Consolas"/>
+              </a:rPr>
+              <a:t>create_table</a:t>
+            </a:r>
+            <a:r>
+              <a:rPr lang="en-US" sz="1200" dirty="0">
+                <a:latin typeface="Consolas"/>
+              </a:rPr>
+              <a:t> :assemblies do |t|</a:t>
+            </a:r>
+          </a:p>
+          <a:p>
+            <a:pPr fontAlgn="base"/>
+            <a:r>
+              <a:rPr lang="en-US" sz="1200" dirty="0">
+                <a:latin typeface="Consolas"/>
+              </a:rPr>
+              <a:t>      </a:t>
+            </a:r>
+            <a:r>
+              <a:rPr lang="en-US" sz="1200" dirty="0" err="1">
+                <a:latin typeface="Consolas"/>
+              </a:rPr>
+              <a:t>t.string</a:t>
+            </a:r>
+            <a:r>
+              <a:rPr lang="en-US" sz="1200" dirty="0">
+                <a:latin typeface="Consolas"/>
+              </a:rPr>
+              <a:t> :name</a:t>
+            </a:r>
+          </a:p>
+          <a:p>
+            <a:pPr fontAlgn="base"/>
+            <a:r>
+              <a:rPr lang="en-US" sz="1200" dirty="0">
+                <a:latin typeface="Consolas"/>
+              </a:rPr>
+              <a:t>      </a:t>
+            </a:r>
+            <a:r>
+              <a:rPr lang="en-US" sz="1200" dirty="0" err="1">
+                <a:latin typeface="Consolas"/>
+              </a:rPr>
+              <a:t>t.timestamps</a:t>
+            </a:r>
+            <a:r>
+              <a:rPr lang="en-US" sz="1200" dirty="0">
+                <a:latin typeface="Consolas"/>
+              </a:rPr>
+              <a:t> null: false</a:t>
+            </a:r>
+          </a:p>
+          <a:p>
+            <a:pPr fontAlgn="base"/>
+            <a:r>
+              <a:rPr lang="en-US" sz="1200" dirty="0">
+                <a:latin typeface="Consolas"/>
+              </a:rPr>
+              <a:t>    end</a:t>
+            </a:r>
+          </a:p>
+          <a:p>
+            <a:pPr fontAlgn="base"/>
+            <a:r>
+              <a:rPr lang="en-US" sz="1200" dirty="0">
+                <a:latin typeface="Consolas"/>
+              </a:rPr>
+              <a:t> </a:t>
+            </a:r>
+          </a:p>
+          <a:p>
+            <a:pPr fontAlgn="base"/>
+            <a:r>
+              <a:rPr lang="en-US" sz="1200" dirty="0">
+                <a:latin typeface="Consolas"/>
+              </a:rPr>
+              <a:t>    </a:t>
+            </a:r>
+            <a:r>
+              <a:rPr lang="en-US" sz="1200" dirty="0" err="1">
+                <a:latin typeface="Consolas"/>
+              </a:rPr>
+              <a:t>create_table</a:t>
+            </a:r>
+            <a:r>
+              <a:rPr lang="en-US" sz="1200" dirty="0">
+                <a:latin typeface="Consolas"/>
+              </a:rPr>
+              <a:t> :parts do |t|</a:t>
+            </a:r>
+          </a:p>
+          <a:p>
+            <a:pPr fontAlgn="base"/>
+            <a:r>
+              <a:rPr lang="en-US" sz="1200" dirty="0">
+                <a:latin typeface="Consolas"/>
+              </a:rPr>
+              <a:t>      </a:t>
+            </a:r>
+            <a:r>
+              <a:rPr lang="en-US" sz="1200" dirty="0" err="1">
+                <a:latin typeface="Consolas"/>
+              </a:rPr>
+              <a:t>t.string</a:t>
+            </a:r>
+            <a:r>
+              <a:rPr lang="en-US" sz="1200" dirty="0">
+                <a:latin typeface="Consolas"/>
+              </a:rPr>
+              <a:t> :</a:t>
+            </a:r>
+            <a:r>
+              <a:rPr lang="en-US" sz="1200" dirty="0" err="1">
+                <a:latin typeface="Consolas"/>
+              </a:rPr>
+              <a:t>part_number</a:t>
+            </a:r>
+            <a:endParaRPr lang="en-US" sz="1200" dirty="0">
+              <a:latin typeface="Consolas"/>
+            </a:endParaRPr>
+          </a:p>
+          <a:p>
+            <a:pPr fontAlgn="base"/>
+            <a:r>
+              <a:rPr lang="en-US" sz="1200" dirty="0">
+                <a:latin typeface="Consolas"/>
+              </a:rPr>
+              <a:t>      </a:t>
+            </a:r>
+            <a:r>
+              <a:rPr lang="en-US" sz="1200" dirty="0" err="1">
+                <a:latin typeface="Consolas"/>
+              </a:rPr>
+              <a:t>t.timestamps</a:t>
+            </a:r>
+            <a:r>
+              <a:rPr lang="en-US" sz="1200" dirty="0">
+                <a:latin typeface="Consolas"/>
+              </a:rPr>
+              <a:t> null: false</a:t>
+            </a:r>
+          </a:p>
+          <a:p>
+            <a:pPr fontAlgn="base"/>
+            <a:r>
+              <a:rPr lang="en-US" sz="1200" dirty="0">
+                <a:latin typeface="Consolas"/>
+              </a:rPr>
+              <a:t>    end</a:t>
+            </a:r>
+          </a:p>
+          <a:p>
+            <a:pPr fontAlgn="base"/>
+            <a:r>
+              <a:rPr lang="en-US" sz="1200" dirty="0">
+                <a:latin typeface="Consolas"/>
+              </a:rPr>
+              <a:t> </a:t>
+            </a:r>
+          </a:p>
+          <a:p>
+            <a:pPr fontAlgn="base"/>
+            <a:r>
+              <a:rPr lang="en-US" sz="1200" dirty="0">
+                <a:latin typeface="Consolas"/>
+              </a:rPr>
+              <a:t>    </a:t>
+            </a:r>
+            <a:r>
+              <a:rPr lang="en-US" sz="1200" dirty="0" err="1">
+                <a:latin typeface="Consolas"/>
+              </a:rPr>
+              <a:t>create_table</a:t>
+            </a:r>
+            <a:r>
+              <a:rPr lang="en-US" sz="1200" dirty="0">
+                <a:latin typeface="Consolas"/>
+              </a:rPr>
+              <a:t> :</a:t>
+            </a:r>
+            <a:r>
+              <a:rPr lang="en-US" sz="1200" dirty="0" err="1">
+                <a:latin typeface="Consolas"/>
+              </a:rPr>
+              <a:t>assemblies_parts</a:t>
+            </a:r>
+            <a:r>
+              <a:rPr lang="en-US" sz="1200" dirty="0">
+                <a:latin typeface="Consolas"/>
+              </a:rPr>
+              <a:t>, id: false do |t|</a:t>
+            </a:r>
+          </a:p>
+          <a:p>
+            <a:pPr fontAlgn="base"/>
+            <a:r>
+              <a:rPr lang="en-US" sz="1200" dirty="0">
+                <a:latin typeface="Consolas"/>
+              </a:rPr>
+              <a:t>      </a:t>
+            </a:r>
+            <a:r>
+              <a:rPr lang="en-US" sz="1200" dirty="0" err="1">
+                <a:latin typeface="Consolas"/>
+              </a:rPr>
+              <a:t>t.belongs_to</a:t>
+            </a:r>
+            <a:r>
+              <a:rPr lang="en-US" sz="1200" dirty="0">
+                <a:latin typeface="Consolas"/>
+              </a:rPr>
+              <a:t> :assembly, index: true</a:t>
+            </a:r>
+          </a:p>
+          <a:p>
+            <a:pPr fontAlgn="base"/>
+            <a:r>
+              <a:rPr lang="en-US" sz="1200" dirty="0">
+                <a:latin typeface="Consolas"/>
+              </a:rPr>
+              <a:t>      </a:t>
+            </a:r>
+            <a:r>
+              <a:rPr lang="en-US" sz="1200" dirty="0" err="1">
+                <a:latin typeface="Consolas"/>
+              </a:rPr>
+              <a:t>t.belongs_to</a:t>
+            </a:r>
+            <a:r>
+              <a:rPr lang="en-US" sz="1200" dirty="0">
+                <a:latin typeface="Consolas"/>
+              </a:rPr>
+              <a:t> :part, index: true</a:t>
+            </a:r>
+          </a:p>
+          <a:p>
+            <a:pPr fontAlgn="base"/>
+            <a:r>
+              <a:rPr lang="en-US" sz="1200" dirty="0">
+                <a:latin typeface="Consolas"/>
+              </a:rPr>
+              <a:t>    end</a:t>
+            </a:r>
+          </a:p>
+          <a:p>
+            <a:pPr fontAlgn="base"/>
+            <a:r>
+              <a:rPr lang="en-US" sz="1200" dirty="0">
+                <a:latin typeface="Consolas"/>
+              </a:rPr>
+              <a:t>  end</a:t>
+            </a:r>
+          </a:p>
+          <a:p>
+            <a:pPr fontAlgn="base"/>
+            <a:r>
+              <a:rPr lang="en-US" sz="1200" dirty="0">
+                <a:latin typeface="Consolas"/>
+              </a:rPr>
+              <a:t>end</a:t>
+            </a:r>
+            <a:endParaRPr lang="en-US" sz="1200" dirty="0">
+              <a:latin typeface="Consolas"/>
+            </a:endParaRPr>
+          </a:p>
+        </p:txBody>
+      </p:sp>
+    </p:spTree>
+    <p:extLst>
+      <p:ext uri="{BB962C8B-B14F-4D97-AF65-F5344CB8AC3E}">
+        <p14:creationId xmlns:p14="http://schemas.microsoft.com/office/powerpoint/2010/main" val="2323420899"/>
+      </p:ext>
+    </p:extLst>
+  </p:cSld>
+  <p:clrMapOvr>
+    <a:masterClrMapping/>
+  </p:clrMapOvr>
+</p:sld>
+</file>
+
+<file path=ppt/slides/slide35.xml><?xml version="1.0" encoding="utf-8"?>
+<p:sld xmlns:a="http://schemas.openxmlformats.org/drawingml/2006/main" xmlns:r="http://schemas.openxmlformats.org/officeDocument/2006/relationships" xmlns:p="http://schemas.openxmlformats.org/presentationml/2006/main">
+  <p:cSld>
+    <p:spTree>
+      <p:nvGrpSpPr>
+        <p:cNvPr id="1" name=""/>
+        <p:cNvGrpSpPr/>
+        <p:nvPr/>
+      </p:nvGrpSpPr>
+      <p:grpSpPr>
+        <a:xfrm>
+          <a:off x="0" y="0"/>
+          <a:ext cx="0" cy="0"/>
+          <a:chOff x="0" y="0"/>
+          <a:chExt cx="0" cy="0"/>
+        </a:xfrm>
+      </p:grpSpPr>
+      <p:sp>
+        <p:nvSpPr>
+          <p:cNvPr id="2" name="Title 1"/>
+          <p:cNvSpPr>
+            <a:spLocks noGrp="1"/>
+          </p:cNvSpPr>
+          <p:nvPr>
+            <p:ph type="title"/>
+          </p:nvPr>
+        </p:nvSpPr>
+        <p:spPr/>
+        <p:txBody>
+          <a:bodyPr/>
+          <a:lstStyle/>
+          <a:p>
+            <a:endParaRPr lang="en-US"/>
+          </a:p>
+        </p:txBody>
+      </p:sp>
+      <p:sp>
+        <p:nvSpPr>
+          <p:cNvPr id="3" name="Text Placeholder 2"/>
+          <p:cNvSpPr>
+            <a:spLocks noGrp="1"/>
+          </p:cNvSpPr>
+          <p:nvPr>
+            <p:ph type="body" idx="1"/>
+          </p:nvPr>
+        </p:nvSpPr>
+        <p:spPr/>
+        <p:txBody>
+          <a:bodyPr/>
+          <a:lstStyle/>
+          <a:p>
+            <a:endParaRPr lang="en-US" dirty="0"/>
+          </a:p>
+        </p:txBody>
+      </p:sp>
+      <p:pic>
+        <p:nvPicPr>
+          <p:cNvPr id="17410" name="Picture 2"/>
+          <p:cNvPicPr>
+            <a:picLocks noChangeAspect="1" noChangeArrowheads="1"/>
+          </p:cNvPicPr>
+          <p:nvPr/>
+        </p:nvPicPr>
+        <p:blipFill>
+          <a:blip r:embed="rId2">
+            <a:extLst>
+              <a:ext uri="{28A0092B-C50C-407E-A947-70E740481C1C}">
+                <a14:useLocalDpi xmlns:a14="http://schemas.microsoft.com/office/drawing/2010/main" val="0"/>
+              </a:ext>
+            </a:extLst>
+          </a:blip>
+          <a:srcRect/>
+          <a:stretch>
+            <a:fillRect/>
+          </a:stretch>
+        </p:blipFill>
+        <p:spPr bwMode="auto">
+          <a:xfrm>
+            <a:off x="1133475" y="447675"/>
+            <a:ext cx="6877050" cy="4248150"/>
+          </a:xfrm>
+          <a:prstGeom prst="rect">
+            <a:avLst/>
+          </a:prstGeom>
+          <a:noFill/>
+          <a:ln>
+            <a:noFill/>
+          </a:ln>
+          <a:effectLst/>
+          <a:extLst>
+            <a:ext uri="{909E8E84-426E-40DD-AFC4-6F175D3DCCD1}">
+              <a14:hiddenFill xmlns:a14="http://schemas.microsoft.com/office/drawing/2010/main">
+                <a:solidFill>
+                  <a:schemeClr val="accent1"/>
+                </a:solidFill>
+              </a14:hiddenFill>
+            </a:ext>
+            <a:ext uri="{91240B29-F687-4F45-9708-019B960494DF}">
+              <a14:hiddenLine xmlns:a14="http://schemas.microsoft.com/office/drawing/2010/main" w="9525">
+                <a:solidFill>
+                  <a:schemeClr val="tx1"/>
+                </a:solidFill>
+                <a:miter lim="800000"/>
+                <a:headEnd/>
+                <a:tailEnd/>
+              </a14:hiddenLine>
+            </a:ext>
+            <a:ext uri="{AF507438-7753-43E0-B8FC-AC1667EBCBE1}">
+              <a14:hiddenEffects xmlns:a14="http://schemas.microsoft.com/office/drawing/2010/main">
+                <a:effectLst>
+                  <a:outerShdw dist="35921" dir="2700000" algn="ctr" rotWithShape="0">
+                    <a:schemeClr val="bg2"/>
+                  </a:outerShdw>
+                </a:effectLst>
+              </a14:hiddenEffects>
+            </a:ext>
+          </a:extLst>
+        </p:spPr>
+      </p:pic>
+    </p:spTree>
+    <p:extLst>
+      <p:ext uri="{BB962C8B-B14F-4D97-AF65-F5344CB8AC3E}">
+        <p14:creationId xmlns:p14="http://schemas.microsoft.com/office/powerpoint/2010/main" val="3642035177"/>
+      </p:ext>
+    </p:extLst>
+  </p:cSld>
+  <p:clrMapOvr>
+    <a:masterClrMapping/>
+  </p:clrMapOvr>
+</p:sld>
+</file>
+
+<file path=ppt/slides/slide36.xml><?xml version="1.0" encoding="utf-8"?>
+<p:sld xmlns:a="http://schemas.openxmlformats.org/drawingml/2006/main" xmlns:r="http://schemas.openxmlformats.org/officeDocument/2006/relationships" xmlns:p="http://schemas.openxmlformats.org/presentationml/2006/main">
+  <p:cSld>
+    <p:bg>
+      <p:bgPr>
+        <a:noFill/>
+        <a:effectLst/>
+      </p:bgPr>
+    </p:bg>
+    <p:spTree>
+      <p:nvGrpSpPr>
+        <p:cNvPr id="1" name=""/>
+        <p:cNvGrpSpPr/>
+        <p:nvPr/>
+      </p:nvGrpSpPr>
+      <p:grpSpPr>
+        <a:xfrm>
+          <a:off x="0" y="0"/>
+          <a:ext cx="0" cy="0"/>
+          <a:chOff x="0" y="0"/>
+          <a:chExt cx="0" cy="0"/>
+        </a:xfrm>
+      </p:grpSpPr>
+      <p:sp>
+        <p:nvSpPr>
+          <p:cNvPr id="2" name="Title 1"/>
+          <p:cNvSpPr>
+            <a:spLocks noGrp="1"/>
+          </p:cNvSpPr>
+          <p:nvPr>
+            <p:ph type="title"/>
+          </p:nvPr>
+        </p:nvSpPr>
+        <p:spPr/>
+        <p:txBody>
+          <a:bodyPr/>
+          <a:lstStyle/>
+          <a:p>
+            <a:r>
+              <a:rPr lang="en-US" sz="1400" dirty="0" smtClean="0"/>
+              <a:t/>
+            </a:r>
+            <a:br>
+              <a:rPr lang="en-US" sz="1400" dirty="0" smtClean="0"/>
+            </a:br>
+            <a:r>
+              <a:rPr lang="en-US" sz="1400" dirty="0"/>
+              <a:t/>
+            </a:r>
+            <a:br>
+              <a:rPr lang="en-US" sz="1400" dirty="0"/>
+            </a:br>
+            <a:r>
+              <a:rPr lang="en-US" sz="1400" dirty="0" smtClean="0"/>
+              <a:t>9.1.3 The </a:t>
+            </a:r>
+            <a:r>
+              <a:rPr lang="en-US" sz="1400" dirty="0"/>
+              <a:t>Polymorphic </a:t>
+            </a:r>
+            <a:r>
+              <a:rPr lang="en-US" sz="1400" dirty="0" smtClean="0"/>
+              <a:t>Associations</a:t>
+            </a:r>
+            <a:br>
+              <a:rPr lang="en-US" sz="1400" dirty="0" smtClean="0"/>
+            </a:br>
+            <a:r>
+              <a:rPr lang="en-US" sz="1400" dirty="0" smtClean="0"/>
+              <a:t/>
+            </a:r>
+            <a:br>
+              <a:rPr lang="en-US" sz="1400" dirty="0" smtClean="0"/>
+            </a:br>
+            <a:endParaRPr lang="en-US" sz="1400" dirty="0"/>
+          </a:p>
+        </p:txBody>
+      </p:sp>
+      <p:sp>
+        <p:nvSpPr>
+          <p:cNvPr id="3" name="Text Placeholder 2"/>
+          <p:cNvSpPr>
+            <a:spLocks noGrp="1"/>
+          </p:cNvSpPr>
+          <p:nvPr>
+            <p:ph type="body" idx="1"/>
+          </p:nvPr>
+        </p:nvSpPr>
+        <p:spPr>
+          <a:xfrm>
+            <a:off x="457200" y="666750"/>
+            <a:ext cx="8229600" cy="3725680"/>
+          </a:xfrm>
+        </p:spPr>
+        <p:txBody>
+          <a:bodyPr/>
+          <a:lstStyle/>
+          <a:p>
+            <a:pPr marL="342900" lvl="1" indent="-342900">
+              <a:buFont typeface="Arial" pitchFamily="34" charset="0"/>
+              <a:buChar char="•"/>
+            </a:pPr>
+            <a:r>
+              <a:rPr lang="en-US" sz="1600" dirty="0"/>
+              <a:t>C</a:t>
+            </a:r>
+            <a:r>
+              <a:rPr lang="en-US" sz="1600" dirty="0" smtClean="0"/>
+              <a:t>reates </a:t>
+            </a:r>
+            <a:r>
+              <a:rPr lang="en-US" sz="1600" dirty="0"/>
+              <a:t>a direct many-to-many connection with another model, with no intervening </a:t>
+            </a:r>
+            <a:r>
+              <a:rPr lang="en-US" sz="1600" dirty="0" smtClean="0"/>
+              <a:t>model</a:t>
+            </a:r>
+            <a:br>
+              <a:rPr lang="en-US" sz="1600" dirty="0" smtClean="0"/>
+            </a:br>
+            <a:endParaRPr lang="en-US" sz="1600" dirty="0" smtClean="0"/>
+          </a:p>
+          <a:p>
+            <a:pPr marL="342900" lvl="1" indent="-342900">
+              <a:buFont typeface="Arial" pitchFamily="34" charset="0"/>
+              <a:buChar char="•"/>
+            </a:pPr>
+            <a:r>
+              <a:rPr lang="en-US" sz="1600" dirty="0"/>
+              <a:t>Y</a:t>
+            </a:r>
+            <a:r>
+              <a:rPr lang="en-US" sz="1600" dirty="0" smtClean="0"/>
+              <a:t>ou </a:t>
+            </a:r>
+            <a:r>
+              <a:rPr lang="en-US" sz="1600" dirty="0"/>
+              <a:t>might have a picture model that belongs to either an employee model or a product </a:t>
+            </a:r>
+            <a:r>
+              <a:rPr lang="en-US" sz="1600" dirty="0" smtClean="0"/>
+              <a:t>model</a:t>
+            </a:r>
+            <a:endParaRPr lang="en-US" sz="1400" dirty="0" smtClean="0"/>
+          </a:p>
+        </p:txBody>
+      </p:sp>
+      <p:sp>
+        <p:nvSpPr>
+          <p:cNvPr id="4" name="TextBox 3"/>
+          <p:cNvSpPr txBox="1"/>
+          <p:nvPr/>
+        </p:nvSpPr>
+        <p:spPr>
+          <a:xfrm>
+            <a:off x="882503" y="2038350"/>
+            <a:ext cx="6477000" cy="2154436"/>
+          </a:xfrm>
+          <a:prstGeom prst="rect">
+            <a:avLst/>
+          </a:prstGeom>
+        </p:spPr>
+        <p:style>
+          <a:lnRef idx="1">
+            <a:schemeClr val="accent4"/>
+          </a:lnRef>
+          <a:fillRef idx="2">
+            <a:schemeClr val="accent4"/>
+          </a:fillRef>
+          <a:effectRef idx="1">
+            <a:schemeClr val="accent4"/>
+          </a:effectRef>
+          <a:fontRef idx="minor">
+            <a:schemeClr val="dk1"/>
+          </a:fontRef>
+        </p:style>
+        <p:txBody>
+          <a:bodyPr wrap="square" rtlCol="0">
+            <a:spAutoFit/>
+          </a:bodyPr>
+          <a:lstStyle/>
+          <a:p>
+            <a:pPr fontAlgn="base"/>
+            <a:r>
+              <a:rPr lang="en-US" sz="1200" dirty="0">
+                <a:latin typeface="Consolas"/>
+              </a:rPr>
+              <a:t>class Picture &lt; </a:t>
+            </a:r>
+            <a:r>
+              <a:rPr lang="en-US" sz="1200" dirty="0" err="1">
+                <a:latin typeface="Consolas"/>
+              </a:rPr>
+              <a:t>ActiveRecord</a:t>
+            </a:r>
+            <a:r>
+              <a:rPr lang="en-US" sz="1200" dirty="0">
+                <a:latin typeface="Consolas"/>
+              </a:rPr>
+              <a:t>::Base</a:t>
+            </a:r>
+          </a:p>
+          <a:p>
+            <a:pPr fontAlgn="base"/>
+            <a:r>
+              <a:rPr lang="en-US" sz="1200" dirty="0">
+                <a:latin typeface="Consolas"/>
+              </a:rPr>
+              <a:t>  </a:t>
+            </a:r>
+            <a:r>
+              <a:rPr lang="en-US" sz="1200" dirty="0" err="1">
+                <a:latin typeface="Consolas"/>
+              </a:rPr>
+              <a:t>belongs_to</a:t>
+            </a:r>
+            <a:r>
+              <a:rPr lang="en-US" sz="1200" dirty="0">
+                <a:latin typeface="Consolas"/>
+              </a:rPr>
+              <a:t> :</a:t>
+            </a:r>
+            <a:r>
+              <a:rPr lang="en-US" sz="1200" dirty="0" err="1">
+                <a:latin typeface="Consolas"/>
+              </a:rPr>
+              <a:t>imageable</a:t>
+            </a:r>
+            <a:r>
+              <a:rPr lang="en-US" sz="1200" dirty="0">
+                <a:latin typeface="Consolas"/>
+              </a:rPr>
+              <a:t>, polymorphic: true</a:t>
+            </a:r>
+          </a:p>
+          <a:p>
+            <a:pPr fontAlgn="base"/>
+            <a:r>
+              <a:rPr lang="en-US" sz="1200" dirty="0">
+                <a:latin typeface="Consolas"/>
+              </a:rPr>
+              <a:t>end</a:t>
+            </a:r>
+          </a:p>
+          <a:p>
+            <a:pPr fontAlgn="base"/>
+            <a:r>
+              <a:rPr lang="en-US" sz="1200" dirty="0">
+                <a:latin typeface="Consolas"/>
+              </a:rPr>
+              <a:t> </a:t>
+            </a:r>
+          </a:p>
+          <a:p>
+            <a:pPr fontAlgn="base"/>
+            <a:r>
+              <a:rPr lang="en-US" sz="1200" dirty="0">
+                <a:latin typeface="Consolas"/>
+              </a:rPr>
+              <a:t>class Employee &lt; </a:t>
+            </a:r>
+            <a:r>
+              <a:rPr lang="en-US" sz="1200" dirty="0" err="1">
+                <a:latin typeface="Consolas"/>
+              </a:rPr>
+              <a:t>ActiveRecord</a:t>
+            </a:r>
+            <a:r>
+              <a:rPr lang="en-US" sz="1200" dirty="0">
+                <a:latin typeface="Consolas"/>
+              </a:rPr>
+              <a:t>::Base</a:t>
+            </a:r>
+          </a:p>
+          <a:p>
+            <a:pPr fontAlgn="base"/>
+            <a:r>
+              <a:rPr lang="en-US" sz="1200" dirty="0">
+                <a:latin typeface="Consolas"/>
+              </a:rPr>
+              <a:t>  </a:t>
+            </a:r>
+            <a:r>
+              <a:rPr lang="en-US" sz="1200" dirty="0" err="1">
+                <a:latin typeface="Consolas"/>
+              </a:rPr>
+              <a:t>has_many</a:t>
+            </a:r>
+            <a:r>
+              <a:rPr lang="en-US" sz="1200" dirty="0">
+                <a:latin typeface="Consolas"/>
+              </a:rPr>
+              <a:t> :pictures, as: :</a:t>
+            </a:r>
+            <a:r>
+              <a:rPr lang="en-US" sz="1200" dirty="0" err="1">
+                <a:latin typeface="Consolas"/>
+              </a:rPr>
+              <a:t>imageable</a:t>
+            </a:r>
+            <a:endParaRPr lang="en-US" sz="1200" dirty="0">
+              <a:latin typeface="Consolas"/>
+            </a:endParaRPr>
+          </a:p>
+          <a:p>
+            <a:pPr fontAlgn="base"/>
+            <a:r>
+              <a:rPr lang="en-US" sz="1200" dirty="0">
+                <a:latin typeface="Consolas"/>
+              </a:rPr>
+              <a:t>end</a:t>
+            </a:r>
+          </a:p>
+          <a:p>
+            <a:pPr fontAlgn="base"/>
+            <a:r>
+              <a:rPr lang="en-US" sz="1200" dirty="0">
+                <a:latin typeface="Consolas"/>
+              </a:rPr>
+              <a:t> </a:t>
+            </a:r>
+          </a:p>
+          <a:p>
+            <a:pPr fontAlgn="base"/>
+            <a:r>
+              <a:rPr lang="en-US" sz="1200" dirty="0">
+                <a:latin typeface="Consolas"/>
+              </a:rPr>
+              <a:t>class Product &lt; </a:t>
+            </a:r>
+            <a:r>
+              <a:rPr lang="en-US" sz="1200" dirty="0" err="1">
+                <a:latin typeface="Consolas"/>
+              </a:rPr>
+              <a:t>ActiveRecord</a:t>
+            </a:r>
+            <a:r>
+              <a:rPr lang="en-US" sz="1200" dirty="0">
+                <a:latin typeface="Consolas"/>
+              </a:rPr>
+              <a:t>::Base</a:t>
+            </a:r>
+          </a:p>
+          <a:p>
+            <a:pPr fontAlgn="base"/>
+            <a:r>
+              <a:rPr lang="en-US" sz="1200" dirty="0">
+                <a:latin typeface="Consolas"/>
+              </a:rPr>
+              <a:t>  </a:t>
+            </a:r>
+            <a:r>
+              <a:rPr lang="en-US" sz="1200" dirty="0" err="1">
+                <a:latin typeface="Consolas"/>
+              </a:rPr>
+              <a:t>has_many</a:t>
+            </a:r>
+            <a:r>
+              <a:rPr lang="en-US" sz="1200" dirty="0">
+                <a:latin typeface="Consolas"/>
+              </a:rPr>
+              <a:t> :pictures, as: :</a:t>
+            </a:r>
+            <a:r>
+              <a:rPr lang="en-US" sz="1200" dirty="0" err="1">
+                <a:latin typeface="Consolas"/>
+              </a:rPr>
+              <a:t>imageable</a:t>
+            </a:r>
+            <a:endParaRPr lang="en-US" sz="1200" dirty="0">
+              <a:latin typeface="Consolas"/>
+            </a:endParaRPr>
+          </a:p>
+          <a:p>
+            <a:pPr fontAlgn="base"/>
+            <a:r>
+              <a:rPr lang="en-US" sz="1200" dirty="0">
+                <a:latin typeface="Consolas"/>
+              </a:rPr>
+              <a:t>end</a:t>
+            </a:r>
+            <a:endParaRPr lang="en-US" sz="1200" dirty="0">
+              <a:latin typeface="Consolas"/>
+            </a:endParaRPr>
+          </a:p>
+        </p:txBody>
+      </p:sp>
+    </p:spTree>
+    <p:extLst>
+      <p:ext uri="{BB962C8B-B14F-4D97-AF65-F5344CB8AC3E}">
+        <p14:creationId xmlns:p14="http://schemas.microsoft.com/office/powerpoint/2010/main" val="587239495"/>
+      </p:ext>
+    </p:extLst>
+  </p:cSld>
+  <p:clrMapOvr>
+    <a:masterClrMapping/>
+  </p:clrMapOvr>
+</p:sld>
+</file>
+
+<file path=ppt/slides/slide37.xml><?xml version="1.0" encoding="utf-8"?>
+<p:sld xmlns:a="http://schemas.openxmlformats.org/drawingml/2006/main" xmlns:r="http://schemas.openxmlformats.org/officeDocument/2006/relationships" xmlns:p="http://schemas.openxmlformats.org/presentationml/2006/main">
+  <p:cSld>
+    <p:bg>
+      <p:bgPr>
+        <a:noFill/>
+        <a:effectLst/>
+      </p:bgPr>
+    </p:bg>
+    <p:spTree>
+      <p:nvGrpSpPr>
+        <p:cNvPr id="1" name=""/>
+        <p:cNvGrpSpPr/>
+        <p:nvPr/>
+      </p:nvGrpSpPr>
+      <p:grpSpPr>
+        <a:xfrm>
+          <a:off x="0" y="0"/>
+          <a:ext cx="0" cy="0"/>
+          <a:chOff x="0" y="0"/>
+          <a:chExt cx="0" cy="0"/>
+        </a:xfrm>
+      </p:grpSpPr>
+      <p:sp>
+        <p:nvSpPr>
+          <p:cNvPr id="6" name="Title 1"/>
+          <p:cNvSpPr>
+            <a:spLocks noGrp="1"/>
+          </p:cNvSpPr>
+          <p:nvPr>
+            <p:ph type="title"/>
+          </p:nvPr>
+        </p:nvSpPr>
+        <p:spPr>
+          <a:xfrm>
+            <a:off x="457200" y="205978"/>
+            <a:ext cx="8229600" cy="857250"/>
+          </a:xfrm>
+        </p:spPr>
+        <p:txBody>
+          <a:bodyPr/>
+          <a:lstStyle/>
+          <a:p>
+            <a:endParaRPr lang="en-US"/>
+          </a:p>
+        </p:txBody>
+      </p:sp>
+      <p:sp>
+        <p:nvSpPr>
+          <p:cNvPr id="7" name="Text Placeholder 2"/>
+          <p:cNvSpPr>
+            <a:spLocks noGrp="1"/>
+          </p:cNvSpPr>
+          <p:nvPr>
+            <p:ph type="body" idx="1"/>
+          </p:nvPr>
+        </p:nvSpPr>
+        <p:spPr>
+          <a:xfrm>
+            <a:off x="457200" y="1047750"/>
+            <a:ext cx="8229600" cy="3725680"/>
+          </a:xfrm>
+        </p:spPr>
+        <p:txBody>
+          <a:bodyPr/>
+          <a:lstStyle/>
+          <a:p>
+            <a:r>
+              <a:rPr lang="en-US" sz="1600" dirty="0" smtClean="0"/>
+              <a:t>The migration file will look like:</a:t>
+            </a:r>
+          </a:p>
+          <a:p>
+            <a:endParaRPr lang="en-US" sz="1600" dirty="0"/>
+          </a:p>
+        </p:txBody>
+      </p:sp>
+      <p:sp>
+        <p:nvSpPr>
+          <p:cNvPr id="8" name="TextBox 7"/>
+          <p:cNvSpPr txBox="1"/>
+          <p:nvPr/>
+        </p:nvSpPr>
+        <p:spPr>
+          <a:xfrm>
+            <a:off x="630865" y="1434066"/>
+            <a:ext cx="6477000" cy="2308324"/>
+          </a:xfrm>
+          <a:prstGeom prst="rect">
+            <a:avLst/>
+          </a:prstGeom>
+        </p:spPr>
+        <p:style>
+          <a:lnRef idx="1">
+            <a:schemeClr val="accent4"/>
+          </a:lnRef>
+          <a:fillRef idx="2">
+            <a:schemeClr val="accent4"/>
+          </a:fillRef>
+          <a:effectRef idx="1">
+            <a:schemeClr val="accent4"/>
+          </a:effectRef>
+          <a:fontRef idx="minor">
+            <a:schemeClr val="dk1"/>
+          </a:fontRef>
+        </p:style>
+        <p:txBody>
+          <a:bodyPr wrap="square" rtlCol="0">
+            <a:spAutoFit/>
+          </a:bodyPr>
+          <a:lstStyle/>
+          <a:p>
+            <a:pPr fontAlgn="base"/>
+            <a:r>
+              <a:rPr lang="en-US" sz="1200" dirty="0">
+                <a:latin typeface="Consolas"/>
+              </a:rPr>
+              <a:t>class </a:t>
+            </a:r>
+            <a:r>
+              <a:rPr lang="en-US" sz="1200" dirty="0" err="1">
+                <a:latin typeface="Consolas"/>
+              </a:rPr>
+              <a:t>CreatePictures</a:t>
+            </a:r>
+            <a:r>
+              <a:rPr lang="en-US" sz="1200" dirty="0">
+                <a:latin typeface="Consolas"/>
+              </a:rPr>
+              <a:t> &lt; </a:t>
+            </a:r>
+            <a:r>
+              <a:rPr lang="en-US" sz="1200" dirty="0" err="1">
+                <a:latin typeface="Consolas"/>
+              </a:rPr>
+              <a:t>ActiveRecord</a:t>
+            </a:r>
+            <a:r>
+              <a:rPr lang="en-US" sz="1200" dirty="0">
+                <a:latin typeface="Consolas"/>
+              </a:rPr>
+              <a:t>::Migration</a:t>
+            </a:r>
+          </a:p>
+          <a:p>
+            <a:pPr fontAlgn="base"/>
+            <a:r>
+              <a:rPr lang="en-US" sz="1200" dirty="0">
+                <a:latin typeface="Consolas"/>
+              </a:rPr>
+              <a:t>  </a:t>
+            </a:r>
+            <a:r>
+              <a:rPr lang="en-US" sz="1200" dirty="0" err="1">
+                <a:latin typeface="Consolas"/>
+              </a:rPr>
+              <a:t>def</a:t>
+            </a:r>
+            <a:r>
+              <a:rPr lang="en-US" sz="1200" dirty="0">
+                <a:latin typeface="Consolas"/>
+              </a:rPr>
+              <a:t> change</a:t>
+            </a:r>
+          </a:p>
+          <a:p>
+            <a:pPr fontAlgn="base"/>
+            <a:r>
+              <a:rPr lang="en-US" sz="1200" dirty="0">
+                <a:latin typeface="Consolas"/>
+              </a:rPr>
+              <a:t>    </a:t>
+            </a:r>
+            <a:r>
+              <a:rPr lang="en-US" sz="1200" dirty="0" err="1">
+                <a:latin typeface="Consolas"/>
+              </a:rPr>
+              <a:t>create_table</a:t>
+            </a:r>
+            <a:r>
+              <a:rPr lang="en-US" sz="1200" dirty="0">
+                <a:latin typeface="Consolas"/>
+              </a:rPr>
+              <a:t> :pictures do |t|</a:t>
+            </a:r>
+          </a:p>
+          <a:p>
+            <a:pPr fontAlgn="base"/>
+            <a:r>
+              <a:rPr lang="en-US" sz="1200" dirty="0">
+                <a:latin typeface="Consolas"/>
+              </a:rPr>
+              <a:t>      </a:t>
+            </a:r>
+            <a:r>
+              <a:rPr lang="en-US" sz="1200" dirty="0" err="1">
+                <a:latin typeface="Consolas"/>
+              </a:rPr>
+              <a:t>t.string</a:t>
+            </a:r>
+            <a:r>
+              <a:rPr lang="en-US" sz="1200" dirty="0">
+                <a:latin typeface="Consolas"/>
+              </a:rPr>
+              <a:t>  :name</a:t>
+            </a:r>
+          </a:p>
+          <a:p>
+            <a:pPr fontAlgn="base"/>
+            <a:r>
+              <a:rPr lang="en-US" sz="1200" dirty="0">
+                <a:latin typeface="Consolas"/>
+              </a:rPr>
+              <a:t>      </a:t>
+            </a:r>
+            <a:r>
+              <a:rPr lang="en-US" sz="1200" dirty="0" err="1">
+                <a:latin typeface="Consolas"/>
+              </a:rPr>
+              <a:t>t.integer</a:t>
+            </a:r>
+            <a:r>
+              <a:rPr lang="en-US" sz="1200" dirty="0">
+                <a:latin typeface="Consolas"/>
+              </a:rPr>
+              <a:t> :</a:t>
+            </a:r>
+            <a:r>
+              <a:rPr lang="en-US" sz="1200" dirty="0" err="1">
+                <a:latin typeface="Consolas"/>
+              </a:rPr>
+              <a:t>imageable_id</a:t>
+            </a:r>
+            <a:endParaRPr lang="en-US" sz="1200" dirty="0">
+              <a:latin typeface="Consolas"/>
+            </a:endParaRPr>
+          </a:p>
+          <a:p>
+            <a:pPr fontAlgn="base"/>
+            <a:r>
+              <a:rPr lang="en-US" sz="1200" dirty="0">
+                <a:latin typeface="Consolas"/>
+              </a:rPr>
+              <a:t>      </a:t>
+            </a:r>
+            <a:r>
+              <a:rPr lang="en-US" sz="1200" dirty="0" err="1">
+                <a:latin typeface="Consolas"/>
+              </a:rPr>
+              <a:t>t.string</a:t>
+            </a:r>
+            <a:r>
+              <a:rPr lang="en-US" sz="1200" dirty="0">
+                <a:latin typeface="Consolas"/>
+              </a:rPr>
+              <a:t>  :</a:t>
+            </a:r>
+            <a:r>
+              <a:rPr lang="en-US" sz="1200" dirty="0" err="1">
+                <a:latin typeface="Consolas"/>
+              </a:rPr>
+              <a:t>imageable_type</a:t>
+            </a:r>
+            <a:endParaRPr lang="en-US" sz="1200" dirty="0">
+              <a:latin typeface="Consolas"/>
+            </a:endParaRPr>
+          </a:p>
+          <a:p>
+            <a:pPr fontAlgn="base"/>
+            <a:r>
+              <a:rPr lang="en-US" sz="1200" dirty="0">
+                <a:latin typeface="Consolas"/>
+              </a:rPr>
+              <a:t>      </a:t>
+            </a:r>
+            <a:r>
+              <a:rPr lang="en-US" sz="1200" dirty="0" err="1">
+                <a:latin typeface="Consolas"/>
+              </a:rPr>
+              <a:t>t.timestamps</a:t>
+            </a:r>
+            <a:r>
+              <a:rPr lang="en-US" sz="1200" dirty="0">
+                <a:latin typeface="Consolas"/>
+              </a:rPr>
+              <a:t> null: false</a:t>
+            </a:r>
+          </a:p>
+          <a:p>
+            <a:pPr fontAlgn="base"/>
+            <a:r>
+              <a:rPr lang="en-US" sz="1200" dirty="0">
+                <a:latin typeface="Consolas"/>
+              </a:rPr>
+              <a:t>    end</a:t>
+            </a:r>
+          </a:p>
+          <a:p>
+            <a:pPr fontAlgn="base"/>
+            <a:r>
+              <a:rPr lang="en-US" sz="1200" dirty="0">
+                <a:latin typeface="Consolas"/>
+              </a:rPr>
+              <a:t> </a:t>
+            </a:r>
+          </a:p>
+          <a:p>
+            <a:pPr fontAlgn="base"/>
+            <a:r>
+              <a:rPr lang="en-US" sz="1200" dirty="0">
+                <a:latin typeface="Consolas"/>
+              </a:rPr>
+              <a:t>    </a:t>
+            </a:r>
+            <a:r>
+              <a:rPr lang="en-US" sz="1200" dirty="0" err="1">
+                <a:latin typeface="Consolas"/>
+              </a:rPr>
+              <a:t>add_index</a:t>
+            </a:r>
+            <a:r>
+              <a:rPr lang="en-US" sz="1200" dirty="0">
+                <a:latin typeface="Consolas"/>
+              </a:rPr>
+              <a:t> :pictures, :</a:t>
+            </a:r>
+            <a:r>
+              <a:rPr lang="en-US" sz="1200" dirty="0" err="1">
+                <a:latin typeface="Consolas"/>
+              </a:rPr>
+              <a:t>imageable_id</a:t>
+            </a:r>
+            <a:endParaRPr lang="en-US" sz="1200" dirty="0">
+              <a:latin typeface="Consolas"/>
+            </a:endParaRPr>
+          </a:p>
+          <a:p>
+            <a:pPr fontAlgn="base"/>
+            <a:r>
+              <a:rPr lang="en-US" sz="1200" dirty="0">
+                <a:latin typeface="Consolas"/>
+              </a:rPr>
+              <a:t>  end</a:t>
+            </a:r>
+          </a:p>
+          <a:p>
+            <a:pPr fontAlgn="base"/>
+            <a:r>
+              <a:rPr lang="en-US" sz="1200" dirty="0">
+                <a:latin typeface="Consolas"/>
+              </a:rPr>
+              <a:t>end</a:t>
+            </a:r>
+            <a:endParaRPr lang="en-US" sz="1200" dirty="0">
+              <a:latin typeface="Consolas"/>
+            </a:endParaRPr>
+          </a:p>
+        </p:txBody>
+      </p:sp>
+    </p:spTree>
+    <p:extLst>
+      <p:ext uri="{BB962C8B-B14F-4D97-AF65-F5344CB8AC3E}">
+        <p14:creationId xmlns:p14="http://schemas.microsoft.com/office/powerpoint/2010/main" val="3922983180"/>
+      </p:ext>
+    </p:extLst>
+  </p:cSld>
+  <p:clrMapOvr>
+    <a:masterClrMapping/>
+  </p:clrMapOvr>
+</p:sld>
+</file>
+
+<file path=ppt/slides/slide38.xml><?xml version="1.0" encoding="utf-8"?>
+<p:sld xmlns:a="http://schemas.openxmlformats.org/drawingml/2006/main" xmlns:r="http://schemas.openxmlformats.org/officeDocument/2006/relationships" xmlns:p="http://schemas.openxmlformats.org/presentationml/2006/main">
+  <p:cSld>
+    <p:spTree>
+      <p:nvGrpSpPr>
+        <p:cNvPr id="1" name=""/>
+        <p:cNvGrpSpPr/>
+        <p:nvPr/>
+      </p:nvGrpSpPr>
+      <p:grpSpPr>
+        <a:xfrm>
+          <a:off x="0" y="0"/>
+          <a:ext cx="0" cy="0"/>
+          <a:chOff x="0" y="0"/>
+          <a:chExt cx="0" cy="0"/>
+        </a:xfrm>
+      </p:grpSpPr>
+      <p:sp>
+        <p:nvSpPr>
+          <p:cNvPr id="2" name="Title 1"/>
+          <p:cNvSpPr>
+            <a:spLocks noGrp="1"/>
+          </p:cNvSpPr>
+          <p:nvPr>
+            <p:ph type="title"/>
+          </p:nvPr>
+        </p:nvSpPr>
+        <p:spPr/>
+        <p:txBody>
+          <a:bodyPr/>
+          <a:lstStyle/>
+          <a:p>
+            <a:endParaRPr lang="en-US" dirty="0"/>
+          </a:p>
+        </p:txBody>
+      </p:sp>
+      <p:sp>
+        <p:nvSpPr>
+          <p:cNvPr id="3" name="Text Placeholder 2"/>
+          <p:cNvSpPr>
+            <a:spLocks noGrp="1"/>
+          </p:cNvSpPr>
+          <p:nvPr>
+            <p:ph type="body" idx="1"/>
+          </p:nvPr>
+        </p:nvSpPr>
+        <p:spPr/>
+        <p:txBody>
+          <a:bodyPr/>
+          <a:lstStyle/>
+          <a:p>
+            <a:endParaRPr lang="en-US" dirty="0"/>
+          </a:p>
+        </p:txBody>
+      </p:sp>
+      <p:pic>
+        <p:nvPicPr>
+          <p:cNvPr id="20482" name="Picture 2"/>
+          <p:cNvPicPr>
+            <a:picLocks noChangeAspect="1" noChangeArrowheads="1"/>
+          </p:cNvPicPr>
+          <p:nvPr/>
+        </p:nvPicPr>
+        <p:blipFill>
+          <a:blip r:embed="rId2">
+            <a:extLst>
+              <a:ext uri="{28A0092B-C50C-407E-A947-70E740481C1C}">
+                <a14:useLocalDpi xmlns:a14="http://schemas.microsoft.com/office/drawing/2010/main" val="0"/>
+              </a:ext>
+            </a:extLst>
+          </a:blip>
+          <a:srcRect/>
+          <a:stretch>
+            <a:fillRect/>
+          </a:stretch>
+        </p:blipFill>
+        <p:spPr bwMode="auto">
+          <a:xfrm>
+            <a:off x="1557338" y="676275"/>
+            <a:ext cx="6029325" cy="3790950"/>
+          </a:xfrm>
+          <a:prstGeom prst="rect">
+            <a:avLst/>
+          </a:prstGeom>
+          <a:noFill/>
+          <a:ln>
+            <a:noFill/>
+          </a:ln>
+          <a:effectLst/>
+          <a:extLst>
+            <a:ext uri="{909E8E84-426E-40DD-AFC4-6F175D3DCCD1}">
+              <a14:hiddenFill xmlns:a14="http://schemas.microsoft.com/office/drawing/2010/main">
+                <a:solidFill>
+                  <a:schemeClr val="accent1"/>
+                </a:solidFill>
+              </a14:hiddenFill>
+            </a:ext>
+            <a:ext uri="{91240B29-F687-4F45-9708-019B960494DF}">
+              <a14:hiddenLine xmlns:a14="http://schemas.microsoft.com/office/drawing/2010/main" w="9525">
+                <a:solidFill>
+                  <a:schemeClr val="tx1"/>
+                </a:solidFill>
+                <a:miter lim="800000"/>
+                <a:headEnd/>
+                <a:tailEnd/>
+              </a14:hiddenLine>
+            </a:ext>
+            <a:ext uri="{AF507438-7753-43E0-B8FC-AC1667EBCBE1}">
+              <a14:hiddenEffects xmlns:a14="http://schemas.microsoft.com/office/drawing/2010/main">
+                <a:effectLst>
+                  <a:outerShdw dist="35921" dir="2700000" algn="ctr" rotWithShape="0">
+                    <a:schemeClr val="bg2"/>
+                  </a:outerShdw>
+                </a:effectLst>
+              </a14:hiddenEffects>
+            </a:ext>
+          </a:extLst>
+        </p:spPr>
+      </p:pic>
+    </p:spTree>
+    <p:extLst>
+      <p:ext uri="{BB962C8B-B14F-4D97-AF65-F5344CB8AC3E}">
+        <p14:creationId xmlns:p14="http://schemas.microsoft.com/office/powerpoint/2010/main" val="306225249"/>
+      </p:ext>
+    </p:extLst>
+  </p:cSld>
+  <p:clrMapOvr>
+    <a:masterClrMapping/>
+  </p:clrMapOvr>
+</p:sld>
+</file>
+
+<file path=ppt/slides/slide39.xml><?xml version="1.0" encoding="utf-8"?>
+<p:sld xmlns:a="http://schemas.openxmlformats.org/drawingml/2006/main" xmlns:r="http://schemas.openxmlformats.org/officeDocument/2006/relationships" xmlns:p="http://schemas.openxmlformats.org/presentationml/2006/main">
+  <p:cSld>
+    <p:bg>
+      <p:bgPr>
+        <a:noFill/>
+        <a:effectLst/>
+      </p:bgPr>
+    </p:bg>
+    <p:spTree>
+      <p:nvGrpSpPr>
+        <p:cNvPr id="1" name=""/>
+        <p:cNvGrpSpPr/>
+        <p:nvPr/>
+      </p:nvGrpSpPr>
+      <p:grpSpPr>
+        <a:xfrm>
+          <a:off x="0" y="0"/>
+          <a:ext cx="0" cy="0"/>
+          <a:chOff x="0" y="0"/>
+          <a:chExt cx="0" cy="0"/>
+        </a:xfrm>
+      </p:grpSpPr>
+      <p:sp>
+        <p:nvSpPr>
+          <p:cNvPr id="2" name="Title 1"/>
+          <p:cNvSpPr>
+            <a:spLocks noGrp="1"/>
+          </p:cNvSpPr>
+          <p:nvPr>
+            <p:ph type="title"/>
+          </p:nvPr>
+        </p:nvSpPr>
+        <p:spPr/>
+        <p:txBody>
+          <a:bodyPr/>
+          <a:lstStyle/>
+          <a:p>
+            <a:r>
+              <a:rPr lang="en-US" sz="1400" dirty="0" smtClean="0"/>
+              <a:t/>
+            </a:r>
+            <a:br>
+              <a:rPr lang="en-US" sz="1400" dirty="0" smtClean="0"/>
+            </a:br>
+            <a:r>
+              <a:rPr lang="en-US" sz="1400" dirty="0"/>
+              <a:t/>
+            </a:r>
+            <a:br>
+              <a:rPr lang="en-US" sz="1400" dirty="0"/>
+            </a:br>
+            <a:r>
+              <a:rPr lang="en-US" sz="1400" dirty="0" smtClean="0"/>
+              <a:t>9.1.3 </a:t>
+            </a:r>
+            <a:r>
+              <a:rPr lang="en-US" sz="1400" dirty="0"/>
+              <a:t>Self </a:t>
+            </a:r>
+            <a:r>
+              <a:rPr lang="en-US" sz="1400" dirty="0" smtClean="0"/>
+              <a:t>Joins</a:t>
+            </a:r>
+            <a:br>
+              <a:rPr lang="en-US" sz="1400" dirty="0" smtClean="0"/>
+            </a:br>
+            <a:r>
+              <a:rPr lang="en-US" sz="1400" dirty="0" smtClean="0"/>
+              <a:t/>
+            </a:r>
+            <a:br>
+              <a:rPr lang="en-US" sz="1400" dirty="0" smtClean="0"/>
+            </a:br>
+            <a:endParaRPr lang="en-US" sz="1400" dirty="0"/>
+          </a:p>
+        </p:txBody>
+      </p:sp>
+      <p:sp>
+        <p:nvSpPr>
+          <p:cNvPr id="3" name="Text Placeholder 2"/>
+          <p:cNvSpPr>
+            <a:spLocks noGrp="1"/>
+          </p:cNvSpPr>
+          <p:nvPr>
+            <p:ph type="body" idx="1"/>
+          </p:nvPr>
+        </p:nvSpPr>
+        <p:spPr>
+          <a:xfrm>
+            <a:off x="457200" y="666750"/>
+            <a:ext cx="8229600" cy="3725680"/>
+          </a:xfrm>
+        </p:spPr>
+        <p:txBody>
+          <a:bodyPr/>
+          <a:lstStyle/>
+          <a:p>
+            <a:pPr marL="342900" lvl="1" indent="-342900">
+              <a:buFont typeface="Arial" pitchFamily="34" charset="0"/>
+              <a:buChar char="•"/>
+            </a:pPr>
+            <a:r>
+              <a:rPr lang="en-US" sz="1600" dirty="0" smtClean="0"/>
+              <a:t>Creates a model that will have association to itself</a:t>
+            </a:r>
+            <a:br>
+              <a:rPr lang="en-US" sz="1600" dirty="0" smtClean="0"/>
+            </a:br>
+            <a:endParaRPr lang="en-US" sz="1600" dirty="0" smtClean="0"/>
+          </a:p>
+          <a:p>
+            <a:pPr marL="342900" lvl="1" indent="-342900">
+              <a:buFont typeface="Arial" pitchFamily="34" charset="0"/>
+              <a:buChar char="•"/>
+            </a:pPr>
+            <a:r>
+              <a:rPr lang="en-US" sz="1600" dirty="0" smtClean="0"/>
+              <a:t>You </a:t>
+            </a:r>
+            <a:r>
+              <a:rPr lang="en-US" sz="1600" dirty="0"/>
+              <a:t>may want to store all employees in a single database model, but be able to trace relationships such as between manager and subordinates</a:t>
+            </a:r>
+            <a:endParaRPr lang="en-US" sz="1400" dirty="0" smtClean="0"/>
+          </a:p>
+        </p:txBody>
+      </p:sp>
+      <p:sp>
+        <p:nvSpPr>
+          <p:cNvPr id="4" name="TextBox 3"/>
+          <p:cNvSpPr txBox="1"/>
+          <p:nvPr/>
+        </p:nvSpPr>
+        <p:spPr>
+          <a:xfrm>
+            <a:off x="882503" y="2038350"/>
+            <a:ext cx="6477000" cy="1200329"/>
+          </a:xfrm>
+          <a:prstGeom prst="rect">
+            <a:avLst/>
+          </a:prstGeom>
+        </p:spPr>
+        <p:style>
+          <a:lnRef idx="1">
+            <a:schemeClr val="accent4"/>
+          </a:lnRef>
+          <a:fillRef idx="2">
+            <a:schemeClr val="accent4"/>
+          </a:fillRef>
+          <a:effectRef idx="1">
+            <a:schemeClr val="accent4"/>
+          </a:effectRef>
+          <a:fontRef idx="minor">
+            <a:schemeClr val="dk1"/>
+          </a:fontRef>
+        </p:style>
+        <p:txBody>
+          <a:bodyPr wrap="square" rtlCol="0">
+            <a:spAutoFit/>
+          </a:bodyPr>
+          <a:lstStyle/>
+          <a:p>
+            <a:pPr fontAlgn="base"/>
+            <a:r>
+              <a:rPr lang="en-US" sz="1200" dirty="0">
+                <a:latin typeface="Consolas"/>
+              </a:rPr>
+              <a:t>class Employee &lt; </a:t>
+            </a:r>
+            <a:r>
+              <a:rPr lang="en-US" sz="1200" dirty="0" err="1">
+                <a:latin typeface="Consolas"/>
+              </a:rPr>
+              <a:t>ActiveRecord</a:t>
+            </a:r>
+            <a:r>
+              <a:rPr lang="en-US" sz="1200" dirty="0">
+                <a:latin typeface="Consolas"/>
+              </a:rPr>
+              <a:t>::Base</a:t>
+            </a:r>
+          </a:p>
+          <a:p>
+            <a:pPr fontAlgn="base"/>
+            <a:r>
+              <a:rPr lang="en-US" sz="1200" dirty="0">
+                <a:latin typeface="Consolas"/>
+              </a:rPr>
+              <a:t>  </a:t>
+            </a:r>
+            <a:r>
+              <a:rPr lang="en-US" sz="1200" dirty="0" err="1">
+                <a:latin typeface="Consolas"/>
+              </a:rPr>
+              <a:t>has_many</a:t>
+            </a:r>
+            <a:r>
+              <a:rPr lang="en-US" sz="1200" dirty="0">
+                <a:latin typeface="Consolas"/>
+              </a:rPr>
+              <a:t> :subordinates, </a:t>
+            </a:r>
+            <a:r>
+              <a:rPr lang="en-US" sz="1200" dirty="0" err="1">
+                <a:latin typeface="Consolas"/>
+              </a:rPr>
+              <a:t>class_name</a:t>
+            </a:r>
+            <a:r>
+              <a:rPr lang="en-US" sz="1200" dirty="0">
+                <a:latin typeface="Consolas"/>
+              </a:rPr>
+              <a:t>: "Employee",</a:t>
+            </a:r>
+          </a:p>
+          <a:p>
+            <a:pPr fontAlgn="base"/>
+            <a:r>
+              <a:rPr lang="en-US" sz="1200" dirty="0">
+                <a:latin typeface="Consolas"/>
+              </a:rPr>
+              <a:t>                          </a:t>
+            </a:r>
+            <a:r>
+              <a:rPr lang="en-US" sz="1200" dirty="0" err="1">
+                <a:latin typeface="Consolas"/>
+              </a:rPr>
+              <a:t>foreign_key</a:t>
+            </a:r>
+            <a:r>
+              <a:rPr lang="en-US" sz="1200" dirty="0">
+                <a:latin typeface="Consolas"/>
+              </a:rPr>
+              <a:t>: "</a:t>
+            </a:r>
+            <a:r>
+              <a:rPr lang="en-US" sz="1200" dirty="0" err="1">
+                <a:latin typeface="Consolas"/>
+              </a:rPr>
+              <a:t>manager_id</a:t>
+            </a:r>
+            <a:r>
+              <a:rPr lang="en-US" sz="1200" dirty="0">
+                <a:latin typeface="Consolas"/>
+              </a:rPr>
+              <a:t>"</a:t>
+            </a:r>
+          </a:p>
+          <a:p>
+            <a:pPr fontAlgn="base"/>
+            <a:r>
+              <a:rPr lang="en-US" sz="1200" dirty="0">
+                <a:latin typeface="Consolas"/>
+              </a:rPr>
+              <a:t> </a:t>
+            </a:r>
+          </a:p>
+          <a:p>
+            <a:pPr fontAlgn="base"/>
+            <a:r>
+              <a:rPr lang="en-US" sz="1200" dirty="0">
+                <a:latin typeface="Consolas"/>
+              </a:rPr>
+              <a:t>  </a:t>
+            </a:r>
+            <a:r>
+              <a:rPr lang="en-US" sz="1200" dirty="0" err="1">
+                <a:latin typeface="Consolas"/>
+              </a:rPr>
+              <a:t>belongs_to</a:t>
+            </a:r>
+            <a:r>
+              <a:rPr lang="en-US" sz="1200" dirty="0">
+                <a:latin typeface="Consolas"/>
+              </a:rPr>
+              <a:t> :manager, </a:t>
+            </a:r>
+            <a:r>
+              <a:rPr lang="en-US" sz="1200" dirty="0" err="1">
+                <a:latin typeface="Consolas"/>
+              </a:rPr>
+              <a:t>class_name</a:t>
+            </a:r>
+            <a:r>
+              <a:rPr lang="en-US" sz="1200" dirty="0">
+                <a:latin typeface="Consolas"/>
+              </a:rPr>
+              <a:t>: "Employee"</a:t>
+            </a:r>
+          </a:p>
+          <a:p>
+            <a:pPr fontAlgn="base"/>
+            <a:r>
+              <a:rPr lang="en-US" sz="1200" dirty="0">
+                <a:latin typeface="Consolas"/>
+              </a:rPr>
+              <a:t>end</a:t>
+            </a:r>
+            <a:endParaRPr lang="en-US" sz="1200" dirty="0">
+              <a:latin typeface="Consolas"/>
+            </a:endParaRPr>
+          </a:p>
+        </p:txBody>
+      </p:sp>
+    </p:spTree>
+    <p:extLst>
+      <p:ext uri="{BB962C8B-B14F-4D97-AF65-F5344CB8AC3E}">
+        <p14:creationId xmlns:p14="http://schemas.microsoft.com/office/powerpoint/2010/main" val="4118489298"/>
+      </p:ext>
+    </p:extLst>
+  </p:cSld>
+  <p:clrMapOvr>
+    <a:masterClrMapping/>
+  </p:clrMapOvr>
+</p:sld>
+</file>
+
 <file path=ppt/slides/slide4.xml><?xml version="1.0" encoding="utf-8"?>
 <p:sld xmlns:a="http://schemas.openxmlformats.org/drawingml/2006/main" xmlns:r="http://schemas.openxmlformats.org/officeDocument/2006/relationships" xmlns:p="http://schemas.openxmlformats.org/presentationml/2006/main">
   <p:cSld>
@@ -8100,6 +15062,115 @@
               <a:buNone/>
             </a:pPr>
             <a:endParaRPr dirty="0"/>
+          </a:p>
+        </p:txBody>
+      </p:sp>
+    </p:spTree>
+  </p:cSld>
+  <p:clrMapOvr>
+    <a:masterClrMapping/>
+  </p:clrMapOvr>
+  <p:transition spd="slow">
+    <p:cut/>
+  </p:transition>
+  <p:timing>
+    <p:tnLst>
+      <p:par>
+        <p:cTn id="1" dur="indefinite" restart="never" nodeType="tmRoot"/>
+      </p:par>
+    </p:tnLst>
+  </p:timing>
+</p:sld>
+</file>
+
+<file path=ppt/slides/slide40.xml><?xml version="1.0" encoding="utf-8"?>
+<p:sld xmlns:a="http://schemas.openxmlformats.org/drawingml/2006/main" xmlns:r="http://schemas.openxmlformats.org/officeDocument/2006/relationships" xmlns:p="http://schemas.openxmlformats.org/presentationml/2006/main">
+  <p:cSld>
+    <p:spTree>
+      <p:nvGrpSpPr>
+        <p:cNvPr id="1" name="Shape 131"/>
+        <p:cNvGrpSpPr/>
+        <p:nvPr/>
+      </p:nvGrpSpPr>
+      <p:grpSpPr>
+        <a:xfrm>
+          <a:off x="0" y="0"/>
+          <a:ext cx="0" cy="0"/>
+          <a:chOff x="0" y="0"/>
+          <a:chExt cx="0" cy="0"/>
+        </a:xfrm>
+      </p:grpSpPr>
+      <p:sp>
+        <p:nvSpPr>
+          <p:cNvPr id="132" name="Shape 132"/>
+          <p:cNvSpPr txBox="1">
+            <a:spLocks noGrp="1"/>
+          </p:cNvSpPr>
+          <p:nvPr>
+            <p:ph type="title"/>
+          </p:nvPr>
+        </p:nvSpPr>
+        <p:spPr>
+          <a:xfrm>
+            <a:off x="533400" y="2038350"/>
+            <a:ext cx="8229600" cy="857400"/>
+          </a:xfrm>
+          <a:prstGeom prst="rect">
+            <a:avLst/>
+          </a:prstGeom>
+        </p:spPr>
+        <p:txBody>
+          <a:bodyPr lIns="91425" tIns="91425" rIns="91425" bIns="91425" anchor="b" anchorCtr="0">
+            <a:noAutofit/>
+          </a:bodyPr>
+          <a:lstStyle/>
+          <a:p>
+            <a:pPr algn="ctr">
+              <a:spcBef>
+                <a:spcPts val="0"/>
+              </a:spcBef>
+              <a:buNone/>
+            </a:pPr>
+            <a:r>
+              <a:rPr lang="en-US" dirty="0" smtClean="0"/>
+              <a:t>Thank You</a:t>
+            </a:r>
+            <a:endParaRPr dirty="0"/>
+          </a:p>
+        </p:txBody>
+      </p:sp>
+      <p:sp>
+        <p:nvSpPr>
+          <p:cNvPr id="133" name="Shape 133"/>
+          <p:cNvSpPr txBox="1">
+            <a:spLocks noGrp="1"/>
+          </p:cNvSpPr>
+          <p:nvPr>
+            <p:ph type="body" idx="1"/>
+          </p:nvPr>
+        </p:nvSpPr>
+        <p:spPr>
+          <a:xfrm>
+            <a:off x="457200" y="4095749"/>
+            <a:ext cx="8229600" cy="830125"/>
+          </a:xfrm>
+          <a:prstGeom prst="rect">
+            <a:avLst/>
+          </a:prstGeom>
+        </p:spPr>
+        <p:txBody>
+          <a:bodyPr lIns="91425" tIns="91425" rIns="91425" bIns="91425" anchor="t" anchorCtr="0">
+            <a:noAutofit/>
+          </a:bodyPr>
+          <a:lstStyle/>
+          <a:p>
+            <a:pPr>
+              <a:spcBef>
+                <a:spcPts val="0"/>
+              </a:spcBef>
+              <a:buNone/>
+            </a:pPr>
+            <a:endParaRPr sz="1200" dirty="0"/>
           </a:p>
         </p:txBody>
       </p:sp>
@@ -8312,7 +15383,6 @@
               <a:rPr lang="en-US" sz="1800" dirty="0"/>
               <a:t>3.1 Naming Conventions</a:t>
             </a:r>
-            <a:endParaRPr lang="en-US" sz="1800" dirty="0"/>
           </a:p>
         </p:txBody>
       </p:sp>
@@ -8383,11 +15453,7 @@
             </a:r>
             <a:r>
               <a:rPr lang="en-US" sz="1600" i="1" dirty="0"/>
-              <a:t>class </a:t>
-            </a:r>
-            <a:r>
-              <a:rPr lang="en-US" sz="1600" i="1" dirty="0"/>
-              <a:t>Book</a:t>
+              <a:t>class Book</a:t>
             </a:r>
             <a:r>
               <a:rPr lang="en-US" sz="1600" dirty="0"/>
@@ -8558,7 +15624,6 @@
               <a:rPr lang="en-US" sz="1600" dirty="0"/>
               <a:t>the table name must contain the words separated by underscores</a:t>
             </a:r>
-            <a:endParaRPr lang="en-US" sz="1600" dirty="0"/>
           </a:p>
         </p:txBody>
       </p:sp>
@@ -8626,7 +15691,6 @@
               <a:rPr lang="en-US" sz="1800" dirty="0"/>
               <a:t>3.2 Schema Conventions</a:t>
             </a:r>
-            <a:endParaRPr lang="en-US" sz="1800" dirty="0"/>
           </a:p>
         </p:txBody>
       </p:sp>
@@ -8819,11 +15883,7 @@
             </a:r>
             <a:r>
               <a:rPr lang="en-US" sz="1600" dirty="0"/>
-              <a:t>::Base</a:t>
-            </a:r>
-            <a:r>
-              <a:rPr lang="en-US" sz="1600" dirty="0"/>
-              <a:t> class and you're good to go</a:t>
+              <a:t>::Base class and you're good to go</a:t>
             </a:r>
             <a:r>
               <a:rPr lang="en-US" sz="1600" dirty="0" smtClean="0"/>
@@ -8864,23 +15924,11 @@
             </a:r>
             <a:r>
               <a:rPr lang="en-US" sz="1600" i="1" dirty="0"/>
-              <a:t>Product</a:t>
-            </a:r>
-            <a:r>
-              <a:rPr lang="en-US" sz="1600" i="1" dirty="0"/>
-              <a:t> model</a:t>
+              <a:t>Product model</a:t>
             </a:r>
             <a:r>
               <a:rPr lang="en-US" sz="1600" dirty="0"/>
-              <a:t>, mapped to a </a:t>
-            </a:r>
-            <a:r>
-              <a:rPr lang="en-US" sz="1600" dirty="0"/>
-              <a:t>products</a:t>
-            </a:r>
-            <a:r>
-              <a:rPr lang="en-US" sz="1600" dirty="0"/>
-              <a:t> table at the database</a:t>
+              <a:t>, mapped to a products table at the database</a:t>
             </a:r>
             <a:endParaRPr sz="1600" dirty="0"/>
           </a:p>
